--- a/results/MechPropModels_summary.pptx
+++ b/results/MechPropModels_summary.pptx
@@ -5,10 +5,10 @@
     <p:sldMasterId id="2147483648" r:id="rId4"/>
   </p:sldMasterIdLst>
   <p:notesMasterIdLst>
-    <p:notesMasterId r:id="rId12"/>
+    <p:notesMasterId r:id="rId27"/>
   </p:notesMasterIdLst>
   <p:handoutMasterIdLst>
-    <p:handoutMasterId r:id="rId13"/>
+    <p:handoutMasterId r:id="rId28"/>
   </p:handoutMasterIdLst>
   <p:sldIdLst>
     <p:sldId id="269" r:id="rId5"/>
@@ -18,11 +18,26 @@
     <p:sldId id="272" r:id="rId9"/>
     <p:sldId id="273" r:id="rId10"/>
     <p:sldId id="274" r:id="rId11"/>
+    <p:sldId id="275" r:id="rId12"/>
+    <p:sldId id="276" r:id="rId13"/>
+    <p:sldId id="285" r:id="rId14"/>
+    <p:sldId id="277" r:id="rId15"/>
+    <p:sldId id="278" r:id="rId16"/>
+    <p:sldId id="281" r:id="rId17"/>
+    <p:sldId id="282" r:id="rId18"/>
+    <p:sldId id="283" r:id="rId19"/>
+    <p:sldId id="288" r:id="rId20"/>
+    <p:sldId id="284" r:id="rId21"/>
+    <p:sldId id="287" r:id="rId22"/>
+    <p:sldId id="286" r:id="rId23"/>
+    <p:sldId id="289" r:id="rId24"/>
+    <p:sldId id="291" r:id="rId25"/>
+    <p:sldId id="290" r:id="rId26"/>
   </p:sldIdLst>
   <p:sldSz cx="9144000" cy="6858000" type="screen4x3"/>
   <p:notesSz cx="6858000" cy="9144000"/>
   <p:custDataLst>
-    <p:tags r:id="rId14"/>
+    <p:tags r:id="rId29"/>
   </p:custDataLst>
   <p:defaultTextStyle>
     <a:defPPr>
@@ -211,7 +226,7 @@
             <a:fld id="{4FEBF33E-D9A7-42CC-B598-9AD8356CBB5A}" type="datetimeFigureOut">
               <a:rPr lang="en-US" smtClean="0"/>
               <a:pPr/>
-              <a:t>11/9/2018</a:t>
+              <a:t>1/11/2019</a:t>
             </a:fld>
             <a:endParaRPr lang="en-US"/>
           </a:p>
@@ -379,7 +394,7 @@
             <a:fld id="{C3B58700-9FA2-48CE-AC88-D71D45EB490A}" type="datetimeFigureOut">
               <a:rPr lang="en-US" smtClean="0"/>
               <a:pPr/>
-              <a:t>11/9/2018</a:t>
+              <a:t>1/11/2019</a:t>
             </a:fld>
             <a:endParaRPr lang="en-US" dirty="0"/>
           </a:p>
@@ -806,6 +821,554 @@
         </p:txBody>
       </p:sp>
     </p:spTree>
+  </p:cSld>
+  <p:clrMapOvr>
+    <a:masterClrMapping/>
+  </p:clrMapOvr>
+</p:notes>
+</file>
+
+<file path=ppt/notesSlides/notesSlide3.xml><?xml version="1.0" encoding="utf-8"?>
+<p:notes xmlns:a="http://schemas.openxmlformats.org/drawingml/2006/main" xmlns:r="http://schemas.openxmlformats.org/officeDocument/2006/relationships" xmlns:p="http://schemas.openxmlformats.org/presentationml/2006/main">
+  <p:cSld>
+    <p:spTree>
+      <p:nvGrpSpPr>
+        <p:cNvPr id="1" name=""/>
+        <p:cNvGrpSpPr/>
+        <p:nvPr/>
+      </p:nvGrpSpPr>
+      <p:grpSpPr>
+        <a:xfrm>
+          <a:off x="0" y="0"/>
+          <a:ext cx="0" cy="0"/>
+          <a:chOff x="0" y="0"/>
+          <a:chExt cx="0" cy="0"/>
+        </a:xfrm>
+      </p:grpSpPr>
+      <p:sp>
+        <p:nvSpPr>
+          <p:cNvPr id="2" name="Slide Image Placeholder 1"/>
+          <p:cNvSpPr>
+            <a:spLocks noGrp="1" noRot="1" noChangeAspect="1"/>
+          </p:cNvSpPr>
+          <p:nvPr>
+            <p:ph type="sldImg"/>
+          </p:nvPr>
+        </p:nvSpPr>
+        <p:spPr/>
+      </p:sp>
+      <p:sp>
+        <p:nvSpPr>
+          <p:cNvPr id="3" name="Notes Placeholder 2"/>
+          <p:cNvSpPr>
+            <a:spLocks noGrp="1"/>
+          </p:cNvSpPr>
+          <p:nvPr>
+            <p:ph type="body" idx="1"/>
+          </p:nvPr>
+        </p:nvSpPr>
+        <p:spPr/>
+        <p:txBody>
+          <a:bodyPr/>
+          <a:lstStyle/>
+          <a:p>
+            <a:endParaRPr lang="en-US" dirty="0"/>
+          </a:p>
+        </p:txBody>
+      </p:sp>
+      <p:sp>
+        <p:nvSpPr>
+          <p:cNvPr id="4" name="Slide Number Placeholder 3"/>
+          <p:cNvSpPr>
+            <a:spLocks noGrp="1"/>
+          </p:cNvSpPr>
+          <p:nvPr>
+            <p:ph type="sldNum" sz="quarter" idx="10"/>
+          </p:nvPr>
+        </p:nvSpPr>
+        <p:spPr/>
+        <p:txBody>
+          <a:bodyPr/>
+          <a:lstStyle/>
+          <a:p>
+            <a:fld id="{FE9BC4E5-2BC1-4F43-85DD-A1B8F74CB7EB}" type="slidenum">
+              <a:rPr lang="en-US" smtClean="0"/>
+              <a:pPr/>
+              <a:t>11</a:t>
+            </a:fld>
+            <a:endParaRPr lang="en-US" dirty="0"/>
+          </a:p>
+        </p:txBody>
+      </p:sp>
+    </p:spTree>
+    <p:extLst>
+      <p:ext uri="{BB962C8B-B14F-4D97-AF65-F5344CB8AC3E}">
+        <p14:creationId xmlns:p14="http://schemas.microsoft.com/office/powerpoint/2010/main" val="2579828197"/>
+      </p:ext>
+    </p:extLst>
+  </p:cSld>
+  <p:clrMapOvr>
+    <a:masterClrMapping/>
+  </p:clrMapOvr>
+</p:notes>
+</file>
+
+<file path=ppt/notesSlides/notesSlide4.xml><?xml version="1.0" encoding="utf-8"?>
+<p:notes xmlns:a="http://schemas.openxmlformats.org/drawingml/2006/main" xmlns:r="http://schemas.openxmlformats.org/officeDocument/2006/relationships" xmlns:p="http://schemas.openxmlformats.org/presentationml/2006/main">
+  <p:cSld>
+    <p:spTree>
+      <p:nvGrpSpPr>
+        <p:cNvPr id="1" name=""/>
+        <p:cNvGrpSpPr/>
+        <p:nvPr/>
+      </p:nvGrpSpPr>
+      <p:grpSpPr>
+        <a:xfrm>
+          <a:off x="0" y="0"/>
+          <a:ext cx="0" cy="0"/>
+          <a:chOff x="0" y="0"/>
+          <a:chExt cx="0" cy="0"/>
+        </a:xfrm>
+      </p:grpSpPr>
+      <p:sp>
+        <p:nvSpPr>
+          <p:cNvPr id="2" name="Slide Image Placeholder 1"/>
+          <p:cNvSpPr>
+            <a:spLocks noGrp="1" noRot="1" noChangeAspect="1"/>
+          </p:cNvSpPr>
+          <p:nvPr>
+            <p:ph type="sldImg"/>
+          </p:nvPr>
+        </p:nvSpPr>
+        <p:spPr/>
+      </p:sp>
+      <p:sp>
+        <p:nvSpPr>
+          <p:cNvPr id="3" name="Notes Placeholder 2"/>
+          <p:cNvSpPr>
+            <a:spLocks noGrp="1"/>
+          </p:cNvSpPr>
+          <p:nvPr>
+            <p:ph type="body" idx="1"/>
+          </p:nvPr>
+        </p:nvSpPr>
+        <p:spPr/>
+        <p:txBody>
+          <a:bodyPr/>
+          <a:lstStyle/>
+          <a:p>
+            <a:r>
+              <a:rPr lang="en-US" dirty="0" smtClean="0"/>
+              <a:t>Training performed 5 times,</a:t>
+            </a:r>
+            <a:r>
+              <a:rPr lang="en-US" baseline="0" dirty="0" smtClean="0"/>
+              <a:t> top 5 from each instance collected.</a:t>
+            </a:r>
+          </a:p>
+          <a:p>
+            <a:r>
+              <a:rPr lang="en-US" baseline="0" dirty="0" smtClean="0"/>
+              <a:t>Duplicate features (across separate training instances) have their </a:t>
+            </a:r>
+            <a:r>
+              <a:rPr lang="en-US" baseline="0" dirty="0" err="1" smtClean="0"/>
+              <a:t>importances</a:t>
+            </a:r>
+            <a:r>
+              <a:rPr lang="en-US" baseline="0" dirty="0" smtClean="0"/>
+              <a:t> summed to give a sort of averaged importance </a:t>
+            </a:r>
+          </a:p>
+          <a:p>
+            <a:endParaRPr lang="en-US" baseline="0" dirty="0" smtClean="0"/>
+          </a:p>
+          <a:p>
+            <a:r>
+              <a:rPr lang="en-US" baseline="0" dirty="0" smtClean="0"/>
+              <a:t>Only </a:t>
+            </a:r>
+            <a:r>
+              <a:rPr lang="en-US" baseline="0" smtClean="0"/>
+              <a:t>melting Temperature in common</a:t>
+            </a:r>
+            <a:endParaRPr lang="en-US" dirty="0"/>
+          </a:p>
+        </p:txBody>
+      </p:sp>
+      <p:sp>
+        <p:nvSpPr>
+          <p:cNvPr id="4" name="Slide Number Placeholder 3"/>
+          <p:cNvSpPr>
+            <a:spLocks noGrp="1"/>
+          </p:cNvSpPr>
+          <p:nvPr>
+            <p:ph type="sldNum" sz="quarter" idx="10"/>
+          </p:nvPr>
+        </p:nvSpPr>
+        <p:spPr/>
+        <p:txBody>
+          <a:bodyPr/>
+          <a:lstStyle/>
+          <a:p>
+            <a:fld id="{FE9BC4E5-2BC1-4F43-85DD-A1B8F74CB7EB}" type="slidenum">
+              <a:rPr lang="en-US" smtClean="0"/>
+              <a:pPr/>
+              <a:t>14</a:t>
+            </a:fld>
+            <a:endParaRPr lang="en-US" dirty="0"/>
+          </a:p>
+        </p:txBody>
+      </p:sp>
+    </p:spTree>
+    <p:extLst>
+      <p:ext uri="{BB962C8B-B14F-4D97-AF65-F5344CB8AC3E}">
+        <p14:creationId xmlns:p14="http://schemas.microsoft.com/office/powerpoint/2010/main" val="1088966320"/>
+      </p:ext>
+    </p:extLst>
+  </p:cSld>
+  <p:clrMapOvr>
+    <a:masterClrMapping/>
+  </p:clrMapOvr>
+</p:notes>
+</file>
+
+<file path=ppt/notesSlides/notesSlide5.xml><?xml version="1.0" encoding="utf-8"?>
+<p:notes xmlns:a="http://schemas.openxmlformats.org/drawingml/2006/main" xmlns:r="http://schemas.openxmlformats.org/officeDocument/2006/relationships" xmlns:p="http://schemas.openxmlformats.org/presentationml/2006/main">
+  <p:cSld>
+    <p:spTree>
+      <p:nvGrpSpPr>
+        <p:cNvPr id="1" name=""/>
+        <p:cNvGrpSpPr/>
+        <p:nvPr/>
+      </p:nvGrpSpPr>
+      <p:grpSpPr>
+        <a:xfrm>
+          <a:off x="0" y="0"/>
+          <a:ext cx="0" cy="0"/>
+          <a:chOff x="0" y="0"/>
+          <a:chExt cx="0" cy="0"/>
+        </a:xfrm>
+      </p:grpSpPr>
+      <p:sp>
+        <p:nvSpPr>
+          <p:cNvPr id="2" name="Slide Image Placeholder 1"/>
+          <p:cNvSpPr>
+            <a:spLocks noGrp="1" noRot="1" noChangeAspect="1"/>
+          </p:cNvSpPr>
+          <p:nvPr>
+            <p:ph type="sldImg"/>
+          </p:nvPr>
+        </p:nvSpPr>
+        <p:spPr/>
+      </p:sp>
+      <p:sp>
+        <p:nvSpPr>
+          <p:cNvPr id="3" name="Notes Placeholder 2"/>
+          <p:cNvSpPr>
+            <a:spLocks noGrp="1"/>
+          </p:cNvSpPr>
+          <p:nvPr>
+            <p:ph type="body" idx="1"/>
+          </p:nvPr>
+        </p:nvSpPr>
+        <p:spPr/>
+        <p:txBody>
+          <a:bodyPr/>
+          <a:lstStyle/>
+          <a:p>
+            <a:r>
+              <a:rPr lang="en-US" dirty="0" smtClean="0"/>
+              <a:t>Train</a:t>
+            </a:r>
+            <a:r>
+              <a:rPr lang="en-US" baseline="0" dirty="0" smtClean="0"/>
+              <a:t> on </a:t>
+            </a:r>
+            <a:r>
+              <a:rPr lang="en-US" baseline="0" dirty="0" err="1" smtClean="0"/>
+              <a:t>Vegards</a:t>
+            </a:r>
+            <a:r>
+              <a:rPr lang="en-US" baseline="0" dirty="0" smtClean="0"/>
+              <a:t> data exactly</a:t>
+            </a:r>
+          </a:p>
+          <a:p>
+            <a:r>
+              <a:rPr lang="en-US" baseline="0" dirty="0" smtClean="0"/>
+              <a:t>Look up feats</a:t>
+            </a:r>
+          </a:p>
+          <a:p>
+            <a:r>
+              <a:rPr lang="en-US" baseline="0" dirty="0" smtClean="0"/>
+              <a:t>Look at next few feats</a:t>
+            </a:r>
+          </a:p>
+          <a:p>
+            <a:r>
+              <a:rPr lang="en-US" baseline="0" dirty="0" err="1" smtClean="0"/>
+              <a:t>Youngs</a:t>
+            </a:r>
+            <a:r>
+              <a:rPr lang="en-US" baseline="0" dirty="0" smtClean="0"/>
+              <a:t> mod</a:t>
+            </a:r>
+          </a:p>
+          <a:p>
+            <a:endParaRPr lang="en-US" baseline="0" dirty="0" smtClean="0"/>
+          </a:p>
+          <a:p>
+            <a:r>
+              <a:rPr lang="en-US" baseline="0" dirty="0" smtClean="0"/>
+              <a:t>MP API To check and see other comps, see how model compares to DFT</a:t>
+            </a:r>
+            <a:endParaRPr lang="en-US" dirty="0"/>
+          </a:p>
+        </p:txBody>
+      </p:sp>
+      <p:sp>
+        <p:nvSpPr>
+          <p:cNvPr id="4" name="Slide Number Placeholder 3"/>
+          <p:cNvSpPr>
+            <a:spLocks noGrp="1"/>
+          </p:cNvSpPr>
+          <p:nvPr>
+            <p:ph type="sldNum" sz="quarter" idx="10"/>
+          </p:nvPr>
+        </p:nvSpPr>
+        <p:spPr/>
+        <p:txBody>
+          <a:bodyPr/>
+          <a:lstStyle/>
+          <a:p>
+            <a:fld id="{FE9BC4E5-2BC1-4F43-85DD-A1B8F74CB7EB}" type="slidenum">
+              <a:rPr lang="en-US" smtClean="0"/>
+              <a:pPr/>
+              <a:t>15</a:t>
+            </a:fld>
+            <a:endParaRPr lang="en-US" dirty="0"/>
+          </a:p>
+        </p:txBody>
+      </p:sp>
+    </p:spTree>
+    <p:extLst>
+      <p:ext uri="{BB962C8B-B14F-4D97-AF65-F5344CB8AC3E}">
+        <p14:creationId xmlns:p14="http://schemas.microsoft.com/office/powerpoint/2010/main" val="2523308787"/>
+      </p:ext>
+    </p:extLst>
+  </p:cSld>
+  <p:clrMapOvr>
+    <a:masterClrMapping/>
+  </p:clrMapOvr>
+</p:notes>
+</file>
+
+<file path=ppt/notesSlides/notesSlide6.xml><?xml version="1.0" encoding="utf-8"?>
+<p:notes xmlns:a="http://schemas.openxmlformats.org/drawingml/2006/main" xmlns:r="http://schemas.openxmlformats.org/officeDocument/2006/relationships" xmlns:p="http://schemas.openxmlformats.org/presentationml/2006/main">
+  <p:cSld>
+    <p:spTree>
+      <p:nvGrpSpPr>
+        <p:cNvPr id="1" name=""/>
+        <p:cNvGrpSpPr/>
+        <p:nvPr/>
+      </p:nvGrpSpPr>
+      <p:grpSpPr>
+        <a:xfrm>
+          <a:off x="0" y="0"/>
+          <a:ext cx="0" cy="0"/>
+          <a:chOff x="0" y="0"/>
+          <a:chExt cx="0" cy="0"/>
+        </a:xfrm>
+      </p:grpSpPr>
+      <p:sp>
+        <p:nvSpPr>
+          <p:cNvPr id="2" name="Slide Image Placeholder 1"/>
+          <p:cNvSpPr>
+            <a:spLocks noGrp="1" noRot="1" noChangeAspect="1"/>
+          </p:cNvSpPr>
+          <p:nvPr>
+            <p:ph type="sldImg"/>
+          </p:nvPr>
+        </p:nvSpPr>
+        <p:spPr/>
+      </p:sp>
+      <p:sp>
+        <p:nvSpPr>
+          <p:cNvPr id="3" name="Notes Placeholder 2"/>
+          <p:cNvSpPr>
+            <a:spLocks noGrp="1"/>
+          </p:cNvSpPr>
+          <p:nvPr>
+            <p:ph type="body" idx="1"/>
+          </p:nvPr>
+        </p:nvSpPr>
+        <p:spPr/>
+        <p:txBody>
+          <a:bodyPr/>
+          <a:lstStyle/>
+          <a:p>
+            <a:r>
+              <a:rPr lang="en-US" dirty="0" err="1" smtClean="0"/>
+              <a:t>V+diff</a:t>
+            </a:r>
+            <a:r>
+              <a:rPr lang="en-US" baseline="0" dirty="0" smtClean="0"/>
+              <a:t> &gt; full RF model &gt; </a:t>
+            </a:r>
+            <a:r>
+              <a:rPr lang="en-US" baseline="0" dirty="0" err="1" smtClean="0"/>
+              <a:t>Vegards</a:t>
+            </a:r>
+            <a:r>
+              <a:rPr lang="en-US" baseline="0" dirty="0" smtClean="0"/>
+              <a:t> law.  </a:t>
+            </a:r>
+          </a:p>
+          <a:p>
+            <a:r>
+              <a:rPr lang="en-US" baseline="0" dirty="0" smtClean="0"/>
+              <a:t>Why doesn’t RF model do as well?  It has all the same features…</a:t>
+            </a:r>
+          </a:p>
+          <a:p>
+            <a:r>
+              <a:rPr lang="en-US" baseline="0" dirty="0" smtClean="0"/>
+              <a:t>What do we learn from physics </a:t>
+            </a:r>
+            <a:endParaRPr lang="en-US" dirty="0"/>
+          </a:p>
+        </p:txBody>
+      </p:sp>
+      <p:sp>
+        <p:nvSpPr>
+          <p:cNvPr id="4" name="Slide Number Placeholder 3"/>
+          <p:cNvSpPr>
+            <a:spLocks noGrp="1"/>
+          </p:cNvSpPr>
+          <p:nvPr>
+            <p:ph type="sldNum" sz="quarter" idx="10"/>
+          </p:nvPr>
+        </p:nvSpPr>
+        <p:spPr/>
+        <p:txBody>
+          <a:bodyPr/>
+          <a:lstStyle/>
+          <a:p>
+            <a:fld id="{FE9BC4E5-2BC1-4F43-85DD-A1B8F74CB7EB}" type="slidenum">
+              <a:rPr lang="en-US" smtClean="0"/>
+              <a:pPr/>
+              <a:t>17</a:t>
+            </a:fld>
+            <a:endParaRPr lang="en-US" dirty="0"/>
+          </a:p>
+        </p:txBody>
+      </p:sp>
+    </p:spTree>
+    <p:extLst>
+      <p:ext uri="{BB962C8B-B14F-4D97-AF65-F5344CB8AC3E}">
+        <p14:creationId xmlns:p14="http://schemas.microsoft.com/office/powerpoint/2010/main" val="1316177962"/>
+      </p:ext>
+    </p:extLst>
+  </p:cSld>
+  <p:clrMapOvr>
+    <a:masterClrMapping/>
+  </p:clrMapOvr>
+</p:notes>
+</file>
+
+<file path=ppt/notesSlides/notesSlide7.xml><?xml version="1.0" encoding="utf-8"?>
+<p:notes xmlns:a="http://schemas.openxmlformats.org/drawingml/2006/main" xmlns:r="http://schemas.openxmlformats.org/officeDocument/2006/relationships" xmlns:p="http://schemas.openxmlformats.org/presentationml/2006/main">
+  <p:cSld>
+    <p:spTree>
+      <p:nvGrpSpPr>
+        <p:cNvPr id="1" name=""/>
+        <p:cNvGrpSpPr/>
+        <p:nvPr/>
+      </p:nvGrpSpPr>
+      <p:grpSpPr>
+        <a:xfrm>
+          <a:off x="0" y="0"/>
+          <a:ext cx="0" cy="0"/>
+          <a:chOff x="0" y="0"/>
+          <a:chExt cx="0" cy="0"/>
+        </a:xfrm>
+      </p:grpSpPr>
+      <p:sp>
+        <p:nvSpPr>
+          <p:cNvPr id="2" name="Slide Image Placeholder 1"/>
+          <p:cNvSpPr>
+            <a:spLocks noGrp="1" noRot="1" noChangeAspect="1"/>
+          </p:cNvSpPr>
+          <p:nvPr>
+            <p:ph type="sldImg"/>
+          </p:nvPr>
+        </p:nvSpPr>
+        <p:spPr/>
+      </p:sp>
+      <p:sp>
+        <p:nvSpPr>
+          <p:cNvPr id="3" name="Notes Placeholder 2"/>
+          <p:cNvSpPr>
+            <a:spLocks noGrp="1"/>
+          </p:cNvSpPr>
+          <p:nvPr>
+            <p:ph type="body" idx="1"/>
+          </p:nvPr>
+        </p:nvSpPr>
+        <p:spPr/>
+        <p:txBody>
+          <a:bodyPr/>
+          <a:lstStyle/>
+          <a:p>
+            <a:r>
+              <a:rPr lang="en-US" dirty="0" smtClean="0"/>
+              <a:t>Our data is more monotonic, though not</a:t>
+            </a:r>
+            <a:r>
+              <a:rPr lang="en-US" baseline="0" dirty="0" smtClean="0"/>
+              <a:t> losing as much information as we might have initially expected.  </a:t>
+            </a:r>
+          </a:p>
+          <a:p>
+            <a:r>
+              <a:rPr lang="en-US" baseline="0" dirty="0" smtClean="0"/>
+              <a:t>For density it looks like we need far more than 12 features to capture say, 0.8 importance, and mean r2 performance tracks this (not getting close to 0.97 as we had before)</a:t>
+            </a:r>
+          </a:p>
+        </p:txBody>
+      </p:sp>
+      <p:sp>
+        <p:nvSpPr>
+          <p:cNvPr id="4" name="Slide Number Placeholder 3"/>
+          <p:cNvSpPr>
+            <a:spLocks noGrp="1"/>
+          </p:cNvSpPr>
+          <p:nvPr>
+            <p:ph type="sldNum" sz="quarter" idx="10"/>
+          </p:nvPr>
+        </p:nvSpPr>
+        <p:spPr/>
+        <p:txBody>
+          <a:bodyPr/>
+          <a:lstStyle/>
+          <a:p>
+            <a:fld id="{FE9BC4E5-2BC1-4F43-85DD-A1B8F74CB7EB}" type="slidenum">
+              <a:rPr lang="en-US" smtClean="0"/>
+              <a:pPr/>
+              <a:t>18</a:t>
+            </a:fld>
+            <a:endParaRPr lang="en-US" dirty="0"/>
+          </a:p>
+        </p:txBody>
+      </p:sp>
+    </p:spTree>
+    <p:extLst>
+      <p:ext uri="{BB962C8B-B14F-4D97-AF65-F5344CB8AC3E}">
+        <p14:creationId xmlns:p14="http://schemas.microsoft.com/office/powerpoint/2010/main" val="423324721"/>
+      </p:ext>
+    </p:extLst>
   </p:cSld>
   <p:clrMapOvr>
     <a:masterClrMapping/>
@@ -2968,7 +3531,6 @@
               <a:rPr lang="en-CA" dirty="0" smtClean="0"/>
               <a:t>Summary of Results</a:t>
             </a:r>
-            <a:endParaRPr lang="en-CA" dirty="0" smtClean="0"/>
           </a:p>
           <a:p>
             <a:endParaRPr lang="en-CA" dirty="0"/>
@@ -3018,6 +3580,5414 @@
       </p:par>
     </p:tnLst>
   </p:timing>
+</p:sld>
+</file>
+
+<file path=ppt/slides/slide10.xml><?xml version="1.0" encoding="utf-8"?>
+<p:sld xmlns:a="http://schemas.openxmlformats.org/drawingml/2006/main" xmlns:r="http://schemas.openxmlformats.org/officeDocument/2006/relationships" xmlns:p="http://schemas.openxmlformats.org/presentationml/2006/main">
+  <p:cSld>
+    <p:spTree>
+      <p:nvGrpSpPr>
+        <p:cNvPr id="1" name=""/>
+        <p:cNvGrpSpPr/>
+        <p:nvPr/>
+      </p:nvGrpSpPr>
+      <p:grpSpPr>
+        <a:xfrm>
+          <a:off x="0" y="0"/>
+          <a:ext cx="0" cy="0"/>
+          <a:chOff x="0" y="0"/>
+          <a:chExt cx="0" cy="0"/>
+        </a:xfrm>
+      </p:grpSpPr>
+      <p:sp>
+        <p:nvSpPr>
+          <p:cNvPr id="2" name="Slide Number Placeholder 1"/>
+          <p:cNvSpPr>
+            <a:spLocks noGrp="1"/>
+          </p:cNvSpPr>
+          <p:nvPr>
+            <p:ph type="sldNum" sz="quarter" idx="11"/>
+          </p:nvPr>
+        </p:nvSpPr>
+        <p:spPr/>
+        <p:txBody>
+          <a:bodyPr/>
+          <a:lstStyle/>
+          <a:p>
+            <a:fld id="{5BD36294-2849-48A8-8531-5354CF3095D2}" type="slidenum">
+              <a:rPr lang="en-US" smtClean="0"/>
+              <a:pPr/>
+              <a:t>10</a:t>
+            </a:fld>
+            <a:endParaRPr lang="en-US" dirty="0"/>
+          </a:p>
+        </p:txBody>
+      </p:sp>
+      <p:sp>
+        <p:nvSpPr>
+          <p:cNvPr id="3" name="Title 2"/>
+          <p:cNvSpPr>
+            <a:spLocks noGrp="1"/>
+          </p:cNvSpPr>
+          <p:nvPr>
+            <p:ph type="title"/>
+          </p:nvPr>
+        </p:nvSpPr>
+        <p:spPr/>
+        <p:txBody>
+          <a:bodyPr/>
+          <a:lstStyle/>
+          <a:p>
+            <a:endParaRPr lang="en-US"/>
+          </a:p>
+        </p:txBody>
+      </p:sp>
+      <p:sp>
+        <p:nvSpPr>
+          <p:cNvPr id="4" name="Content Placeholder 3"/>
+          <p:cNvSpPr>
+            <a:spLocks noGrp="1"/>
+          </p:cNvSpPr>
+          <p:nvPr>
+            <p:ph sz="quarter" idx="14"/>
+          </p:nvPr>
+        </p:nvSpPr>
+        <p:spPr/>
+        <p:txBody>
+          <a:bodyPr/>
+          <a:lstStyle/>
+          <a:p>
+            <a:endParaRPr lang="en-US"/>
+          </a:p>
+        </p:txBody>
+      </p:sp>
+    </p:spTree>
+    <p:extLst>
+      <p:ext uri="{BB962C8B-B14F-4D97-AF65-F5344CB8AC3E}">
+        <p14:creationId xmlns:p14="http://schemas.microsoft.com/office/powerpoint/2010/main" val="1209510645"/>
+      </p:ext>
+    </p:extLst>
+  </p:cSld>
+  <p:clrMapOvr>
+    <a:masterClrMapping/>
+  </p:clrMapOvr>
+</p:sld>
+</file>
+
+<file path=ppt/slides/slide11.xml><?xml version="1.0" encoding="utf-8"?>
+<p:sld xmlns:a="http://schemas.openxmlformats.org/drawingml/2006/main" xmlns:r="http://schemas.openxmlformats.org/officeDocument/2006/relationships" xmlns:p="http://schemas.openxmlformats.org/presentationml/2006/main">
+  <p:cSld>
+    <p:spTree>
+      <p:nvGrpSpPr>
+        <p:cNvPr id="1" name=""/>
+        <p:cNvGrpSpPr/>
+        <p:nvPr/>
+      </p:nvGrpSpPr>
+      <p:grpSpPr>
+        <a:xfrm>
+          <a:off x="0" y="0"/>
+          <a:ext cx="0" cy="0"/>
+          <a:chOff x="0" y="0"/>
+          <a:chExt cx="0" cy="0"/>
+        </a:xfrm>
+      </p:grpSpPr>
+      <p:sp>
+        <p:nvSpPr>
+          <p:cNvPr id="2" name="Slide Number Placeholder 1"/>
+          <p:cNvSpPr>
+            <a:spLocks noGrp="1"/>
+          </p:cNvSpPr>
+          <p:nvPr>
+            <p:ph type="sldNum" sz="quarter" idx="11"/>
+          </p:nvPr>
+        </p:nvSpPr>
+        <p:spPr/>
+        <p:txBody>
+          <a:bodyPr/>
+          <a:lstStyle/>
+          <a:p>
+            <a:fld id="{5BD36294-2849-48A8-8531-5354CF3095D2}" type="slidenum">
+              <a:rPr lang="en-US" smtClean="0"/>
+              <a:pPr/>
+              <a:t>11</a:t>
+            </a:fld>
+            <a:endParaRPr lang="en-US" dirty="0"/>
+          </a:p>
+        </p:txBody>
+      </p:sp>
+      <p:sp>
+        <p:nvSpPr>
+          <p:cNvPr id="3" name="Title 2"/>
+          <p:cNvSpPr>
+            <a:spLocks noGrp="1"/>
+          </p:cNvSpPr>
+          <p:nvPr>
+            <p:ph type="title"/>
+          </p:nvPr>
+        </p:nvSpPr>
+        <p:spPr/>
+        <p:txBody>
+          <a:bodyPr/>
+          <a:lstStyle/>
+          <a:p>
+            <a:r>
+              <a:rPr lang="en-US" dirty="0" smtClean="0"/>
+              <a:t>Training Default Model without problem composition</a:t>
+            </a:r>
+            <a:endParaRPr lang="en-US" dirty="0"/>
+          </a:p>
+        </p:txBody>
+      </p:sp>
+      <p:pic>
+        <p:nvPicPr>
+          <p:cNvPr id="5" name="Content Placeholder 4"/>
+          <p:cNvPicPr>
+            <a:picLocks noGrp="1" noChangeAspect="1"/>
+          </p:cNvPicPr>
+          <p:nvPr>
+            <p:ph sz="quarter" idx="14"/>
+          </p:nvPr>
+        </p:nvPicPr>
+        <p:blipFill>
+          <a:blip r:embed="rId3">
+            <a:extLst>
+              <a:ext uri="{28A0092B-C50C-407E-A947-70E740481C1C}">
+                <a14:useLocalDpi xmlns:a14="http://schemas.microsoft.com/office/drawing/2010/main" val="0"/>
+              </a:ext>
+            </a:extLst>
+          </a:blip>
+          <a:stretch>
+            <a:fillRect/>
+          </a:stretch>
+        </p:blipFill>
+        <p:spPr>
+          <a:xfrm>
+            <a:off x="37531" y="1981200"/>
+            <a:ext cx="4573042" cy="4573042"/>
+          </a:xfrm>
+        </p:spPr>
+      </p:pic>
+      <p:pic>
+        <p:nvPicPr>
+          <p:cNvPr id="6" name="Picture 5"/>
+          <p:cNvPicPr>
+            <a:picLocks noChangeAspect="1"/>
+          </p:cNvPicPr>
+          <p:nvPr/>
+        </p:nvPicPr>
+        <p:blipFill>
+          <a:blip r:embed="rId4">
+            <a:extLst>
+              <a:ext uri="{28A0092B-C50C-407E-A947-70E740481C1C}">
+                <a14:useLocalDpi xmlns:a14="http://schemas.microsoft.com/office/drawing/2010/main" val="0"/>
+              </a:ext>
+            </a:extLst>
+          </a:blip>
+          <a:stretch>
+            <a:fillRect/>
+          </a:stretch>
+        </p:blipFill>
+        <p:spPr>
+          <a:xfrm>
+            <a:off x="4570958" y="1981200"/>
+            <a:ext cx="4573042" cy="4573042"/>
+          </a:xfrm>
+          <a:prstGeom prst="rect">
+            <a:avLst/>
+          </a:prstGeom>
+        </p:spPr>
+      </p:pic>
+    </p:spTree>
+    <p:extLst>
+      <p:ext uri="{BB962C8B-B14F-4D97-AF65-F5344CB8AC3E}">
+        <p14:creationId xmlns:p14="http://schemas.microsoft.com/office/powerpoint/2010/main" val="373755131"/>
+      </p:ext>
+    </p:extLst>
+  </p:cSld>
+  <p:clrMapOvr>
+    <a:masterClrMapping/>
+  </p:clrMapOvr>
+  <p:timing>
+    <p:tnLst>
+      <p:par>
+        <p:cTn id="1" dur="indefinite" restart="never" nodeType="tmRoot"/>
+      </p:par>
+    </p:tnLst>
+  </p:timing>
+</p:sld>
+</file>
+
+<file path=ppt/slides/slide12.xml><?xml version="1.0" encoding="utf-8"?>
+<p:sld xmlns:a="http://schemas.openxmlformats.org/drawingml/2006/main" xmlns:r="http://schemas.openxmlformats.org/officeDocument/2006/relationships" xmlns:p="http://schemas.openxmlformats.org/presentationml/2006/main">
+  <p:cSld>
+    <p:spTree>
+      <p:nvGrpSpPr>
+        <p:cNvPr id="1" name=""/>
+        <p:cNvGrpSpPr/>
+        <p:nvPr/>
+      </p:nvGrpSpPr>
+      <p:grpSpPr>
+        <a:xfrm>
+          <a:off x="0" y="0"/>
+          <a:ext cx="0" cy="0"/>
+          <a:chOff x="0" y="0"/>
+          <a:chExt cx="0" cy="0"/>
+        </a:xfrm>
+      </p:grpSpPr>
+      <p:sp>
+        <p:nvSpPr>
+          <p:cNvPr id="2" name="Slide Number Placeholder 1"/>
+          <p:cNvSpPr>
+            <a:spLocks noGrp="1"/>
+          </p:cNvSpPr>
+          <p:nvPr>
+            <p:ph type="sldNum" sz="quarter" idx="11"/>
+          </p:nvPr>
+        </p:nvSpPr>
+        <p:spPr/>
+        <p:txBody>
+          <a:bodyPr/>
+          <a:lstStyle/>
+          <a:p>
+            <a:fld id="{5BD36294-2849-48A8-8531-5354CF3095D2}" type="slidenum">
+              <a:rPr lang="en-US" smtClean="0"/>
+              <a:pPr/>
+              <a:t>12</a:t>
+            </a:fld>
+            <a:endParaRPr lang="en-US" dirty="0"/>
+          </a:p>
+        </p:txBody>
+      </p:sp>
+      <p:sp>
+        <p:nvSpPr>
+          <p:cNvPr id="3" name="Title 2"/>
+          <p:cNvSpPr>
+            <a:spLocks noGrp="1"/>
+          </p:cNvSpPr>
+          <p:nvPr>
+            <p:ph type="title"/>
+          </p:nvPr>
+        </p:nvSpPr>
+        <p:spPr/>
+        <p:txBody>
+          <a:bodyPr/>
+          <a:lstStyle/>
+          <a:p>
+            <a:r>
+              <a:rPr lang="en-US" dirty="0" smtClean="0"/>
+              <a:t>Learning curve without outlier composition</a:t>
+            </a:r>
+            <a:endParaRPr lang="en-US" dirty="0"/>
+          </a:p>
+        </p:txBody>
+      </p:sp>
+      <p:pic>
+        <p:nvPicPr>
+          <p:cNvPr id="5" name="Content Placeholder 4"/>
+          <p:cNvPicPr>
+            <a:picLocks noGrp="1" noChangeAspect="1"/>
+          </p:cNvPicPr>
+          <p:nvPr>
+            <p:ph sz="quarter" idx="14"/>
+          </p:nvPr>
+        </p:nvPicPr>
+        <p:blipFill>
+          <a:blip r:embed="rId2">
+            <a:extLst>
+              <a:ext uri="{28A0092B-C50C-407E-A947-70E740481C1C}">
+                <a14:useLocalDpi xmlns:a14="http://schemas.microsoft.com/office/drawing/2010/main" val="0"/>
+              </a:ext>
+            </a:extLst>
+          </a:blip>
+          <a:stretch>
+            <a:fillRect/>
+          </a:stretch>
+        </p:blipFill>
+        <p:spPr>
+          <a:xfrm>
+            <a:off x="0" y="2971800"/>
+            <a:ext cx="5487650" cy="3658433"/>
+          </a:xfrm>
+        </p:spPr>
+      </p:pic>
+      <p:sp>
+        <p:nvSpPr>
+          <p:cNvPr id="6" name="TextBox 5"/>
+          <p:cNvSpPr txBox="1"/>
+          <p:nvPr/>
+        </p:nvSpPr>
+        <p:spPr>
+          <a:xfrm>
+            <a:off x="5410200" y="1600200"/>
+            <a:ext cx="3352800" cy="2308324"/>
+          </a:xfrm>
+          <a:prstGeom prst="rect">
+            <a:avLst/>
+          </a:prstGeom>
+          <a:noFill/>
+        </p:spPr>
+        <p:txBody>
+          <a:bodyPr wrap="square" rtlCol="0">
+            <a:spAutoFit/>
+          </a:bodyPr>
+          <a:lstStyle/>
+          <a:p>
+            <a:r>
+              <a:rPr lang="en-US" dirty="0" smtClean="0"/>
+              <a:t>Seems to perform as good if not better than </a:t>
+            </a:r>
+            <a:r>
+              <a:rPr lang="en-US" dirty="0" err="1" smtClean="0"/>
+              <a:t>Vegard’s</a:t>
+            </a:r>
+            <a:r>
+              <a:rPr lang="en-US" dirty="0" smtClean="0"/>
+              <a:t> law without those compositions</a:t>
+            </a:r>
+          </a:p>
+          <a:p>
+            <a:endParaRPr lang="en-US" dirty="0"/>
+          </a:p>
+          <a:p>
+            <a:r>
+              <a:rPr lang="en-US" dirty="0" smtClean="0"/>
+              <a:t>(R</a:t>
+            </a:r>
+            <a:r>
+              <a:rPr lang="en-US" baseline="30000" dirty="0" smtClean="0"/>
+              <a:t>2</a:t>
+            </a:r>
+            <a:r>
+              <a:rPr lang="en-US" dirty="0"/>
+              <a:t> </a:t>
+            </a:r>
+            <a:r>
+              <a:rPr lang="en-US" dirty="0" smtClean="0"/>
+              <a:t>very sensitive to outliers)</a:t>
+            </a:r>
+          </a:p>
+          <a:p>
+            <a:endParaRPr lang="en-US" dirty="0"/>
+          </a:p>
+          <a:p>
+            <a:r>
+              <a:rPr lang="en-US" dirty="0" smtClean="0"/>
+              <a:t>Not much to learn/improve on here.</a:t>
+            </a:r>
+            <a:endParaRPr lang="en-US" dirty="0"/>
+          </a:p>
+        </p:txBody>
+      </p:sp>
+    </p:spTree>
+    <p:extLst>
+      <p:ext uri="{BB962C8B-B14F-4D97-AF65-F5344CB8AC3E}">
+        <p14:creationId xmlns:p14="http://schemas.microsoft.com/office/powerpoint/2010/main" val="1612521515"/>
+      </p:ext>
+    </p:extLst>
+  </p:cSld>
+  <p:clrMapOvr>
+    <a:masterClrMapping/>
+  </p:clrMapOvr>
+  <p:timing>
+    <p:tnLst>
+      <p:par>
+        <p:cTn id="1" dur="indefinite" restart="never" nodeType="tmRoot"/>
+      </p:par>
+    </p:tnLst>
+  </p:timing>
+</p:sld>
+</file>
+
+<file path=ppt/slides/slide13.xml><?xml version="1.0" encoding="utf-8"?>
+<p:sld xmlns:a="http://schemas.openxmlformats.org/drawingml/2006/main" xmlns:r="http://schemas.openxmlformats.org/officeDocument/2006/relationships" xmlns:p="http://schemas.openxmlformats.org/presentationml/2006/main">
+  <p:cSld>
+    <p:spTree>
+      <p:nvGrpSpPr>
+        <p:cNvPr id="1" name=""/>
+        <p:cNvGrpSpPr/>
+        <p:nvPr/>
+      </p:nvGrpSpPr>
+      <p:grpSpPr>
+        <a:xfrm>
+          <a:off x="0" y="0"/>
+          <a:ext cx="0" cy="0"/>
+          <a:chOff x="0" y="0"/>
+          <a:chExt cx="0" cy="0"/>
+        </a:xfrm>
+      </p:grpSpPr>
+      <p:sp>
+        <p:nvSpPr>
+          <p:cNvPr id="2" name="Slide Number Placeholder 1"/>
+          <p:cNvSpPr>
+            <a:spLocks noGrp="1"/>
+          </p:cNvSpPr>
+          <p:nvPr>
+            <p:ph type="sldNum" sz="quarter" idx="11"/>
+          </p:nvPr>
+        </p:nvSpPr>
+        <p:spPr/>
+        <p:txBody>
+          <a:bodyPr/>
+          <a:lstStyle/>
+          <a:p>
+            <a:fld id="{5BD36294-2849-48A8-8531-5354CF3095D2}" type="slidenum">
+              <a:rPr lang="en-US" smtClean="0"/>
+              <a:pPr/>
+              <a:t>13</a:t>
+            </a:fld>
+            <a:endParaRPr lang="en-US" dirty="0"/>
+          </a:p>
+        </p:txBody>
+      </p:sp>
+      <p:sp>
+        <p:nvSpPr>
+          <p:cNvPr id="3" name="Title 2"/>
+          <p:cNvSpPr>
+            <a:spLocks noGrp="1"/>
+          </p:cNvSpPr>
+          <p:nvPr>
+            <p:ph type="title"/>
+          </p:nvPr>
+        </p:nvSpPr>
+        <p:spPr/>
+        <p:txBody>
+          <a:bodyPr/>
+          <a:lstStyle/>
+          <a:p>
+            <a:r>
+              <a:rPr lang="en-US" dirty="0" smtClean="0"/>
+              <a:t>Can we learn where </a:t>
+            </a:r>
+            <a:r>
+              <a:rPr lang="en-US" dirty="0" err="1" smtClean="0"/>
+              <a:t>Vegard’s</a:t>
+            </a:r>
+            <a:r>
+              <a:rPr lang="en-US" dirty="0" smtClean="0"/>
+              <a:t> law is lacking?</a:t>
+            </a:r>
+            <a:endParaRPr lang="en-US" dirty="0"/>
+          </a:p>
+        </p:txBody>
+      </p:sp>
+      <p:pic>
+        <p:nvPicPr>
+          <p:cNvPr id="6" name="Picture 5"/>
+          <p:cNvPicPr>
+            <a:picLocks noChangeAspect="1"/>
+          </p:cNvPicPr>
+          <p:nvPr/>
+        </p:nvPicPr>
+        <p:blipFill>
+          <a:blip r:embed="rId2">
+            <a:extLst>
+              <a:ext uri="{28A0092B-C50C-407E-A947-70E740481C1C}">
+                <a14:useLocalDpi xmlns:a14="http://schemas.microsoft.com/office/drawing/2010/main" val="0"/>
+              </a:ext>
+            </a:extLst>
+          </a:blip>
+          <a:stretch>
+            <a:fillRect/>
+          </a:stretch>
+        </p:blipFill>
+        <p:spPr>
+          <a:xfrm>
+            <a:off x="152400" y="2971800"/>
+            <a:ext cx="3887338" cy="3887338"/>
+          </a:xfrm>
+          <a:prstGeom prst="rect">
+            <a:avLst/>
+          </a:prstGeom>
+        </p:spPr>
+      </p:pic>
+      <p:pic>
+        <p:nvPicPr>
+          <p:cNvPr id="7" name="Picture 6"/>
+          <p:cNvPicPr>
+            <a:picLocks noChangeAspect="1"/>
+          </p:cNvPicPr>
+          <p:nvPr/>
+        </p:nvPicPr>
+        <p:blipFill>
+          <a:blip r:embed="rId3">
+            <a:extLst>
+              <a:ext uri="{28A0092B-C50C-407E-A947-70E740481C1C}">
+                <a14:useLocalDpi xmlns:a14="http://schemas.microsoft.com/office/drawing/2010/main" val="0"/>
+              </a:ext>
+            </a:extLst>
+          </a:blip>
+          <a:stretch>
+            <a:fillRect/>
+          </a:stretch>
+        </p:blipFill>
+        <p:spPr>
+          <a:xfrm>
+            <a:off x="4330890" y="3657600"/>
+            <a:ext cx="4800600" cy="3200400"/>
+          </a:xfrm>
+          <a:prstGeom prst="rect">
+            <a:avLst/>
+          </a:prstGeom>
+        </p:spPr>
+      </p:pic>
+      <p:sp>
+        <p:nvSpPr>
+          <p:cNvPr id="8" name="TextBox 7"/>
+          <p:cNvSpPr txBox="1"/>
+          <p:nvPr/>
+        </p:nvSpPr>
+        <p:spPr>
+          <a:xfrm>
+            <a:off x="349724" y="1476233"/>
+            <a:ext cx="3492690" cy="923330"/>
+          </a:xfrm>
+          <a:prstGeom prst="rect">
+            <a:avLst/>
+          </a:prstGeom>
+          <a:noFill/>
+        </p:spPr>
+        <p:txBody>
+          <a:bodyPr wrap="square" rtlCol="0">
+            <a:spAutoFit/>
+          </a:bodyPr>
+          <a:lstStyle/>
+          <a:p>
+            <a:r>
+              <a:rPr lang="en-US" dirty="0" smtClean="0"/>
+              <a:t>Features gathered over 5 training splits (used to make scatter plot)</a:t>
+            </a:r>
+            <a:endParaRPr lang="en-US" dirty="0"/>
+          </a:p>
+        </p:txBody>
+      </p:sp>
+      <p:pic>
+        <p:nvPicPr>
+          <p:cNvPr id="9" name="Picture 8"/>
+          <p:cNvPicPr>
+            <a:picLocks noChangeAspect="1"/>
+          </p:cNvPicPr>
+          <p:nvPr/>
+        </p:nvPicPr>
+        <p:blipFill>
+          <a:blip r:embed="rId4">
+            <a:extLst>
+              <a:ext uri="{28A0092B-C50C-407E-A947-70E740481C1C}">
+                <a14:useLocalDpi xmlns:a14="http://schemas.microsoft.com/office/drawing/2010/main" val="0"/>
+              </a:ext>
+            </a:extLst>
+          </a:blip>
+          <a:stretch>
+            <a:fillRect/>
+          </a:stretch>
+        </p:blipFill>
+        <p:spPr>
+          <a:xfrm>
+            <a:off x="5486400" y="1256403"/>
+            <a:ext cx="2810267" cy="2286319"/>
+          </a:xfrm>
+          <a:prstGeom prst="rect">
+            <a:avLst/>
+          </a:prstGeom>
+        </p:spPr>
+      </p:pic>
+    </p:spTree>
+    <p:extLst>
+      <p:ext uri="{BB962C8B-B14F-4D97-AF65-F5344CB8AC3E}">
+        <p14:creationId xmlns:p14="http://schemas.microsoft.com/office/powerpoint/2010/main" val="2064312359"/>
+      </p:ext>
+    </p:extLst>
+  </p:cSld>
+  <p:clrMapOvr>
+    <a:masterClrMapping/>
+  </p:clrMapOvr>
+  <p:timing>
+    <p:tnLst>
+      <p:par>
+        <p:cTn id="1" dur="indefinite" restart="never" nodeType="tmRoot"/>
+      </p:par>
+    </p:tnLst>
+  </p:timing>
+</p:sld>
+</file>
+
+<file path=ppt/slides/slide14.xml><?xml version="1.0" encoding="utf-8"?>
+<p:sld xmlns:a="http://schemas.openxmlformats.org/drawingml/2006/main" xmlns:r="http://schemas.openxmlformats.org/officeDocument/2006/relationships" xmlns:p="http://schemas.openxmlformats.org/presentationml/2006/main" show="0">
+  <p:cSld>
+    <p:spTree>
+      <p:nvGrpSpPr>
+        <p:cNvPr id="1" name=""/>
+        <p:cNvGrpSpPr/>
+        <p:nvPr/>
+      </p:nvGrpSpPr>
+      <p:grpSpPr>
+        <a:xfrm>
+          <a:off x="0" y="0"/>
+          <a:ext cx="0" cy="0"/>
+          <a:chOff x="0" y="0"/>
+          <a:chExt cx="0" cy="0"/>
+        </a:xfrm>
+      </p:grpSpPr>
+      <p:sp>
+        <p:nvSpPr>
+          <p:cNvPr id="2" name="Slide Number Placeholder 1"/>
+          <p:cNvSpPr>
+            <a:spLocks noGrp="1"/>
+          </p:cNvSpPr>
+          <p:nvPr>
+            <p:ph type="sldNum" sz="quarter" idx="11"/>
+          </p:nvPr>
+        </p:nvSpPr>
+        <p:spPr/>
+        <p:txBody>
+          <a:bodyPr/>
+          <a:lstStyle/>
+          <a:p>
+            <a:fld id="{5BD36294-2849-48A8-8531-5354CF3095D2}" type="slidenum">
+              <a:rPr lang="en-US" smtClean="0"/>
+              <a:pPr/>
+              <a:t>14</a:t>
+            </a:fld>
+            <a:r>
+              <a:rPr lang="en-US" dirty="0" smtClean="0"/>
+              <a:t> </a:t>
+            </a:r>
+            <a:endParaRPr lang="en-US" dirty="0"/>
+          </a:p>
+        </p:txBody>
+      </p:sp>
+      <p:sp>
+        <p:nvSpPr>
+          <p:cNvPr id="3" name="Title 2"/>
+          <p:cNvSpPr>
+            <a:spLocks noGrp="1"/>
+          </p:cNvSpPr>
+          <p:nvPr>
+            <p:ph type="title"/>
+          </p:nvPr>
+        </p:nvSpPr>
+        <p:spPr/>
+        <p:txBody>
+          <a:bodyPr/>
+          <a:lstStyle/>
+          <a:p>
+            <a:r>
+              <a:rPr lang="en-US" dirty="0" smtClean="0"/>
+              <a:t>Investigating features used in models</a:t>
+            </a:r>
+            <a:endParaRPr lang="en-US" dirty="0"/>
+          </a:p>
+        </p:txBody>
+      </p:sp>
+      <p:pic>
+        <p:nvPicPr>
+          <p:cNvPr id="6" name="Content Placeholder 5"/>
+          <p:cNvPicPr>
+            <a:picLocks noGrp="1" noChangeAspect="1"/>
+          </p:cNvPicPr>
+          <p:nvPr>
+            <p:ph sz="quarter" idx="14"/>
+          </p:nvPr>
+        </p:nvPicPr>
+        <p:blipFill>
+          <a:blip r:embed="rId3">
+            <a:extLst>
+              <a:ext uri="{28A0092B-C50C-407E-A947-70E740481C1C}">
+                <a14:useLocalDpi xmlns:a14="http://schemas.microsoft.com/office/drawing/2010/main" val="0"/>
+              </a:ext>
+            </a:extLst>
+          </a:blip>
+          <a:stretch>
+            <a:fillRect/>
+          </a:stretch>
+        </p:blipFill>
+        <p:spPr>
+          <a:xfrm>
+            <a:off x="138814" y="1782168"/>
+            <a:ext cx="3823586" cy="3932832"/>
+          </a:xfrm>
+        </p:spPr>
+      </p:pic>
+      <p:pic>
+        <p:nvPicPr>
+          <p:cNvPr id="5" name="Picture 4"/>
+          <p:cNvPicPr>
+            <a:picLocks noChangeAspect="1"/>
+          </p:cNvPicPr>
+          <p:nvPr/>
+        </p:nvPicPr>
+        <p:blipFill>
+          <a:blip r:embed="rId4">
+            <a:extLst>
+              <a:ext uri="{28A0092B-C50C-407E-A947-70E740481C1C}">
+                <a14:useLocalDpi xmlns:a14="http://schemas.microsoft.com/office/drawing/2010/main" val="0"/>
+              </a:ext>
+            </a:extLst>
+          </a:blip>
+          <a:stretch>
+            <a:fillRect/>
+          </a:stretch>
+        </p:blipFill>
+        <p:spPr>
+          <a:xfrm>
+            <a:off x="5169188" y="1820840"/>
+            <a:ext cx="3898612" cy="5002998"/>
+          </a:xfrm>
+          <a:prstGeom prst="rect">
+            <a:avLst/>
+          </a:prstGeom>
+        </p:spPr>
+      </p:pic>
+      <p:sp>
+        <p:nvSpPr>
+          <p:cNvPr id="7" name="TextBox 6"/>
+          <p:cNvSpPr txBox="1"/>
+          <p:nvPr/>
+        </p:nvSpPr>
+        <p:spPr>
+          <a:xfrm>
+            <a:off x="1066800" y="1371600"/>
+            <a:ext cx="2133600" cy="369332"/>
+          </a:xfrm>
+          <a:prstGeom prst="rect">
+            <a:avLst/>
+          </a:prstGeom>
+          <a:noFill/>
+        </p:spPr>
+        <p:txBody>
+          <a:bodyPr wrap="square" rtlCol="0">
+            <a:spAutoFit/>
+          </a:bodyPr>
+          <a:lstStyle/>
+          <a:p>
+            <a:r>
+              <a:rPr lang="en-US" dirty="0" smtClean="0"/>
+              <a:t>Predicting Density</a:t>
+            </a:r>
+            <a:endParaRPr lang="en-US" dirty="0"/>
+          </a:p>
+        </p:txBody>
+      </p:sp>
+      <p:sp>
+        <p:nvSpPr>
+          <p:cNvPr id="8" name="TextBox 7"/>
+          <p:cNvSpPr txBox="1"/>
+          <p:nvPr/>
+        </p:nvSpPr>
+        <p:spPr>
+          <a:xfrm>
+            <a:off x="5169188" y="1219200"/>
+            <a:ext cx="3715894" cy="646331"/>
+          </a:xfrm>
+          <a:prstGeom prst="rect">
+            <a:avLst/>
+          </a:prstGeom>
+          <a:noFill/>
+        </p:spPr>
+        <p:txBody>
+          <a:bodyPr wrap="square" rtlCol="0">
+            <a:spAutoFit/>
+          </a:bodyPr>
+          <a:lstStyle/>
+          <a:p>
+            <a:r>
+              <a:rPr lang="en-US" dirty="0" smtClean="0"/>
+              <a:t>Predicting Density deviation from </a:t>
+            </a:r>
+            <a:r>
+              <a:rPr lang="en-US" dirty="0" err="1" smtClean="0"/>
+              <a:t>Vegard’s</a:t>
+            </a:r>
+            <a:r>
+              <a:rPr lang="en-US" dirty="0" smtClean="0"/>
+              <a:t> law</a:t>
+            </a:r>
+            <a:endParaRPr lang="en-US" dirty="0"/>
+          </a:p>
+        </p:txBody>
+      </p:sp>
+    </p:spTree>
+    <p:extLst>
+      <p:ext uri="{BB962C8B-B14F-4D97-AF65-F5344CB8AC3E}">
+        <p14:creationId xmlns:p14="http://schemas.microsoft.com/office/powerpoint/2010/main" val="3583699805"/>
+      </p:ext>
+    </p:extLst>
+  </p:cSld>
+  <p:clrMapOvr>
+    <a:masterClrMapping/>
+  </p:clrMapOvr>
+  <mc:AlternateContent xmlns:mc="http://schemas.openxmlformats.org/markup-compatibility/2006" xmlns:p14="http://schemas.microsoft.com/office/powerpoint/2010/main">
+    <mc:Choice Requires="p14">
+      <p:transition spd="slow" p14:dur="2000"/>
+    </mc:Choice>
+    <mc:Fallback xmlns="">
+      <p:transition spd="slow"/>
+    </mc:Fallback>
+  </mc:AlternateContent>
+  <p:timing>
+    <p:tnLst>
+      <p:par>
+        <p:cTn id="1" dur="indefinite" restart="never" nodeType="tmRoot"/>
+      </p:par>
+    </p:tnLst>
+  </p:timing>
+</p:sld>
+</file>
+
+<file path=ppt/slides/slide15.xml><?xml version="1.0" encoding="utf-8"?>
+<p:sld xmlns:a="http://schemas.openxmlformats.org/drawingml/2006/main" xmlns:r="http://schemas.openxmlformats.org/officeDocument/2006/relationships" xmlns:p="http://schemas.openxmlformats.org/presentationml/2006/main">
+  <p:cSld>
+    <p:spTree>
+      <p:nvGrpSpPr>
+        <p:cNvPr id="1" name=""/>
+        <p:cNvGrpSpPr/>
+        <p:nvPr/>
+      </p:nvGrpSpPr>
+      <p:grpSpPr>
+        <a:xfrm>
+          <a:off x="0" y="0"/>
+          <a:ext cx="0" cy="0"/>
+          <a:chOff x="0" y="0"/>
+          <a:chExt cx="0" cy="0"/>
+        </a:xfrm>
+      </p:grpSpPr>
+      <p:sp>
+        <p:nvSpPr>
+          <p:cNvPr id="2" name="Slide Number Placeholder 1"/>
+          <p:cNvSpPr>
+            <a:spLocks noGrp="1"/>
+          </p:cNvSpPr>
+          <p:nvPr>
+            <p:ph type="sldNum" sz="quarter" idx="11"/>
+          </p:nvPr>
+        </p:nvSpPr>
+        <p:spPr/>
+        <p:txBody>
+          <a:bodyPr/>
+          <a:lstStyle/>
+          <a:p>
+            <a:fld id="{5BD36294-2849-48A8-8531-5354CF3095D2}" type="slidenum">
+              <a:rPr lang="en-US" smtClean="0"/>
+              <a:pPr/>
+              <a:t>15</a:t>
+            </a:fld>
+            <a:endParaRPr lang="en-US" dirty="0"/>
+          </a:p>
+        </p:txBody>
+      </p:sp>
+      <p:sp>
+        <p:nvSpPr>
+          <p:cNvPr id="3" name="Title 2"/>
+          <p:cNvSpPr>
+            <a:spLocks noGrp="1"/>
+          </p:cNvSpPr>
+          <p:nvPr>
+            <p:ph type="title"/>
+          </p:nvPr>
+        </p:nvSpPr>
+        <p:spPr/>
+        <p:txBody>
+          <a:bodyPr/>
+          <a:lstStyle/>
+          <a:p>
+            <a:r>
+              <a:rPr lang="en-US" dirty="0" smtClean="0"/>
+              <a:t>Full Model </a:t>
+            </a:r>
+            <a:r>
+              <a:rPr lang="en-US" dirty="0" err="1" smtClean="0"/>
+              <a:t>vs</a:t>
+            </a:r>
+            <a:r>
+              <a:rPr lang="en-US" dirty="0" smtClean="0"/>
+              <a:t> Difference Model</a:t>
+            </a:r>
+            <a:endParaRPr lang="en-US" dirty="0"/>
+          </a:p>
+        </p:txBody>
+      </p:sp>
+      <p:graphicFrame>
+        <p:nvGraphicFramePr>
+          <p:cNvPr id="7" name="Table 6"/>
+          <p:cNvGraphicFramePr>
+            <a:graphicFrameLocks noGrp="1"/>
+          </p:cNvGraphicFramePr>
+          <p:nvPr>
+            <p:extLst>
+              <p:ext uri="{D42A27DB-BD31-4B8C-83A1-F6EECF244321}">
+                <p14:modId xmlns:p14="http://schemas.microsoft.com/office/powerpoint/2010/main" val="2070537981"/>
+              </p:ext>
+            </p:extLst>
+          </p:nvPr>
+        </p:nvGraphicFramePr>
+        <p:xfrm>
+          <a:off x="0" y="1081868"/>
+          <a:ext cx="4360098" cy="2838450"/>
+        </p:xfrm>
+        <a:graphic>
+          <a:graphicData uri="http://schemas.openxmlformats.org/drawingml/2006/table">
+            <a:tbl>
+              <a:tblPr firstRow="1" bandRow="1">
+                <a:tableStyleId>{5C22544A-7EE6-4342-B048-85BDC9FD1C3A}</a:tableStyleId>
+              </a:tblPr>
+              <a:tblGrid>
+                <a:gridCol w="1981200"/>
+                <a:gridCol w="1129216"/>
+                <a:gridCol w="1249682"/>
+              </a:tblGrid>
+              <a:tr h="370840">
+                <a:tc>
+                  <a:txBody>
+                    <a:bodyPr/>
+                    <a:lstStyle/>
+                    <a:p>
+                      <a:pPr algn="l" fontAlgn="b"/>
+                      <a:r>
+                        <a:rPr lang="en-US" sz="1800" b="1" i="0" u="none" strike="noStrike" dirty="0">
+                          <a:solidFill>
+                            <a:schemeClr val="bg1"/>
+                          </a:solidFill>
+                          <a:effectLst/>
+                          <a:latin typeface="Calibri"/>
+                        </a:rPr>
+                        <a:t>Full Model</a:t>
+                      </a:r>
+                    </a:p>
+                  </a:txBody>
+                  <a:tcPr marL="9525" marR="9525" marT="9525" marB="0" anchor="b"/>
+                </a:tc>
+                <a:tc>
+                  <a:txBody>
+                    <a:bodyPr/>
+                    <a:lstStyle/>
+                    <a:p>
+                      <a:pPr algn="l" fontAlgn="b"/>
+                      <a:r>
+                        <a:rPr lang="en-US" sz="1800" b="1" i="0" u="none" strike="noStrike" dirty="0" smtClean="0">
+                          <a:solidFill>
+                            <a:schemeClr val="bg1"/>
+                          </a:solidFill>
+                          <a:effectLst/>
+                          <a:latin typeface="Calibri"/>
+                        </a:rPr>
+                        <a:t>Importance</a:t>
+                      </a:r>
+                      <a:endParaRPr lang="en-US" sz="1800" b="1" i="0" u="none" strike="noStrike" dirty="0">
+                        <a:solidFill>
+                          <a:schemeClr val="bg1"/>
+                        </a:solidFill>
+                        <a:effectLst/>
+                        <a:latin typeface="Calibri"/>
+                      </a:endParaRPr>
+                    </a:p>
+                  </a:txBody>
+                  <a:tcPr marL="9525" marR="9525" marT="9525" marB="0" anchor="b"/>
+                </a:tc>
+                <a:tc>
+                  <a:txBody>
+                    <a:bodyPr/>
+                    <a:lstStyle/>
+                    <a:p>
+                      <a:pPr algn="l" fontAlgn="b"/>
+                      <a:r>
+                        <a:rPr lang="en-US" sz="1800" b="1" i="0" u="none" strike="noStrike" dirty="0" smtClean="0">
+                          <a:solidFill>
+                            <a:schemeClr val="bg1"/>
+                          </a:solidFill>
+                          <a:effectLst/>
+                          <a:latin typeface="Calibri"/>
+                        </a:rPr>
+                        <a:t>Rank in Diff Model</a:t>
+                      </a:r>
+                      <a:endParaRPr lang="en-US" sz="1800" b="1" i="0" u="none" strike="noStrike" dirty="0">
+                        <a:solidFill>
+                          <a:schemeClr val="bg1"/>
+                        </a:solidFill>
+                        <a:effectLst/>
+                        <a:latin typeface="Calibri"/>
+                      </a:endParaRPr>
+                    </a:p>
+                  </a:txBody>
+                  <a:tcPr marL="9525" marR="9525" marT="9525" marB="0" anchor="b"/>
+                </a:tc>
+              </a:tr>
+              <a:tr h="86360">
+                <a:tc>
+                  <a:txBody>
+                    <a:bodyPr/>
+                    <a:lstStyle/>
+                    <a:p>
+                      <a:pPr algn="l" fontAlgn="b"/>
+                      <a:r>
+                        <a:rPr lang="en-US" sz="1600" b="0" i="0" u="none" strike="noStrike" dirty="0">
+                          <a:solidFill>
+                            <a:srgbClr val="000000"/>
+                          </a:solidFill>
+                          <a:effectLst/>
+                          <a:latin typeface="Calibri"/>
+                        </a:rPr>
+                        <a:t>mode Number</a:t>
+                      </a:r>
+                    </a:p>
+                  </a:txBody>
+                  <a:tcPr marL="9525" marR="9525" marT="9525" marB="0" anchor="b"/>
+                </a:tc>
+                <a:tc>
+                  <a:txBody>
+                    <a:bodyPr/>
+                    <a:lstStyle/>
+                    <a:p>
+                      <a:pPr algn="r" fontAlgn="b"/>
+                      <a:r>
+                        <a:rPr lang="en-US" sz="1600" b="0" i="0" u="none" strike="noStrike">
+                          <a:solidFill>
+                            <a:srgbClr val="000000"/>
+                          </a:solidFill>
+                          <a:effectLst/>
+                          <a:latin typeface="Calibri"/>
+                        </a:rPr>
+                        <a:t>0.0605</a:t>
+                      </a:r>
+                    </a:p>
+                  </a:txBody>
+                  <a:tcPr marL="9525" marR="9525" marT="9525" marB="0" anchor="b"/>
+                </a:tc>
+                <a:tc>
+                  <a:txBody>
+                    <a:bodyPr/>
+                    <a:lstStyle/>
+                    <a:p>
+                      <a:pPr algn="r" fontAlgn="b"/>
+                      <a:r>
+                        <a:rPr lang="en-US" sz="1600" b="0" i="0" u="none" strike="noStrike" dirty="0">
+                          <a:solidFill>
+                            <a:srgbClr val="000000"/>
+                          </a:solidFill>
+                          <a:effectLst/>
+                          <a:latin typeface="Calibri"/>
+                        </a:rPr>
+                        <a:t>38</a:t>
+                      </a:r>
+                    </a:p>
+                  </a:txBody>
+                  <a:tcPr marL="9525" marR="9525" marT="9525" marB="0" anchor="b"/>
+                </a:tc>
+              </a:tr>
+              <a:tr h="61595">
+                <a:tc>
+                  <a:txBody>
+                    <a:bodyPr/>
+                    <a:lstStyle/>
+                    <a:p>
+                      <a:pPr algn="l" fontAlgn="b"/>
+                      <a:r>
+                        <a:rPr lang="en-US" sz="1600" b="0" i="0" u="none" strike="noStrike" dirty="0">
+                          <a:solidFill>
+                            <a:srgbClr val="000000"/>
+                          </a:solidFill>
+                          <a:effectLst/>
+                          <a:latin typeface="Calibri"/>
+                        </a:rPr>
+                        <a:t>mode </a:t>
+                      </a:r>
+                      <a:r>
+                        <a:rPr lang="en-US" sz="1600" b="0" i="0" u="none" strike="noStrike" dirty="0" err="1">
+                          <a:solidFill>
+                            <a:srgbClr val="000000"/>
+                          </a:solidFill>
+                          <a:effectLst/>
+                          <a:latin typeface="Calibri"/>
+                        </a:rPr>
+                        <a:t>AtomicWeight</a:t>
+                      </a:r>
+                      <a:endParaRPr lang="en-US" sz="1600" b="0" i="0" u="none" strike="noStrike" dirty="0">
+                        <a:solidFill>
+                          <a:srgbClr val="000000"/>
+                        </a:solidFill>
+                        <a:effectLst/>
+                        <a:latin typeface="Calibri"/>
+                      </a:endParaRPr>
+                    </a:p>
+                  </a:txBody>
+                  <a:tcPr marL="9525" marR="9525" marT="9525" marB="0" anchor="b"/>
+                </a:tc>
+                <a:tc>
+                  <a:txBody>
+                    <a:bodyPr/>
+                    <a:lstStyle/>
+                    <a:p>
+                      <a:pPr algn="r" fontAlgn="b"/>
+                      <a:r>
+                        <a:rPr lang="en-US" sz="1600" b="0" i="0" u="none" strike="noStrike">
+                          <a:solidFill>
+                            <a:srgbClr val="000000"/>
+                          </a:solidFill>
+                          <a:effectLst/>
+                          <a:latin typeface="Calibri"/>
+                        </a:rPr>
+                        <a:t>0.0603</a:t>
+                      </a:r>
+                    </a:p>
+                  </a:txBody>
+                  <a:tcPr marL="9525" marR="9525" marT="9525" marB="0" anchor="b"/>
+                </a:tc>
+                <a:tc>
+                  <a:txBody>
+                    <a:bodyPr/>
+                    <a:lstStyle/>
+                    <a:p>
+                      <a:pPr algn="r" fontAlgn="b"/>
+                      <a:r>
+                        <a:rPr lang="en-US" sz="1600" b="0" i="0" u="none" strike="noStrike">
+                          <a:solidFill>
+                            <a:srgbClr val="000000"/>
+                          </a:solidFill>
+                          <a:effectLst/>
+                          <a:latin typeface="Calibri"/>
+                        </a:rPr>
+                        <a:t>39</a:t>
+                      </a:r>
+                    </a:p>
+                  </a:txBody>
+                  <a:tcPr marL="9525" marR="9525" marT="9525" marB="0" anchor="b"/>
+                </a:tc>
+              </a:tr>
+              <a:tr h="36830">
+                <a:tc>
+                  <a:txBody>
+                    <a:bodyPr/>
+                    <a:lstStyle/>
+                    <a:p>
+                      <a:pPr algn="l" fontAlgn="b"/>
+                      <a:r>
+                        <a:rPr lang="en-US" sz="1600" b="0" i="0" u="none" strike="noStrike" dirty="0">
+                          <a:solidFill>
+                            <a:srgbClr val="000000"/>
+                          </a:solidFill>
+                          <a:effectLst/>
+                          <a:latin typeface="Calibri"/>
+                        </a:rPr>
+                        <a:t>mean </a:t>
+                      </a:r>
+                      <a:r>
+                        <a:rPr lang="en-US" sz="1600" b="0" i="0" u="none" strike="noStrike" dirty="0" err="1">
+                          <a:solidFill>
+                            <a:srgbClr val="000000"/>
+                          </a:solidFill>
+                          <a:effectLst/>
+                          <a:latin typeface="Calibri"/>
+                        </a:rPr>
+                        <a:t>NValence</a:t>
+                      </a:r>
+                      <a:endParaRPr lang="en-US" sz="1600" b="0" i="0" u="none" strike="noStrike" dirty="0">
+                        <a:solidFill>
+                          <a:srgbClr val="000000"/>
+                        </a:solidFill>
+                        <a:effectLst/>
+                        <a:latin typeface="Calibri"/>
+                      </a:endParaRPr>
+                    </a:p>
+                  </a:txBody>
+                  <a:tcPr marL="9525" marR="9525" marT="9525" marB="0" anchor="b"/>
+                </a:tc>
+                <a:tc>
+                  <a:txBody>
+                    <a:bodyPr/>
+                    <a:lstStyle/>
+                    <a:p>
+                      <a:pPr algn="r" fontAlgn="b"/>
+                      <a:r>
+                        <a:rPr lang="en-US" sz="1600" b="0" i="0" u="none" strike="noStrike">
+                          <a:solidFill>
+                            <a:srgbClr val="000000"/>
+                          </a:solidFill>
+                          <a:effectLst/>
+                          <a:latin typeface="Calibri"/>
+                        </a:rPr>
+                        <a:t>0.0566</a:t>
+                      </a:r>
+                    </a:p>
+                  </a:txBody>
+                  <a:tcPr marL="9525" marR="9525" marT="9525" marB="0" anchor="b"/>
+                </a:tc>
+                <a:tc>
+                  <a:txBody>
+                    <a:bodyPr/>
+                    <a:lstStyle/>
+                    <a:p>
+                      <a:pPr algn="r" fontAlgn="b"/>
+                      <a:r>
+                        <a:rPr lang="en-US" sz="1600" b="0" i="0" u="none" strike="noStrike" dirty="0">
+                          <a:solidFill>
+                            <a:srgbClr val="000000"/>
+                          </a:solidFill>
+                          <a:effectLst/>
+                          <a:latin typeface="Calibri"/>
+                        </a:rPr>
+                        <a:t>36</a:t>
+                      </a:r>
+                    </a:p>
+                  </a:txBody>
+                  <a:tcPr marL="9525" marR="9525" marT="9525" marB="0" anchor="b"/>
+                </a:tc>
+              </a:tr>
+              <a:tr h="0">
+                <a:tc>
+                  <a:txBody>
+                    <a:bodyPr/>
+                    <a:lstStyle/>
+                    <a:p>
+                      <a:pPr algn="l" fontAlgn="b"/>
+                      <a:r>
+                        <a:rPr lang="en-US" sz="1600" b="0" i="0" u="none" strike="noStrike" dirty="0">
+                          <a:solidFill>
+                            <a:srgbClr val="000000"/>
+                          </a:solidFill>
+                          <a:effectLst/>
+                          <a:latin typeface="Calibri"/>
+                        </a:rPr>
+                        <a:t>mode </a:t>
+                      </a:r>
+                      <a:r>
+                        <a:rPr lang="en-US" sz="1600" b="0" i="0" u="none" strike="noStrike" dirty="0" err="1">
+                          <a:solidFill>
+                            <a:srgbClr val="000000"/>
+                          </a:solidFill>
+                          <a:effectLst/>
+                          <a:latin typeface="Calibri"/>
+                        </a:rPr>
+                        <a:t>NValence</a:t>
+                      </a:r>
+                      <a:endParaRPr lang="en-US" sz="1600" b="0" i="0" u="none" strike="noStrike" dirty="0">
+                        <a:solidFill>
+                          <a:srgbClr val="000000"/>
+                        </a:solidFill>
+                        <a:effectLst/>
+                        <a:latin typeface="Calibri"/>
+                      </a:endParaRPr>
+                    </a:p>
+                  </a:txBody>
+                  <a:tcPr marL="9525" marR="9525" marT="9525" marB="0" anchor="b"/>
+                </a:tc>
+                <a:tc>
+                  <a:txBody>
+                    <a:bodyPr/>
+                    <a:lstStyle/>
+                    <a:p>
+                      <a:pPr algn="r" fontAlgn="b"/>
+                      <a:r>
+                        <a:rPr lang="en-US" sz="1600" b="0" i="0" u="none" strike="noStrike">
+                          <a:solidFill>
+                            <a:srgbClr val="000000"/>
+                          </a:solidFill>
+                          <a:effectLst/>
+                          <a:latin typeface="Calibri"/>
+                        </a:rPr>
+                        <a:t>0.0538</a:t>
+                      </a:r>
+                    </a:p>
+                  </a:txBody>
+                  <a:tcPr marL="9525" marR="9525" marT="9525" marB="0" anchor="b"/>
+                </a:tc>
+                <a:tc>
+                  <a:txBody>
+                    <a:bodyPr/>
+                    <a:lstStyle/>
+                    <a:p>
+                      <a:pPr algn="r" fontAlgn="b"/>
+                      <a:r>
+                        <a:rPr lang="en-US" sz="1600" b="0" i="0" u="none" strike="noStrike">
+                          <a:solidFill>
+                            <a:srgbClr val="000000"/>
+                          </a:solidFill>
+                          <a:effectLst/>
+                          <a:latin typeface="Calibri"/>
+                        </a:rPr>
+                        <a:t>7</a:t>
+                      </a:r>
+                    </a:p>
+                  </a:txBody>
+                  <a:tcPr marL="9525" marR="9525" marT="9525" marB="0" anchor="b"/>
+                </a:tc>
+              </a:tr>
+              <a:tr h="63500">
+                <a:tc>
+                  <a:txBody>
+                    <a:bodyPr/>
+                    <a:lstStyle/>
+                    <a:p>
+                      <a:pPr algn="l" fontAlgn="b"/>
+                      <a:r>
+                        <a:rPr lang="en-US" sz="1600" b="0" i="0" u="none" strike="noStrike" dirty="0">
+                          <a:solidFill>
+                            <a:srgbClr val="000000"/>
+                          </a:solidFill>
+                          <a:effectLst/>
+                          <a:latin typeface="Calibri"/>
+                        </a:rPr>
+                        <a:t>mean Number</a:t>
+                      </a:r>
+                    </a:p>
+                  </a:txBody>
+                  <a:tcPr marL="9525" marR="9525" marT="9525" marB="0" anchor="b"/>
+                </a:tc>
+                <a:tc>
+                  <a:txBody>
+                    <a:bodyPr/>
+                    <a:lstStyle/>
+                    <a:p>
+                      <a:pPr algn="r" fontAlgn="b"/>
+                      <a:r>
+                        <a:rPr lang="en-US" sz="1600" b="0" i="0" u="none" strike="noStrike">
+                          <a:solidFill>
+                            <a:srgbClr val="000000"/>
+                          </a:solidFill>
+                          <a:effectLst/>
+                          <a:latin typeface="Calibri"/>
+                        </a:rPr>
+                        <a:t>0.0409</a:t>
+                      </a:r>
+                    </a:p>
+                  </a:txBody>
+                  <a:tcPr marL="9525" marR="9525" marT="9525" marB="0" anchor="b"/>
+                </a:tc>
+                <a:tc>
+                  <a:txBody>
+                    <a:bodyPr/>
+                    <a:lstStyle/>
+                    <a:p>
+                      <a:pPr algn="r" fontAlgn="b"/>
+                      <a:r>
+                        <a:rPr lang="en-US" sz="1600" b="0" i="0" u="none" strike="noStrike">
+                          <a:solidFill>
+                            <a:srgbClr val="000000"/>
+                          </a:solidFill>
+                          <a:effectLst/>
+                          <a:latin typeface="Calibri"/>
+                        </a:rPr>
+                        <a:t>58</a:t>
+                      </a:r>
+                    </a:p>
+                  </a:txBody>
+                  <a:tcPr marL="9525" marR="9525" marT="9525" marB="0" anchor="b"/>
+                </a:tc>
+              </a:tr>
+              <a:tr h="38735">
+                <a:tc>
+                  <a:txBody>
+                    <a:bodyPr/>
+                    <a:lstStyle/>
+                    <a:p>
+                      <a:pPr algn="l" fontAlgn="b"/>
+                      <a:r>
+                        <a:rPr lang="en-US" sz="1600" b="0" i="0" u="none" strike="noStrike" dirty="0">
+                          <a:solidFill>
+                            <a:srgbClr val="000000"/>
+                          </a:solidFill>
+                          <a:effectLst/>
+                          <a:latin typeface="Calibri"/>
+                        </a:rPr>
+                        <a:t>mean Electronegativity</a:t>
+                      </a:r>
+                    </a:p>
+                  </a:txBody>
+                  <a:tcPr marL="9525" marR="9525" marT="9525" marB="0" anchor="b"/>
+                </a:tc>
+                <a:tc>
+                  <a:txBody>
+                    <a:bodyPr/>
+                    <a:lstStyle/>
+                    <a:p>
+                      <a:pPr algn="r" fontAlgn="b"/>
+                      <a:r>
+                        <a:rPr lang="en-US" sz="1600" b="0" i="0" u="none" strike="noStrike">
+                          <a:solidFill>
+                            <a:srgbClr val="000000"/>
+                          </a:solidFill>
+                          <a:effectLst/>
+                          <a:latin typeface="Calibri"/>
+                        </a:rPr>
+                        <a:t>0.0304</a:t>
+                      </a:r>
+                    </a:p>
+                  </a:txBody>
+                  <a:tcPr marL="9525" marR="9525" marT="9525" marB="0" anchor="b"/>
+                </a:tc>
+                <a:tc>
+                  <a:txBody>
+                    <a:bodyPr/>
+                    <a:lstStyle/>
+                    <a:p>
+                      <a:pPr algn="r" fontAlgn="b"/>
+                      <a:r>
+                        <a:rPr lang="en-US" sz="1600" b="0" i="0" u="none" strike="noStrike">
+                          <a:solidFill>
+                            <a:srgbClr val="000000"/>
+                          </a:solidFill>
+                          <a:effectLst/>
+                          <a:latin typeface="Calibri"/>
+                        </a:rPr>
+                        <a:t>19</a:t>
+                      </a:r>
+                    </a:p>
+                  </a:txBody>
+                  <a:tcPr marL="9525" marR="9525" marT="9525" marB="0" anchor="b"/>
+                </a:tc>
+              </a:tr>
+              <a:tr h="166370">
+                <a:tc>
+                  <a:txBody>
+                    <a:bodyPr/>
+                    <a:lstStyle/>
+                    <a:p>
+                      <a:pPr algn="l" fontAlgn="b"/>
+                      <a:r>
+                        <a:rPr lang="en-US" sz="1600" b="0" i="0" u="none" strike="noStrike" dirty="0">
+                          <a:solidFill>
+                            <a:srgbClr val="000000"/>
+                          </a:solidFill>
+                          <a:effectLst/>
+                          <a:latin typeface="Calibri"/>
+                        </a:rPr>
+                        <a:t>mean </a:t>
+                      </a:r>
+                      <a:r>
+                        <a:rPr lang="en-US" sz="1600" b="0" i="0" u="none" strike="noStrike" dirty="0" err="1">
+                          <a:solidFill>
+                            <a:srgbClr val="000000"/>
+                          </a:solidFill>
+                          <a:effectLst/>
+                          <a:latin typeface="Calibri"/>
+                        </a:rPr>
+                        <a:t>AtomicWeight</a:t>
+                      </a:r>
+                      <a:endParaRPr lang="en-US" sz="1600" b="0" i="0" u="none" strike="noStrike" dirty="0">
+                        <a:solidFill>
+                          <a:srgbClr val="000000"/>
+                        </a:solidFill>
+                        <a:effectLst/>
+                        <a:latin typeface="Calibri"/>
+                      </a:endParaRPr>
+                    </a:p>
+                  </a:txBody>
+                  <a:tcPr marL="9525" marR="9525" marT="9525" marB="0" anchor="b"/>
+                </a:tc>
+                <a:tc>
+                  <a:txBody>
+                    <a:bodyPr/>
+                    <a:lstStyle/>
+                    <a:p>
+                      <a:pPr algn="r" fontAlgn="b"/>
+                      <a:r>
+                        <a:rPr lang="en-US" sz="1600" b="0" i="0" u="none" strike="noStrike">
+                          <a:solidFill>
+                            <a:srgbClr val="000000"/>
+                          </a:solidFill>
+                          <a:effectLst/>
+                          <a:latin typeface="Calibri"/>
+                        </a:rPr>
+                        <a:t>0.0302</a:t>
+                      </a:r>
+                    </a:p>
+                  </a:txBody>
+                  <a:tcPr marL="9525" marR="9525" marT="9525" marB="0" anchor="b"/>
+                </a:tc>
+                <a:tc>
+                  <a:txBody>
+                    <a:bodyPr/>
+                    <a:lstStyle/>
+                    <a:p>
+                      <a:pPr algn="r" fontAlgn="b"/>
+                      <a:r>
+                        <a:rPr lang="en-US" sz="1600" b="0" i="0" u="none" strike="noStrike">
+                          <a:solidFill>
+                            <a:srgbClr val="000000"/>
+                          </a:solidFill>
+                          <a:effectLst/>
+                          <a:latin typeface="Calibri"/>
+                        </a:rPr>
+                        <a:t>61</a:t>
+                      </a:r>
+                    </a:p>
+                  </a:txBody>
+                  <a:tcPr marL="9525" marR="9525" marT="9525" marB="0" anchor="b"/>
+                </a:tc>
+              </a:tr>
+              <a:tr h="0">
+                <a:tc>
+                  <a:txBody>
+                    <a:bodyPr/>
+                    <a:lstStyle/>
+                    <a:p>
+                      <a:pPr algn="l" fontAlgn="b"/>
+                      <a:r>
+                        <a:rPr lang="en-US" sz="1600" b="0" i="0" u="none" strike="noStrike">
+                          <a:solidFill>
+                            <a:srgbClr val="000000"/>
+                          </a:solidFill>
+                          <a:effectLst/>
+                          <a:latin typeface="Calibri"/>
+                        </a:rPr>
+                        <a:t>mode Column</a:t>
+                      </a:r>
+                    </a:p>
+                  </a:txBody>
+                  <a:tcPr marL="9525" marR="9525" marT="9525" marB="0" anchor="b"/>
+                </a:tc>
+                <a:tc>
+                  <a:txBody>
+                    <a:bodyPr/>
+                    <a:lstStyle/>
+                    <a:p>
+                      <a:pPr algn="r" fontAlgn="b"/>
+                      <a:r>
+                        <a:rPr lang="en-US" sz="1600" b="0" i="0" u="none" strike="noStrike">
+                          <a:solidFill>
+                            <a:srgbClr val="000000"/>
+                          </a:solidFill>
+                          <a:effectLst/>
+                          <a:latin typeface="Calibri"/>
+                        </a:rPr>
+                        <a:t>0.0300</a:t>
+                      </a:r>
+                    </a:p>
+                  </a:txBody>
+                  <a:tcPr marL="9525" marR="9525" marT="9525" marB="0" anchor="b"/>
+                </a:tc>
+                <a:tc>
+                  <a:txBody>
+                    <a:bodyPr/>
+                    <a:lstStyle/>
+                    <a:p>
+                      <a:pPr algn="r" fontAlgn="b"/>
+                      <a:r>
+                        <a:rPr lang="en-US" sz="1600" b="0" i="0" u="none" strike="noStrike">
+                          <a:solidFill>
+                            <a:srgbClr val="000000"/>
+                          </a:solidFill>
+                          <a:effectLst/>
+                          <a:latin typeface="Calibri"/>
+                        </a:rPr>
+                        <a:t>25</a:t>
+                      </a:r>
+                    </a:p>
+                  </a:txBody>
+                  <a:tcPr marL="9525" marR="9525" marT="9525" marB="0" anchor="b"/>
+                </a:tc>
+              </a:tr>
+              <a:tr h="40640">
+                <a:tc>
+                  <a:txBody>
+                    <a:bodyPr/>
+                    <a:lstStyle/>
+                    <a:p>
+                      <a:pPr algn="l" fontAlgn="b"/>
+                      <a:r>
+                        <a:rPr lang="en-US" sz="1600" b="0" i="0" u="none" strike="noStrike">
+                          <a:solidFill>
+                            <a:srgbClr val="000000"/>
+                          </a:solidFill>
+                          <a:effectLst/>
+                          <a:latin typeface="Calibri"/>
+                        </a:rPr>
+                        <a:t>mode MeltingT</a:t>
+                      </a:r>
+                    </a:p>
+                  </a:txBody>
+                  <a:tcPr marL="9525" marR="9525" marT="9525" marB="0" anchor="b"/>
+                </a:tc>
+                <a:tc>
+                  <a:txBody>
+                    <a:bodyPr/>
+                    <a:lstStyle/>
+                    <a:p>
+                      <a:pPr algn="r" fontAlgn="b"/>
+                      <a:r>
+                        <a:rPr lang="en-US" sz="1600" b="0" i="0" u="none" strike="noStrike" dirty="0">
+                          <a:solidFill>
+                            <a:srgbClr val="000000"/>
+                          </a:solidFill>
+                          <a:effectLst/>
+                          <a:latin typeface="Calibri"/>
+                        </a:rPr>
+                        <a:t>0.0274</a:t>
+                      </a:r>
+                    </a:p>
+                  </a:txBody>
+                  <a:tcPr marL="9525" marR="9525" marT="9525" marB="0" anchor="b"/>
+                </a:tc>
+                <a:tc>
+                  <a:txBody>
+                    <a:bodyPr/>
+                    <a:lstStyle/>
+                    <a:p>
+                      <a:pPr algn="r" fontAlgn="b"/>
+                      <a:r>
+                        <a:rPr lang="en-US" sz="1600" b="0" i="0" u="none" strike="noStrike" dirty="0">
+                          <a:solidFill>
+                            <a:srgbClr val="000000"/>
+                          </a:solidFill>
+                          <a:effectLst/>
+                          <a:latin typeface="Calibri"/>
+                        </a:rPr>
+                        <a:t>11</a:t>
+                      </a:r>
+                    </a:p>
+                  </a:txBody>
+                  <a:tcPr marL="9525" marR="9525" marT="9525" marB="0" anchor="b"/>
+                </a:tc>
+              </a:tr>
+            </a:tbl>
+          </a:graphicData>
+        </a:graphic>
+      </p:graphicFrame>
+      <p:pic>
+        <p:nvPicPr>
+          <p:cNvPr id="9" name="Picture 8"/>
+          <p:cNvPicPr>
+            <a:picLocks noChangeAspect="1"/>
+          </p:cNvPicPr>
+          <p:nvPr/>
+        </p:nvPicPr>
+        <p:blipFill>
+          <a:blip r:embed="rId3">
+            <a:extLst>
+              <a:ext uri="{28A0092B-C50C-407E-A947-70E740481C1C}">
+                <a14:useLocalDpi xmlns:a14="http://schemas.microsoft.com/office/drawing/2010/main" val="0"/>
+              </a:ext>
+            </a:extLst>
+          </a:blip>
+          <a:stretch>
+            <a:fillRect/>
+          </a:stretch>
+        </p:blipFill>
+        <p:spPr>
+          <a:xfrm>
+            <a:off x="6248400" y="3955576"/>
+            <a:ext cx="2902424" cy="2902424"/>
+          </a:xfrm>
+          <a:prstGeom prst="rect">
+            <a:avLst/>
+          </a:prstGeom>
+        </p:spPr>
+      </p:pic>
+      <p:pic>
+        <p:nvPicPr>
+          <p:cNvPr id="10" name="Content Placeholder 4"/>
+          <p:cNvPicPr>
+            <a:picLocks noGrp="1" noChangeAspect="1"/>
+          </p:cNvPicPr>
+          <p:nvPr>
+            <p:ph sz="quarter" idx="14"/>
+          </p:nvPr>
+        </p:nvPicPr>
+        <p:blipFill>
+          <a:blip r:embed="rId4">
+            <a:extLst>
+              <a:ext uri="{28A0092B-C50C-407E-A947-70E740481C1C}">
+                <a14:useLocalDpi xmlns:a14="http://schemas.microsoft.com/office/drawing/2010/main" val="0"/>
+              </a:ext>
+            </a:extLst>
+          </a:blip>
+          <a:stretch>
+            <a:fillRect/>
+          </a:stretch>
+        </p:blipFill>
+        <p:spPr>
+          <a:xfrm>
+            <a:off x="0" y="3961358"/>
+            <a:ext cx="2896642" cy="2896642"/>
+          </a:xfrm>
+        </p:spPr>
+      </p:pic>
+      <p:graphicFrame>
+        <p:nvGraphicFramePr>
+          <p:cNvPr id="11" name="Table 10"/>
+          <p:cNvGraphicFramePr>
+            <a:graphicFrameLocks noGrp="1"/>
+          </p:cNvGraphicFramePr>
+          <p:nvPr>
+            <p:extLst>
+              <p:ext uri="{D42A27DB-BD31-4B8C-83A1-F6EECF244321}">
+                <p14:modId xmlns:p14="http://schemas.microsoft.com/office/powerpoint/2010/main" val="2399042497"/>
+              </p:ext>
+            </p:extLst>
+          </p:nvPr>
+        </p:nvGraphicFramePr>
+        <p:xfrm>
+          <a:off x="4512499" y="1096654"/>
+          <a:ext cx="4631501" cy="2838450"/>
+        </p:xfrm>
+        <a:graphic>
+          <a:graphicData uri="http://schemas.openxmlformats.org/drawingml/2006/table">
+            <a:tbl>
+              <a:tblPr firstRow="1" bandRow="1">
+                <a:tableStyleId>{5C22544A-7EE6-4342-B048-85BDC9FD1C3A}</a:tableStyleId>
+              </a:tblPr>
+              <a:tblGrid>
+                <a:gridCol w="2169097"/>
+                <a:gridCol w="1296099"/>
+                <a:gridCol w="1166305"/>
+              </a:tblGrid>
+              <a:tr h="370840">
+                <a:tc>
+                  <a:txBody>
+                    <a:bodyPr/>
+                    <a:lstStyle/>
+                    <a:p>
+                      <a:pPr algn="l" fontAlgn="b"/>
+                      <a:r>
+                        <a:rPr lang="en-US" sz="1800" b="1" i="0" u="none" strike="noStrike" dirty="0" smtClean="0">
+                          <a:solidFill>
+                            <a:schemeClr val="bg1"/>
+                          </a:solidFill>
+                          <a:effectLst/>
+                          <a:latin typeface="Calibri"/>
+                        </a:rPr>
+                        <a:t>Difference Model</a:t>
+                      </a:r>
+                      <a:endParaRPr lang="en-US" sz="1800" b="1" i="0" u="none" strike="noStrike" dirty="0">
+                        <a:solidFill>
+                          <a:schemeClr val="bg1"/>
+                        </a:solidFill>
+                        <a:effectLst/>
+                        <a:latin typeface="Calibri"/>
+                      </a:endParaRPr>
+                    </a:p>
+                  </a:txBody>
+                  <a:tcPr marL="9525" marR="9525" marT="9525" marB="0" anchor="b"/>
+                </a:tc>
+                <a:tc>
+                  <a:txBody>
+                    <a:bodyPr/>
+                    <a:lstStyle/>
+                    <a:p>
+                      <a:pPr algn="l" fontAlgn="b"/>
+                      <a:r>
+                        <a:rPr lang="en-US" sz="1800" b="1" i="0" u="none" strike="noStrike" dirty="0" smtClean="0">
+                          <a:solidFill>
+                            <a:schemeClr val="bg1"/>
+                          </a:solidFill>
+                          <a:effectLst/>
+                          <a:latin typeface="Calibri"/>
+                        </a:rPr>
+                        <a:t>Importance</a:t>
+                      </a:r>
+                      <a:endParaRPr lang="en-US" sz="1800" b="1" i="0" u="none" strike="noStrike" dirty="0">
+                        <a:solidFill>
+                          <a:schemeClr val="bg1"/>
+                        </a:solidFill>
+                        <a:effectLst/>
+                        <a:latin typeface="Calibri"/>
+                      </a:endParaRPr>
+                    </a:p>
+                  </a:txBody>
+                  <a:tcPr marL="9525" marR="9525" marT="9525" marB="0" anchor="b"/>
+                </a:tc>
+                <a:tc>
+                  <a:txBody>
+                    <a:bodyPr/>
+                    <a:lstStyle/>
+                    <a:p>
+                      <a:pPr algn="l" fontAlgn="b"/>
+                      <a:r>
+                        <a:rPr lang="en-US" sz="1800" b="1" i="0" u="none" strike="noStrike" dirty="0" smtClean="0">
+                          <a:solidFill>
+                            <a:schemeClr val="bg1"/>
+                          </a:solidFill>
+                          <a:effectLst/>
+                          <a:latin typeface="Calibri"/>
+                        </a:rPr>
+                        <a:t>Rank in Full Model</a:t>
+                      </a:r>
+                      <a:endParaRPr lang="en-US" sz="1800" b="1" i="0" u="none" strike="noStrike" dirty="0">
+                        <a:solidFill>
+                          <a:schemeClr val="bg1"/>
+                        </a:solidFill>
+                        <a:effectLst/>
+                        <a:latin typeface="Calibri"/>
+                      </a:endParaRPr>
+                    </a:p>
+                  </a:txBody>
+                  <a:tcPr marL="9525" marR="9525" marT="9525" marB="0" anchor="b"/>
+                </a:tc>
+              </a:tr>
+              <a:tr h="86360">
+                <a:tc>
+                  <a:txBody>
+                    <a:bodyPr/>
+                    <a:lstStyle/>
+                    <a:p>
+                      <a:pPr algn="l" fontAlgn="b"/>
+                      <a:r>
+                        <a:rPr lang="en-US" sz="1600" b="0" i="0" u="none" strike="noStrike" dirty="0" err="1">
+                          <a:solidFill>
+                            <a:srgbClr val="000000"/>
+                          </a:solidFill>
+                          <a:effectLst/>
+                          <a:latin typeface="Calibri"/>
+                        </a:rPr>
+                        <a:t>avg_dev</a:t>
+                      </a:r>
+                      <a:r>
+                        <a:rPr lang="en-US" sz="1600" b="0" i="0" u="none" strike="noStrike" dirty="0">
+                          <a:solidFill>
+                            <a:srgbClr val="000000"/>
+                          </a:solidFill>
+                          <a:effectLst/>
+                          <a:latin typeface="Calibri"/>
+                        </a:rPr>
+                        <a:t> Column</a:t>
+                      </a:r>
+                    </a:p>
+                  </a:txBody>
+                  <a:tcPr marL="9525" marR="9525" marT="9525" marB="0" anchor="b"/>
+                </a:tc>
+                <a:tc>
+                  <a:txBody>
+                    <a:bodyPr/>
+                    <a:lstStyle/>
+                    <a:p>
+                      <a:pPr algn="r" fontAlgn="b"/>
+                      <a:r>
+                        <a:rPr lang="en-US" sz="1600" b="0" i="0" u="none" strike="noStrike">
+                          <a:solidFill>
+                            <a:srgbClr val="000000"/>
+                          </a:solidFill>
+                          <a:effectLst/>
+                          <a:latin typeface="Calibri"/>
+                        </a:rPr>
+                        <a:t>0.0330</a:t>
+                      </a:r>
+                    </a:p>
+                  </a:txBody>
+                  <a:tcPr marL="9525" marR="9525" marT="9525" marB="0" anchor="b"/>
+                </a:tc>
+                <a:tc>
+                  <a:txBody>
+                    <a:bodyPr/>
+                    <a:lstStyle/>
+                    <a:p>
+                      <a:pPr algn="r" fontAlgn="b"/>
+                      <a:r>
+                        <a:rPr lang="en-US" sz="1600" b="0" i="0" u="none" strike="noStrike">
+                          <a:solidFill>
+                            <a:srgbClr val="000000"/>
+                          </a:solidFill>
+                          <a:effectLst/>
+                          <a:latin typeface="Calibri"/>
+                        </a:rPr>
+                        <a:t>86</a:t>
+                      </a:r>
+                    </a:p>
+                  </a:txBody>
+                  <a:tcPr marL="9525" marR="9525" marT="9525" marB="0" anchor="b"/>
+                </a:tc>
+              </a:tr>
+              <a:tr h="61595">
+                <a:tc>
+                  <a:txBody>
+                    <a:bodyPr/>
+                    <a:lstStyle/>
+                    <a:p>
+                      <a:pPr algn="l" fontAlgn="b"/>
+                      <a:r>
+                        <a:rPr lang="en-US" sz="1600" b="0" i="0" u="none" strike="noStrike" dirty="0">
+                          <a:solidFill>
+                            <a:srgbClr val="000000"/>
+                          </a:solidFill>
+                          <a:effectLst/>
+                          <a:latin typeface="Calibri"/>
+                        </a:rPr>
+                        <a:t>minimum </a:t>
+                      </a:r>
+                      <a:r>
+                        <a:rPr lang="en-US" sz="1600" b="0" i="0" u="none" strike="noStrike" dirty="0" err="1">
+                          <a:solidFill>
+                            <a:srgbClr val="000000"/>
+                          </a:solidFill>
+                          <a:effectLst/>
+                          <a:latin typeface="Calibri"/>
+                        </a:rPr>
+                        <a:t>CovalentRadius</a:t>
+                      </a:r>
+                      <a:endParaRPr lang="en-US" sz="1600" b="0" i="0" u="none" strike="noStrike" dirty="0">
+                        <a:solidFill>
+                          <a:srgbClr val="000000"/>
+                        </a:solidFill>
+                        <a:effectLst/>
+                        <a:latin typeface="Calibri"/>
+                      </a:endParaRPr>
+                    </a:p>
+                  </a:txBody>
+                  <a:tcPr marL="9525" marR="9525" marT="9525" marB="0" anchor="b"/>
+                </a:tc>
+                <a:tc>
+                  <a:txBody>
+                    <a:bodyPr/>
+                    <a:lstStyle/>
+                    <a:p>
+                      <a:pPr algn="r" fontAlgn="b"/>
+                      <a:r>
+                        <a:rPr lang="en-US" sz="1600" b="0" i="0" u="none" strike="noStrike" dirty="0">
+                          <a:solidFill>
+                            <a:srgbClr val="000000"/>
+                          </a:solidFill>
+                          <a:effectLst/>
+                          <a:latin typeface="Calibri"/>
+                        </a:rPr>
+                        <a:t>0.0322</a:t>
+                      </a:r>
+                    </a:p>
+                  </a:txBody>
+                  <a:tcPr marL="9525" marR="9525" marT="9525" marB="0" anchor="b"/>
+                </a:tc>
+                <a:tc>
+                  <a:txBody>
+                    <a:bodyPr/>
+                    <a:lstStyle/>
+                    <a:p>
+                      <a:pPr algn="r" fontAlgn="b"/>
+                      <a:r>
+                        <a:rPr lang="en-US" sz="1600" b="0" i="0" u="none" strike="noStrike">
+                          <a:solidFill>
+                            <a:srgbClr val="000000"/>
+                          </a:solidFill>
+                          <a:effectLst/>
+                          <a:latin typeface="Calibri"/>
+                        </a:rPr>
+                        <a:t>92</a:t>
+                      </a:r>
+                    </a:p>
+                  </a:txBody>
+                  <a:tcPr marL="9525" marR="9525" marT="9525" marB="0" anchor="b"/>
+                </a:tc>
+              </a:tr>
+              <a:tr h="36830">
+                <a:tc>
+                  <a:txBody>
+                    <a:bodyPr/>
+                    <a:lstStyle/>
+                    <a:p>
+                      <a:pPr algn="l" fontAlgn="b"/>
+                      <a:r>
+                        <a:rPr lang="en-US" sz="1600" b="0" i="0" u="none" strike="noStrike" dirty="0">
+                          <a:solidFill>
+                            <a:srgbClr val="000000"/>
+                          </a:solidFill>
+                          <a:effectLst/>
+                          <a:latin typeface="Calibri"/>
+                        </a:rPr>
+                        <a:t>mean </a:t>
+                      </a:r>
+                      <a:r>
+                        <a:rPr lang="en-US" sz="1600" b="0" i="0" u="none" strike="noStrike" dirty="0" err="1">
+                          <a:solidFill>
+                            <a:srgbClr val="000000"/>
+                          </a:solidFill>
+                          <a:effectLst/>
+                          <a:latin typeface="Calibri"/>
+                        </a:rPr>
+                        <a:t>GSbandgap</a:t>
+                      </a:r>
+                      <a:endParaRPr lang="en-US" sz="1600" b="0" i="0" u="none" strike="noStrike" dirty="0">
+                        <a:solidFill>
+                          <a:srgbClr val="000000"/>
+                        </a:solidFill>
+                        <a:effectLst/>
+                        <a:latin typeface="Calibri"/>
+                      </a:endParaRPr>
+                    </a:p>
+                  </a:txBody>
+                  <a:tcPr marL="9525" marR="9525" marT="9525" marB="0" anchor="b"/>
+                </a:tc>
+                <a:tc>
+                  <a:txBody>
+                    <a:bodyPr/>
+                    <a:lstStyle/>
+                    <a:p>
+                      <a:pPr algn="r" fontAlgn="b"/>
+                      <a:r>
+                        <a:rPr lang="en-US" sz="1600" b="0" i="0" u="none" strike="noStrike">
+                          <a:solidFill>
+                            <a:srgbClr val="000000"/>
+                          </a:solidFill>
+                          <a:effectLst/>
+                          <a:latin typeface="Calibri"/>
+                        </a:rPr>
+                        <a:t>0.0294</a:t>
+                      </a:r>
+                    </a:p>
+                  </a:txBody>
+                  <a:tcPr marL="9525" marR="9525" marT="9525" marB="0" anchor="b"/>
+                </a:tc>
+                <a:tc>
+                  <a:txBody>
+                    <a:bodyPr/>
+                    <a:lstStyle/>
+                    <a:p>
+                      <a:pPr algn="r" fontAlgn="b"/>
+                      <a:r>
+                        <a:rPr lang="en-US" sz="1600" b="0" i="0" u="none" strike="noStrike">
+                          <a:solidFill>
+                            <a:srgbClr val="000000"/>
+                          </a:solidFill>
+                          <a:effectLst/>
+                          <a:latin typeface="Calibri"/>
+                        </a:rPr>
+                        <a:t>34</a:t>
+                      </a:r>
+                    </a:p>
+                  </a:txBody>
+                  <a:tcPr marL="9525" marR="9525" marT="9525" marB="0" anchor="b"/>
+                </a:tc>
+              </a:tr>
+              <a:tr h="0">
+                <a:tc>
+                  <a:txBody>
+                    <a:bodyPr/>
+                    <a:lstStyle/>
+                    <a:p>
+                      <a:pPr algn="l" fontAlgn="b"/>
+                      <a:r>
+                        <a:rPr lang="en-US" sz="1600" b="0" i="0" u="none" strike="noStrike" dirty="0" err="1">
+                          <a:solidFill>
+                            <a:srgbClr val="000000"/>
+                          </a:solidFill>
+                          <a:effectLst/>
+                          <a:latin typeface="Calibri"/>
+                        </a:rPr>
+                        <a:t>avg_dev</a:t>
+                      </a:r>
+                      <a:r>
+                        <a:rPr lang="en-US" sz="1600" b="0" i="0" u="none" strike="noStrike" dirty="0">
+                          <a:solidFill>
+                            <a:srgbClr val="000000"/>
+                          </a:solidFill>
+                          <a:effectLst/>
+                          <a:latin typeface="Calibri"/>
+                        </a:rPr>
+                        <a:t> </a:t>
+                      </a:r>
+                      <a:r>
+                        <a:rPr lang="en-US" sz="1600" b="0" i="0" u="none" strike="noStrike" dirty="0" err="1">
+                          <a:solidFill>
+                            <a:srgbClr val="000000"/>
+                          </a:solidFill>
+                          <a:effectLst/>
+                          <a:latin typeface="Calibri"/>
+                        </a:rPr>
+                        <a:t>NpValence</a:t>
+                      </a:r>
+                      <a:endParaRPr lang="en-US" sz="1600" b="0" i="0" u="none" strike="noStrike" dirty="0">
+                        <a:solidFill>
+                          <a:srgbClr val="000000"/>
+                        </a:solidFill>
+                        <a:effectLst/>
+                        <a:latin typeface="Calibri"/>
+                      </a:endParaRPr>
+                    </a:p>
+                  </a:txBody>
+                  <a:tcPr marL="9525" marR="9525" marT="9525" marB="0" anchor="b"/>
+                </a:tc>
+                <a:tc>
+                  <a:txBody>
+                    <a:bodyPr/>
+                    <a:lstStyle/>
+                    <a:p>
+                      <a:pPr algn="r" fontAlgn="b"/>
+                      <a:r>
+                        <a:rPr lang="en-US" sz="1600" b="0" i="0" u="none" strike="noStrike">
+                          <a:solidFill>
+                            <a:srgbClr val="000000"/>
+                          </a:solidFill>
+                          <a:effectLst/>
+                          <a:latin typeface="Calibri"/>
+                        </a:rPr>
+                        <a:t>0.0257</a:t>
+                      </a:r>
+                    </a:p>
+                  </a:txBody>
+                  <a:tcPr marL="9525" marR="9525" marT="9525" marB="0" anchor="b"/>
+                </a:tc>
+                <a:tc>
+                  <a:txBody>
+                    <a:bodyPr/>
+                    <a:lstStyle/>
+                    <a:p>
+                      <a:pPr algn="r" fontAlgn="b"/>
+                      <a:r>
+                        <a:rPr lang="en-US" sz="1600" b="0" i="0" u="none" strike="noStrike">
+                          <a:solidFill>
+                            <a:srgbClr val="000000"/>
+                          </a:solidFill>
+                          <a:effectLst/>
+                          <a:latin typeface="Calibri"/>
+                        </a:rPr>
+                        <a:t>35</a:t>
+                      </a:r>
+                    </a:p>
+                  </a:txBody>
+                  <a:tcPr marL="9525" marR="9525" marT="9525" marB="0" anchor="b"/>
+                </a:tc>
+              </a:tr>
+              <a:tr h="63500">
+                <a:tc>
+                  <a:txBody>
+                    <a:bodyPr/>
+                    <a:lstStyle/>
+                    <a:p>
+                      <a:pPr algn="l" fontAlgn="b"/>
+                      <a:r>
+                        <a:rPr lang="en-US" sz="1600" b="0" i="0" u="none" strike="noStrike" dirty="0" err="1">
+                          <a:solidFill>
+                            <a:srgbClr val="000000"/>
+                          </a:solidFill>
+                          <a:effectLst/>
+                          <a:latin typeface="Calibri"/>
+                        </a:rPr>
+                        <a:t>avg_dev</a:t>
+                      </a:r>
+                      <a:r>
+                        <a:rPr lang="en-US" sz="1600" b="0" i="0" u="none" strike="noStrike" dirty="0">
+                          <a:solidFill>
+                            <a:srgbClr val="000000"/>
+                          </a:solidFill>
+                          <a:effectLst/>
+                          <a:latin typeface="Calibri"/>
+                        </a:rPr>
+                        <a:t> </a:t>
+                      </a:r>
+                      <a:r>
+                        <a:rPr lang="en-US" sz="1600" b="0" i="0" u="none" strike="noStrike" dirty="0" err="1">
+                          <a:solidFill>
+                            <a:srgbClr val="000000"/>
+                          </a:solidFill>
+                          <a:effectLst/>
+                          <a:latin typeface="Calibri"/>
+                        </a:rPr>
+                        <a:t>GSbandgap</a:t>
+                      </a:r>
+                      <a:endParaRPr lang="en-US" sz="1600" b="0" i="0" u="none" strike="noStrike" dirty="0">
+                        <a:solidFill>
+                          <a:srgbClr val="000000"/>
+                        </a:solidFill>
+                        <a:effectLst/>
+                        <a:latin typeface="Calibri"/>
+                      </a:endParaRPr>
+                    </a:p>
+                  </a:txBody>
+                  <a:tcPr marL="9525" marR="9525" marT="9525" marB="0" anchor="b"/>
+                </a:tc>
+                <a:tc>
+                  <a:txBody>
+                    <a:bodyPr/>
+                    <a:lstStyle/>
+                    <a:p>
+                      <a:pPr algn="r" fontAlgn="b"/>
+                      <a:r>
+                        <a:rPr lang="en-US" sz="1600" b="0" i="0" u="none" strike="noStrike">
+                          <a:solidFill>
+                            <a:srgbClr val="000000"/>
+                          </a:solidFill>
+                          <a:effectLst/>
+                          <a:latin typeface="Calibri"/>
+                        </a:rPr>
+                        <a:t>0.0251</a:t>
+                      </a:r>
+                    </a:p>
+                  </a:txBody>
+                  <a:tcPr marL="9525" marR="9525" marT="9525" marB="0" anchor="b"/>
+                </a:tc>
+                <a:tc>
+                  <a:txBody>
+                    <a:bodyPr/>
+                    <a:lstStyle/>
+                    <a:p>
+                      <a:pPr algn="r" fontAlgn="b"/>
+                      <a:r>
+                        <a:rPr lang="en-US" sz="1600" b="0" i="0" u="none" strike="noStrike">
+                          <a:solidFill>
+                            <a:srgbClr val="000000"/>
+                          </a:solidFill>
+                          <a:effectLst/>
+                          <a:latin typeface="Calibri"/>
+                        </a:rPr>
+                        <a:t>23</a:t>
+                      </a:r>
+                    </a:p>
+                  </a:txBody>
+                  <a:tcPr marL="9525" marR="9525" marT="9525" marB="0" anchor="b"/>
+                </a:tc>
+              </a:tr>
+              <a:tr h="38735">
+                <a:tc>
+                  <a:txBody>
+                    <a:bodyPr/>
+                    <a:lstStyle/>
+                    <a:p>
+                      <a:pPr algn="l" fontAlgn="b"/>
+                      <a:r>
+                        <a:rPr lang="en-US" sz="1600" b="0" i="0" u="none" strike="noStrike" dirty="0">
+                          <a:solidFill>
+                            <a:srgbClr val="000000"/>
+                          </a:solidFill>
+                          <a:effectLst/>
+                          <a:latin typeface="Calibri"/>
+                        </a:rPr>
+                        <a:t>mode </a:t>
+                      </a:r>
+                      <a:r>
+                        <a:rPr lang="en-US" sz="1600" b="0" i="0" u="none" strike="noStrike" dirty="0" err="1">
+                          <a:solidFill>
+                            <a:srgbClr val="000000"/>
+                          </a:solidFill>
+                          <a:effectLst/>
+                          <a:latin typeface="Calibri"/>
+                        </a:rPr>
+                        <a:t>NValence</a:t>
+                      </a:r>
+                      <a:endParaRPr lang="en-US" sz="1600" b="0" i="0" u="none" strike="noStrike" dirty="0">
+                        <a:solidFill>
+                          <a:srgbClr val="000000"/>
+                        </a:solidFill>
+                        <a:effectLst/>
+                        <a:latin typeface="Calibri"/>
+                      </a:endParaRPr>
+                    </a:p>
+                  </a:txBody>
+                  <a:tcPr marL="9525" marR="9525" marT="9525" marB="0" anchor="b"/>
+                </a:tc>
+                <a:tc>
+                  <a:txBody>
+                    <a:bodyPr/>
+                    <a:lstStyle/>
+                    <a:p>
+                      <a:pPr algn="r" fontAlgn="b"/>
+                      <a:r>
+                        <a:rPr lang="en-US" sz="1600" b="0" i="0" u="none" strike="noStrike">
+                          <a:solidFill>
+                            <a:srgbClr val="000000"/>
+                          </a:solidFill>
+                          <a:effectLst/>
+                          <a:latin typeface="Calibri"/>
+                        </a:rPr>
+                        <a:t>0.0233</a:t>
+                      </a:r>
+                    </a:p>
+                  </a:txBody>
+                  <a:tcPr marL="9525" marR="9525" marT="9525" marB="0" anchor="b"/>
+                </a:tc>
+                <a:tc>
+                  <a:txBody>
+                    <a:bodyPr/>
+                    <a:lstStyle/>
+                    <a:p>
+                      <a:pPr algn="r" fontAlgn="b"/>
+                      <a:r>
+                        <a:rPr lang="en-US" sz="1600" b="0" i="0" u="none" strike="noStrike">
+                          <a:solidFill>
+                            <a:srgbClr val="000000"/>
+                          </a:solidFill>
+                          <a:effectLst/>
+                          <a:latin typeface="Calibri"/>
+                        </a:rPr>
+                        <a:t>5</a:t>
+                      </a:r>
+                    </a:p>
+                  </a:txBody>
+                  <a:tcPr marL="9525" marR="9525" marT="9525" marB="0" anchor="b"/>
+                </a:tc>
+              </a:tr>
+              <a:tr h="166370">
+                <a:tc>
+                  <a:txBody>
+                    <a:bodyPr/>
+                    <a:lstStyle/>
+                    <a:p>
+                      <a:pPr algn="l" fontAlgn="b"/>
+                      <a:r>
+                        <a:rPr lang="en-US" sz="1600" b="0" i="0" u="none" strike="noStrike" dirty="0">
+                          <a:solidFill>
+                            <a:srgbClr val="000000"/>
+                          </a:solidFill>
+                          <a:effectLst/>
+                          <a:latin typeface="Calibri"/>
+                        </a:rPr>
+                        <a:t>minimum </a:t>
+                      </a:r>
+                      <a:r>
+                        <a:rPr lang="en-US" sz="1600" b="0" i="0" u="none" strike="noStrike" dirty="0" err="1">
+                          <a:solidFill>
+                            <a:srgbClr val="000000"/>
+                          </a:solidFill>
+                          <a:effectLst/>
+                          <a:latin typeface="Calibri"/>
+                        </a:rPr>
+                        <a:t>GSvolume_pa</a:t>
+                      </a:r>
+                      <a:endParaRPr lang="en-US" sz="1600" b="0" i="0" u="none" strike="noStrike" dirty="0">
+                        <a:solidFill>
+                          <a:srgbClr val="000000"/>
+                        </a:solidFill>
+                        <a:effectLst/>
+                        <a:latin typeface="Calibri"/>
+                      </a:endParaRPr>
+                    </a:p>
+                  </a:txBody>
+                  <a:tcPr marL="9525" marR="9525" marT="9525" marB="0" anchor="b"/>
+                </a:tc>
+                <a:tc>
+                  <a:txBody>
+                    <a:bodyPr/>
+                    <a:lstStyle/>
+                    <a:p>
+                      <a:pPr algn="r" fontAlgn="b"/>
+                      <a:r>
+                        <a:rPr lang="en-US" sz="1600" b="0" i="0" u="none" strike="noStrike">
+                          <a:solidFill>
+                            <a:srgbClr val="000000"/>
+                          </a:solidFill>
+                          <a:effectLst/>
+                          <a:latin typeface="Calibri"/>
+                        </a:rPr>
+                        <a:t>0.0218</a:t>
+                      </a:r>
+                    </a:p>
+                  </a:txBody>
+                  <a:tcPr marL="9525" marR="9525" marT="9525" marB="0" anchor="b"/>
+                </a:tc>
+                <a:tc>
+                  <a:txBody>
+                    <a:bodyPr/>
+                    <a:lstStyle/>
+                    <a:p>
+                      <a:pPr algn="r" fontAlgn="b"/>
+                      <a:r>
+                        <a:rPr lang="en-US" sz="1600" b="0" i="0" u="none" strike="noStrike">
+                          <a:solidFill>
+                            <a:srgbClr val="000000"/>
+                          </a:solidFill>
+                          <a:effectLst/>
+                          <a:latin typeface="Calibri"/>
+                        </a:rPr>
+                        <a:t>93</a:t>
+                      </a:r>
+                    </a:p>
+                  </a:txBody>
+                  <a:tcPr marL="9525" marR="9525" marT="9525" marB="0" anchor="b"/>
+                </a:tc>
+              </a:tr>
+              <a:tr h="0">
+                <a:tc>
+                  <a:txBody>
+                    <a:bodyPr/>
+                    <a:lstStyle/>
+                    <a:p>
+                      <a:pPr algn="l" fontAlgn="b"/>
+                      <a:r>
+                        <a:rPr lang="en-US" sz="1600" b="0" i="0" u="none" strike="noStrike" dirty="0">
+                          <a:solidFill>
+                            <a:srgbClr val="000000"/>
+                          </a:solidFill>
+                          <a:effectLst/>
+                          <a:latin typeface="Calibri"/>
+                        </a:rPr>
+                        <a:t>mean </a:t>
+                      </a:r>
+                      <a:r>
+                        <a:rPr lang="en-US" sz="1600" b="0" i="0" u="none" strike="noStrike" dirty="0" err="1">
+                          <a:solidFill>
+                            <a:srgbClr val="000000"/>
+                          </a:solidFill>
+                          <a:effectLst/>
+                          <a:latin typeface="Calibri"/>
+                        </a:rPr>
+                        <a:t>GSmagmom</a:t>
+                      </a:r>
+                      <a:endParaRPr lang="en-US" sz="1600" b="0" i="0" u="none" strike="noStrike" dirty="0">
+                        <a:solidFill>
+                          <a:srgbClr val="000000"/>
+                        </a:solidFill>
+                        <a:effectLst/>
+                        <a:latin typeface="Calibri"/>
+                      </a:endParaRPr>
+                    </a:p>
+                  </a:txBody>
+                  <a:tcPr marL="9525" marR="9525" marT="9525" marB="0" anchor="b"/>
+                </a:tc>
+                <a:tc>
+                  <a:txBody>
+                    <a:bodyPr/>
+                    <a:lstStyle/>
+                    <a:p>
+                      <a:pPr algn="r" fontAlgn="b"/>
+                      <a:r>
+                        <a:rPr lang="en-US" sz="1600" b="0" i="0" u="none" strike="noStrike">
+                          <a:solidFill>
+                            <a:srgbClr val="000000"/>
+                          </a:solidFill>
+                          <a:effectLst/>
+                          <a:latin typeface="Calibri"/>
+                        </a:rPr>
+                        <a:t>0.0195</a:t>
+                      </a:r>
+                    </a:p>
+                  </a:txBody>
+                  <a:tcPr marL="9525" marR="9525" marT="9525" marB="0" anchor="b"/>
+                </a:tc>
+                <a:tc>
+                  <a:txBody>
+                    <a:bodyPr/>
+                    <a:lstStyle/>
+                    <a:p>
+                      <a:pPr algn="r" fontAlgn="b"/>
+                      <a:r>
+                        <a:rPr lang="en-US" sz="1600" b="0" i="0" u="none" strike="noStrike">
+                          <a:solidFill>
+                            <a:srgbClr val="000000"/>
+                          </a:solidFill>
+                          <a:effectLst/>
+                          <a:latin typeface="Calibri"/>
+                        </a:rPr>
+                        <a:t>91</a:t>
+                      </a:r>
+                    </a:p>
+                  </a:txBody>
+                  <a:tcPr marL="9525" marR="9525" marT="9525" marB="0" anchor="b"/>
+                </a:tc>
+              </a:tr>
+              <a:tr h="40640">
+                <a:tc>
+                  <a:txBody>
+                    <a:bodyPr/>
+                    <a:lstStyle/>
+                    <a:p>
+                      <a:pPr algn="l" fontAlgn="b"/>
+                      <a:r>
+                        <a:rPr lang="en-US" sz="1600" b="0" i="0" u="none" strike="noStrike" dirty="0">
+                          <a:solidFill>
+                            <a:srgbClr val="000000"/>
+                          </a:solidFill>
+                          <a:effectLst/>
+                          <a:latin typeface="Calibri"/>
+                        </a:rPr>
+                        <a:t>mean </a:t>
+                      </a:r>
+                      <a:r>
+                        <a:rPr lang="en-US" sz="1600" b="0" i="0" u="none" strike="noStrike" dirty="0" err="1">
+                          <a:solidFill>
+                            <a:srgbClr val="000000"/>
+                          </a:solidFill>
+                          <a:effectLst/>
+                          <a:latin typeface="Calibri"/>
+                        </a:rPr>
+                        <a:t>GSvolume_pa</a:t>
+                      </a:r>
+                      <a:endParaRPr lang="en-US" sz="1600" b="0" i="0" u="none" strike="noStrike" dirty="0">
+                        <a:solidFill>
+                          <a:srgbClr val="000000"/>
+                        </a:solidFill>
+                        <a:effectLst/>
+                        <a:latin typeface="Calibri"/>
+                      </a:endParaRPr>
+                    </a:p>
+                  </a:txBody>
+                  <a:tcPr marL="9525" marR="9525" marT="9525" marB="0" anchor="b"/>
+                </a:tc>
+                <a:tc>
+                  <a:txBody>
+                    <a:bodyPr/>
+                    <a:lstStyle/>
+                    <a:p>
+                      <a:pPr algn="r" fontAlgn="b"/>
+                      <a:r>
+                        <a:rPr lang="en-US" sz="1600" b="0" i="0" u="none" strike="noStrike" dirty="0">
+                          <a:solidFill>
+                            <a:srgbClr val="000000"/>
+                          </a:solidFill>
+                          <a:effectLst/>
+                          <a:latin typeface="Calibri"/>
+                        </a:rPr>
+                        <a:t>0.0191</a:t>
+                      </a:r>
+                    </a:p>
+                  </a:txBody>
+                  <a:tcPr marL="9525" marR="9525" marT="9525" marB="0" anchor="b"/>
+                </a:tc>
+                <a:tc>
+                  <a:txBody>
+                    <a:bodyPr/>
+                    <a:lstStyle/>
+                    <a:p>
+                      <a:pPr algn="r" fontAlgn="b"/>
+                      <a:r>
+                        <a:rPr lang="en-US" sz="1600" b="0" i="0" u="none" strike="noStrike" dirty="0">
+                          <a:solidFill>
+                            <a:srgbClr val="000000"/>
+                          </a:solidFill>
+                          <a:effectLst/>
+                          <a:latin typeface="Calibri"/>
+                        </a:rPr>
+                        <a:t>57</a:t>
+                      </a:r>
+                    </a:p>
+                  </a:txBody>
+                  <a:tcPr marL="9525" marR="9525" marT="9525" marB="0" anchor="b"/>
+                </a:tc>
+              </a:tr>
+            </a:tbl>
+          </a:graphicData>
+        </a:graphic>
+      </p:graphicFrame>
+    </p:spTree>
+    <p:extLst>
+      <p:ext uri="{BB962C8B-B14F-4D97-AF65-F5344CB8AC3E}">
+        <p14:creationId xmlns:p14="http://schemas.microsoft.com/office/powerpoint/2010/main" val="2452015058"/>
+      </p:ext>
+    </p:extLst>
+  </p:cSld>
+  <p:clrMapOvr>
+    <a:masterClrMapping/>
+  </p:clrMapOvr>
+  <p:timing>
+    <p:tnLst>
+      <p:par>
+        <p:cTn id="1" dur="indefinite" restart="never" nodeType="tmRoot"/>
+      </p:par>
+    </p:tnLst>
+  </p:timing>
+</p:sld>
+</file>
+
+<file path=ppt/slides/slide16.xml><?xml version="1.0" encoding="utf-8"?>
+<p:sld xmlns:a="http://schemas.openxmlformats.org/drawingml/2006/main" xmlns:r="http://schemas.openxmlformats.org/officeDocument/2006/relationships" xmlns:p="http://schemas.openxmlformats.org/presentationml/2006/main">
+  <p:cSld>
+    <p:spTree>
+      <p:nvGrpSpPr>
+        <p:cNvPr id="1" name=""/>
+        <p:cNvGrpSpPr/>
+        <p:nvPr/>
+      </p:nvGrpSpPr>
+      <p:grpSpPr>
+        <a:xfrm>
+          <a:off x="0" y="0"/>
+          <a:ext cx="0" cy="0"/>
+          <a:chOff x="0" y="0"/>
+          <a:chExt cx="0" cy="0"/>
+        </a:xfrm>
+      </p:grpSpPr>
+      <p:sp>
+        <p:nvSpPr>
+          <p:cNvPr id="2" name="Slide Number Placeholder 1"/>
+          <p:cNvSpPr>
+            <a:spLocks noGrp="1"/>
+          </p:cNvSpPr>
+          <p:nvPr>
+            <p:ph type="sldNum" sz="quarter" idx="11"/>
+          </p:nvPr>
+        </p:nvSpPr>
+        <p:spPr/>
+        <p:txBody>
+          <a:bodyPr/>
+          <a:lstStyle/>
+          <a:p>
+            <a:fld id="{5BD36294-2849-48A8-8531-5354CF3095D2}" type="slidenum">
+              <a:rPr lang="en-US" smtClean="0"/>
+              <a:pPr/>
+              <a:t>16</a:t>
+            </a:fld>
+            <a:endParaRPr lang="en-US" dirty="0"/>
+          </a:p>
+        </p:txBody>
+      </p:sp>
+      <p:sp>
+        <p:nvSpPr>
+          <p:cNvPr id="3" name="Title 2"/>
+          <p:cNvSpPr>
+            <a:spLocks noGrp="1"/>
+          </p:cNvSpPr>
+          <p:nvPr>
+            <p:ph type="title"/>
+          </p:nvPr>
+        </p:nvSpPr>
+        <p:spPr/>
+        <p:txBody>
+          <a:bodyPr/>
+          <a:lstStyle/>
+          <a:p>
+            <a:r>
+              <a:rPr lang="en-US" dirty="0" err="1" smtClean="0"/>
+              <a:t>Vegards</a:t>
+            </a:r>
+            <a:r>
+              <a:rPr lang="en-US" dirty="0" smtClean="0"/>
+              <a:t> Model </a:t>
+            </a:r>
+            <a:r>
+              <a:rPr lang="en-US" dirty="0" err="1" smtClean="0"/>
+              <a:t>vs</a:t>
+            </a:r>
+            <a:r>
+              <a:rPr lang="en-US" dirty="0" smtClean="0"/>
+              <a:t> Difference Model</a:t>
+            </a:r>
+            <a:endParaRPr lang="en-US" dirty="0"/>
+          </a:p>
+        </p:txBody>
+      </p:sp>
+      <p:pic>
+        <p:nvPicPr>
+          <p:cNvPr id="5" name="Picture 4"/>
+          <p:cNvPicPr>
+            <a:picLocks noChangeAspect="1"/>
+          </p:cNvPicPr>
+          <p:nvPr/>
+        </p:nvPicPr>
+        <p:blipFill>
+          <a:blip r:embed="rId2">
+            <a:extLst>
+              <a:ext uri="{28A0092B-C50C-407E-A947-70E740481C1C}">
+                <a14:useLocalDpi xmlns:a14="http://schemas.microsoft.com/office/drawing/2010/main" val="0"/>
+              </a:ext>
+            </a:extLst>
+          </a:blip>
+          <a:stretch>
+            <a:fillRect/>
+          </a:stretch>
+        </p:blipFill>
+        <p:spPr>
+          <a:xfrm>
+            <a:off x="6248400" y="3955576"/>
+            <a:ext cx="2902424" cy="2902424"/>
+          </a:xfrm>
+          <a:prstGeom prst="rect">
+            <a:avLst/>
+          </a:prstGeom>
+        </p:spPr>
+      </p:pic>
+      <p:graphicFrame>
+        <p:nvGraphicFramePr>
+          <p:cNvPr id="6" name="Table 5"/>
+          <p:cNvGraphicFramePr>
+            <a:graphicFrameLocks noGrp="1"/>
+          </p:cNvGraphicFramePr>
+          <p:nvPr>
+            <p:extLst>
+              <p:ext uri="{D42A27DB-BD31-4B8C-83A1-F6EECF244321}">
+                <p14:modId xmlns:p14="http://schemas.microsoft.com/office/powerpoint/2010/main" val="2379595245"/>
+              </p:ext>
+            </p:extLst>
+          </p:nvPr>
+        </p:nvGraphicFramePr>
+        <p:xfrm>
+          <a:off x="4512499" y="1096654"/>
+          <a:ext cx="4631501" cy="2838450"/>
+        </p:xfrm>
+        <a:graphic>
+          <a:graphicData uri="http://schemas.openxmlformats.org/drawingml/2006/table">
+            <a:tbl>
+              <a:tblPr firstRow="1" bandRow="1">
+                <a:tableStyleId>{5C22544A-7EE6-4342-B048-85BDC9FD1C3A}</a:tableStyleId>
+              </a:tblPr>
+              <a:tblGrid>
+                <a:gridCol w="2169097"/>
+                <a:gridCol w="1296099"/>
+                <a:gridCol w="1166305"/>
+              </a:tblGrid>
+              <a:tr h="370840">
+                <a:tc>
+                  <a:txBody>
+                    <a:bodyPr/>
+                    <a:lstStyle/>
+                    <a:p>
+                      <a:pPr algn="l" fontAlgn="b"/>
+                      <a:r>
+                        <a:rPr lang="en-US" sz="1800" b="1" i="0" u="none" strike="noStrike" dirty="0" smtClean="0">
+                          <a:solidFill>
+                            <a:schemeClr val="bg1"/>
+                          </a:solidFill>
+                          <a:effectLst/>
+                          <a:latin typeface="Calibri"/>
+                        </a:rPr>
+                        <a:t>Difference Model</a:t>
+                      </a:r>
+                      <a:endParaRPr lang="en-US" sz="1800" b="1" i="0" u="none" strike="noStrike" dirty="0">
+                        <a:solidFill>
+                          <a:schemeClr val="bg1"/>
+                        </a:solidFill>
+                        <a:effectLst/>
+                        <a:latin typeface="Calibri"/>
+                      </a:endParaRPr>
+                    </a:p>
+                  </a:txBody>
+                  <a:tcPr marL="9525" marR="9525" marT="9525" marB="0" anchor="b"/>
+                </a:tc>
+                <a:tc>
+                  <a:txBody>
+                    <a:bodyPr/>
+                    <a:lstStyle/>
+                    <a:p>
+                      <a:pPr algn="l" fontAlgn="b"/>
+                      <a:r>
+                        <a:rPr lang="en-US" sz="1800" b="1" i="0" u="none" strike="noStrike" dirty="0" smtClean="0">
+                          <a:solidFill>
+                            <a:schemeClr val="bg1"/>
+                          </a:solidFill>
+                          <a:effectLst/>
+                          <a:latin typeface="Calibri"/>
+                        </a:rPr>
+                        <a:t>Importance</a:t>
+                      </a:r>
+                      <a:endParaRPr lang="en-US" sz="1800" b="1" i="0" u="none" strike="noStrike" dirty="0">
+                        <a:solidFill>
+                          <a:schemeClr val="bg1"/>
+                        </a:solidFill>
+                        <a:effectLst/>
+                        <a:latin typeface="Calibri"/>
+                      </a:endParaRPr>
+                    </a:p>
+                  </a:txBody>
+                  <a:tcPr marL="9525" marR="9525" marT="9525" marB="0" anchor="b"/>
+                </a:tc>
+                <a:tc>
+                  <a:txBody>
+                    <a:bodyPr/>
+                    <a:lstStyle/>
+                    <a:p>
+                      <a:pPr algn="l" fontAlgn="b"/>
+                      <a:r>
+                        <a:rPr lang="en-US" sz="1800" b="1" i="0" u="none" strike="noStrike" dirty="0" smtClean="0">
+                          <a:solidFill>
+                            <a:schemeClr val="bg1"/>
+                          </a:solidFill>
+                          <a:effectLst/>
+                          <a:latin typeface="Calibri"/>
+                        </a:rPr>
+                        <a:t>Rank in Full Model</a:t>
+                      </a:r>
+                      <a:endParaRPr lang="en-US" sz="1800" b="1" i="0" u="none" strike="noStrike" dirty="0">
+                        <a:solidFill>
+                          <a:schemeClr val="bg1"/>
+                        </a:solidFill>
+                        <a:effectLst/>
+                        <a:latin typeface="Calibri"/>
+                      </a:endParaRPr>
+                    </a:p>
+                  </a:txBody>
+                  <a:tcPr marL="9525" marR="9525" marT="9525" marB="0" anchor="b"/>
+                </a:tc>
+              </a:tr>
+              <a:tr h="86360">
+                <a:tc>
+                  <a:txBody>
+                    <a:bodyPr/>
+                    <a:lstStyle/>
+                    <a:p>
+                      <a:pPr algn="l" fontAlgn="b"/>
+                      <a:r>
+                        <a:rPr lang="en-US" sz="1600" b="0" i="0" u="none" strike="noStrike" dirty="0" err="1">
+                          <a:solidFill>
+                            <a:srgbClr val="000000"/>
+                          </a:solidFill>
+                          <a:effectLst/>
+                          <a:latin typeface="Calibri"/>
+                        </a:rPr>
+                        <a:t>avg_dev</a:t>
+                      </a:r>
+                      <a:r>
+                        <a:rPr lang="en-US" sz="1600" b="0" i="0" u="none" strike="noStrike" dirty="0">
+                          <a:solidFill>
+                            <a:srgbClr val="000000"/>
+                          </a:solidFill>
+                          <a:effectLst/>
+                          <a:latin typeface="Calibri"/>
+                        </a:rPr>
+                        <a:t> Column</a:t>
+                      </a:r>
+                    </a:p>
+                  </a:txBody>
+                  <a:tcPr marL="9525" marR="9525" marT="9525" marB="0" anchor="b"/>
+                </a:tc>
+                <a:tc>
+                  <a:txBody>
+                    <a:bodyPr/>
+                    <a:lstStyle/>
+                    <a:p>
+                      <a:pPr algn="r" fontAlgn="b"/>
+                      <a:r>
+                        <a:rPr lang="en-US" sz="1600" b="0" i="0" u="none" strike="noStrike">
+                          <a:solidFill>
+                            <a:srgbClr val="000000"/>
+                          </a:solidFill>
+                          <a:effectLst/>
+                          <a:latin typeface="Calibri"/>
+                        </a:rPr>
+                        <a:t>0.0330</a:t>
+                      </a:r>
+                    </a:p>
+                  </a:txBody>
+                  <a:tcPr marL="9525" marR="9525" marT="9525" marB="0" anchor="b"/>
+                </a:tc>
+                <a:tc>
+                  <a:txBody>
+                    <a:bodyPr/>
+                    <a:lstStyle/>
+                    <a:p>
+                      <a:pPr algn="r" fontAlgn="b"/>
+                      <a:r>
+                        <a:rPr lang="en-US" sz="1600" b="0" i="0" u="none" strike="noStrike">
+                          <a:solidFill>
+                            <a:srgbClr val="000000"/>
+                          </a:solidFill>
+                          <a:effectLst/>
+                          <a:latin typeface="Calibri"/>
+                        </a:rPr>
+                        <a:t>86</a:t>
+                      </a:r>
+                    </a:p>
+                  </a:txBody>
+                  <a:tcPr marL="9525" marR="9525" marT="9525" marB="0" anchor="b"/>
+                </a:tc>
+              </a:tr>
+              <a:tr h="61595">
+                <a:tc>
+                  <a:txBody>
+                    <a:bodyPr/>
+                    <a:lstStyle/>
+                    <a:p>
+                      <a:pPr algn="l" fontAlgn="b"/>
+                      <a:r>
+                        <a:rPr lang="en-US" sz="1600" b="0" i="0" u="none" strike="noStrike" dirty="0">
+                          <a:solidFill>
+                            <a:srgbClr val="000000"/>
+                          </a:solidFill>
+                          <a:effectLst/>
+                          <a:latin typeface="Calibri"/>
+                        </a:rPr>
+                        <a:t>minimum </a:t>
+                      </a:r>
+                      <a:r>
+                        <a:rPr lang="en-US" sz="1600" b="0" i="0" u="none" strike="noStrike" dirty="0" err="1">
+                          <a:solidFill>
+                            <a:srgbClr val="000000"/>
+                          </a:solidFill>
+                          <a:effectLst/>
+                          <a:latin typeface="Calibri"/>
+                        </a:rPr>
+                        <a:t>CovalentRadius</a:t>
+                      </a:r>
+                      <a:endParaRPr lang="en-US" sz="1600" b="0" i="0" u="none" strike="noStrike" dirty="0">
+                        <a:solidFill>
+                          <a:srgbClr val="000000"/>
+                        </a:solidFill>
+                        <a:effectLst/>
+                        <a:latin typeface="Calibri"/>
+                      </a:endParaRPr>
+                    </a:p>
+                  </a:txBody>
+                  <a:tcPr marL="9525" marR="9525" marT="9525" marB="0" anchor="b"/>
+                </a:tc>
+                <a:tc>
+                  <a:txBody>
+                    <a:bodyPr/>
+                    <a:lstStyle/>
+                    <a:p>
+                      <a:pPr algn="r" fontAlgn="b"/>
+                      <a:r>
+                        <a:rPr lang="en-US" sz="1600" b="0" i="0" u="none" strike="noStrike" dirty="0">
+                          <a:solidFill>
+                            <a:srgbClr val="000000"/>
+                          </a:solidFill>
+                          <a:effectLst/>
+                          <a:latin typeface="Calibri"/>
+                        </a:rPr>
+                        <a:t>0.0322</a:t>
+                      </a:r>
+                    </a:p>
+                  </a:txBody>
+                  <a:tcPr marL="9525" marR="9525" marT="9525" marB="0" anchor="b"/>
+                </a:tc>
+                <a:tc>
+                  <a:txBody>
+                    <a:bodyPr/>
+                    <a:lstStyle/>
+                    <a:p>
+                      <a:pPr algn="r" fontAlgn="b"/>
+                      <a:r>
+                        <a:rPr lang="en-US" sz="1600" b="0" i="0" u="none" strike="noStrike">
+                          <a:solidFill>
+                            <a:srgbClr val="000000"/>
+                          </a:solidFill>
+                          <a:effectLst/>
+                          <a:latin typeface="Calibri"/>
+                        </a:rPr>
+                        <a:t>92</a:t>
+                      </a:r>
+                    </a:p>
+                  </a:txBody>
+                  <a:tcPr marL="9525" marR="9525" marT="9525" marB="0" anchor="b"/>
+                </a:tc>
+              </a:tr>
+              <a:tr h="36830">
+                <a:tc>
+                  <a:txBody>
+                    <a:bodyPr/>
+                    <a:lstStyle/>
+                    <a:p>
+                      <a:pPr algn="l" fontAlgn="b"/>
+                      <a:r>
+                        <a:rPr lang="en-US" sz="1600" b="0" i="0" u="none" strike="noStrike" dirty="0">
+                          <a:solidFill>
+                            <a:srgbClr val="000000"/>
+                          </a:solidFill>
+                          <a:effectLst/>
+                          <a:latin typeface="Calibri"/>
+                        </a:rPr>
+                        <a:t>mean </a:t>
+                      </a:r>
+                      <a:r>
+                        <a:rPr lang="en-US" sz="1600" b="0" i="0" u="none" strike="noStrike" dirty="0" err="1">
+                          <a:solidFill>
+                            <a:srgbClr val="000000"/>
+                          </a:solidFill>
+                          <a:effectLst/>
+                          <a:latin typeface="Calibri"/>
+                        </a:rPr>
+                        <a:t>GSbandgap</a:t>
+                      </a:r>
+                      <a:endParaRPr lang="en-US" sz="1600" b="0" i="0" u="none" strike="noStrike" dirty="0">
+                        <a:solidFill>
+                          <a:srgbClr val="000000"/>
+                        </a:solidFill>
+                        <a:effectLst/>
+                        <a:latin typeface="Calibri"/>
+                      </a:endParaRPr>
+                    </a:p>
+                  </a:txBody>
+                  <a:tcPr marL="9525" marR="9525" marT="9525" marB="0" anchor="b"/>
+                </a:tc>
+                <a:tc>
+                  <a:txBody>
+                    <a:bodyPr/>
+                    <a:lstStyle/>
+                    <a:p>
+                      <a:pPr algn="r" fontAlgn="b"/>
+                      <a:r>
+                        <a:rPr lang="en-US" sz="1600" b="0" i="0" u="none" strike="noStrike">
+                          <a:solidFill>
+                            <a:srgbClr val="000000"/>
+                          </a:solidFill>
+                          <a:effectLst/>
+                          <a:latin typeface="Calibri"/>
+                        </a:rPr>
+                        <a:t>0.0294</a:t>
+                      </a:r>
+                    </a:p>
+                  </a:txBody>
+                  <a:tcPr marL="9525" marR="9525" marT="9525" marB="0" anchor="b"/>
+                </a:tc>
+                <a:tc>
+                  <a:txBody>
+                    <a:bodyPr/>
+                    <a:lstStyle/>
+                    <a:p>
+                      <a:pPr algn="r" fontAlgn="b"/>
+                      <a:r>
+                        <a:rPr lang="en-US" sz="1600" b="0" i="0" u="none" strike="noStrike">
+                          <a:solidFill>
+                            <a:srgbClr val="000000"/>
+                          </a:solidFill>
+                          <a:effectLst/>
+                          <a:latin typeface="Calibri"/>
+                        </a:rPr>
+                        <a:t>34</a:t>
+                      </a:r>
+                    </a:p>
+                  </a:txBody>
+                  <a:tcPr marL="9525" marR="9525" marT="9525" marB="0" anchor="b"/>
+                </a:tc>
+              </a:tr>
+              <a:tr h="0">
+                <a:tc>
+                  <a:txBody>
+                    <a:bodyPr/>
+                    <a:lstStyle/>
+                    <a:p>
+                      <a:pPr algn="l" fontAlgn="b"/>
+                      <a:r>
+                        <a:rPr lang="en-US" sz="1600" b="0" i="0" u="none" strike="noStrike" dirty="0" err="1">
+                          <a:solidFill>
+                            <a:srgbClr val="000000"/>
+                          </a:solidFill>
+                          <a:effectLst/>
+                          <a:latin typeface="Calibri"/>
+                        </a:rPr>
+                        <a:t>avg_dev</a:t>
+                      </a:r>
+                      <a:r>
+                        <a:rPr lang="en-US" sz="1600" b="0" i="0" u="none" strike="noStrike" dirty="0">
+                          <a:solidFill>
+                            <a:srgbClr val="000000"/>
+                          </a:solidFill>
+                          <a:effectLst/>
+                          <a:latin typeface="Calibri"/>
+                        </a:rPr>
+                        <a:t> </a:t>
+                      </a:r>
+                      <a:r>
+                        <a:rPr lang="en-US" sz="1600" b="0" i="0" u="none" strike="noStrike" dirty="0" err="1">
+                          <a:solidFill>
+                            <a:srgbClr val="000000"/>
+                          </a:solidFill>
+                          <a:effectLst/>
+                          <a:latin typeface="Calibri"/>
+                        </a:rPr>
+                        <a:t>NpValence</a:t>
+                      </a:r>
+                      <a:endParaRPr lang="en-US" sz="1600" b="0" i="0" u="none" strike="noStrike" dirty="0">
+                        <a:solidFill>
+                          <a:srgbClr val="000000"/>
+                        </a:solidFill>
+                        <a:effectLst/>
+                        <a:latin typeface="Calibri"/>
+                      </a:endParaRPr>
+                    </a:p>
+                  </a:txBody>
+                  <a:tcPr marL="9525" marR="9525" marT="9525" marB="0" anchor="b"/>
+                </a:tc>
+                <a:tc>
+                  <a:txBody>
+                    <a:bodyPr/>
+                    <a:lstStyle/>
+                    <a:p>
+                      <a:pPr algn="r" fontAlgn="b"/>
+                      <a:r>
+                        <a:rPr lang="en-US" sz="1600" b="0" i="0" u="none" strike="noStrike">
+                          <a:solidFill>
+                            <a:srgbClr val="000000"/>
+                          </a:solidFill>
+                          <a:effectLst/>
+                          <a:latin typeface="Calibri"/>
+                        </a:rPr>
+                        <a:t>0.0257</a:t>
+                      </a:r>
+                    </a:p>
+                  </a:txBody>
+                  <a:tcPr marL="9525" marR="9525" marT="9525" marB="0" anchor="b"/>
+                </a:tc>
+                <a:tc>
+                  <a:txBody>
+                    <a:bodyPr/>
+                    <a:lstStyle/>
+                    <a:p>
+                      <a:pPr algn="r" fontAlgn="b"/>
+                      <a:r>
+                        <a:rPr lang="en-US" sz="1600" b="0" i="0" u="none" strike="noStrike">
+                          <a:solidFill>
+                            <a:srgbClr val="000000"/>
+                          </a:solidFill>
+                          <a:effectLst/>
+                          <a:latin typeface="Calibri"/>
+                        </a:rPr>
+                        <a:t>35</a:t>
+                      </a:r>
+                    </a:p>
+                  </a:txBody>
+                  <a:tcPr marL="9525" marR="9525" marT="9525" marB="0" anchor="b"/>
+                </a:tc>
+              </a:tr>
+              <a:tr h="63500">
+                <a:tc>
+                  <a:txBody>
+                    <a:bodyPr/>
+                    <a:lstStyle/>
+                    <a:p>
+                      <a:pPr algn="l" fontAlgn="b"/>
+                      <a:r>
+                        <a:rPr lang="en-US" sz="1600" b="0" i="0" u="none" strike="noStrike" dirty="0" err="1">
+                          <a:solidFill>
+                            <a:srgbClr val="000000"/>
+                          </a:solidFill>
+                          <a:effectLst/>
+                          <a:latin typeface="Calibri"/>
+                        </a:rPr>
+                        <a:t>avg_dev</a:t>
+                      </a:r>
+                      <a:r>
+                        <a:rPr lang="en-US" sz="1600" b="0" i="0" u="none" strike="noStrike" dirty="0">
+                          <a:solidFill>
+                            <a:srgbClr val="000000"/>
+                          </a:solidFill>
+                          <a:effectLst/>
+                          <a:latin typeface="Calibri"/>
+                        </a:rPr>
+                        <a:t> </a:t>
+                      </a:r>
+                      <a:r>
+                        <a:rPr lang="en-US" sz="1600" b="0" i="0" u="none" strike="noStrike" dirty="0" err="1">
+                          <a:solidFill>
+                            <a:srgbClr val="000000"/>
+                          </a:solidFill>
+                          <a:effectLst/>
+                          <a:latin typeface="Calibri"/>
+                        </a:rPr>
+                        <a:t>GSbandgap</a:t>
+                      </a:r>
+                      <a:endParaRPr lang="en-US" sz="1600" b="0" i="0" u="none" strike="noStrike" dirty="0">
+                        <a:solidFill>
+                          <a:srgbClr val="000000"/>
+                        </a:solidFill>
+                        <a:effectLst/>
+                        <a:latin typeface="Calibri"/>
+                      </a:endParaRPr>
+                    </a:p>
+                  </a:txBody>
+                  <a:tcPr marL="9525" marR="9525" marT="9525" marB="0" anchor="b"/>
+                </a:tc>
+                <a:tc>
+                  <a:txBody>
+                    <a:bodyPr/>
+                    <a:lstStyle/>
+                    <a:p>
+                      <a:pPr algn="r" fontAlgn="b"/>
+                      <a:r>
+                        <a:rPr lang="en-US" sz="1600" b="0" i="0" u="none" strike="noStrike">
+                          <a:solidFill>
+                            <a:srgbClr val="000000"/>
+                          </a:solidFill>
+                          <a:effectLst/>
+                          <a:latin typeface="Calibri"/>
+                        </a:rPr>
+                        <a:t>0.0251</a:t>
+                      </a:r>
+                    </a:p>
+                  </a:txBody>
+                  <a:tcPr marL="9525" marR="9525" marT="9525" marB="0" anchor="b"/>
+                </a:tc>
+                <a:tc>
+                  <a:txBody>
+                    <a:bodyPr/>
+                    <a:lstStyle/>
+                    <a:p>
+                      <a:pPr algn="r" fontAlgn="b"/>
+                      <a:r>
+                        <a:rPr lang="en-US" sz="1600" b="0" i="0" u="none" strike="noStrike">
+                          <a:solidFill>
+                            <a:srgbClr val="000000"/>
+                          </a:solidFill>
+                          <a:effectLst/>
+                          <a:latin typeface="Calibri"/>
+                        </a:rPr>
+                        <a:t>23</a:t>
+                      </a:r>
+                    </a:p>
+                  </a:txBody>
+                  <a:tcPr marL="9525" marR="9525" marT="9525" marB="0" anchor="b"/>
+                </a:tc>
+              </a:tr>
+              <a:tr h="38735">
+                <a:tc>
+                  <a:txBody>
+                    <a:bodyPr/>
+                    <a:lstStyle/>
+                    <a:p>
+                      <a:pPr algn="l" fontAlgn="b"/>
+                      <a:r>
+                        <a:rPr lang="en-US" sz="1600" b="0" i="0" u="none" strike="noStrike" dirty="0">
+                          <a:solidFill>
+                            <a:srgbClr val="000000"/>
+                          </a:solidFill>
+                          <a:effectLst/>
+                          <a:latin typeface="Calibri"/>
+                        </a:rPr>
+                        <a:t>mode </a:t>
+                      </a:r>
+                      <a:r>
+                        <a:rPr lang="en-US" sz="1600" b="0" i="0" u="none" strike="noStrike" dirty="0" err="1">
+                          <a:solidFill>
+                            <a:srgbClr val="000000"/>
+                          </a:solidFill>
+                          <a:effectLst/>
+                          <a:latin typeface="Calibri"/>
+                        </a:rPr>
+                        <a:t>NValence</a:t>
+                      </a:r>
+                      <a:endParaRPr lang="en-US" sz="1600" b="0" i="0" u="none" strike="noStrike" dirty="0">
+                        <a:solidFill>
+                          <a:srgbClr val="000000"/>
+                        </a:solidFill>
+                        <a:effectLst/>
+                        <a:latin typeface="Calibri"/>
+                      </a:endParaRPr>
+                    </a:p>
+                  </a:txBody>
+                  <a:tcPr marL="9525" marR="9525" marT="9525" marB="0" anchor="b"/>
+                </a:tc>
+                <a:tc>
+                  <a:txBody>
+                    <a:bodyPr/>
+                    <a:lstStyle/>
+                    <a:p>
+                      <a:pPr algn="r" fontAlgn="b"/>
+                      <a:r>
+                        <a:rPr lang="en-US" sz="1600" b="0" i="0" u="none" strike="noStrike">
+                          <a:solidFill>
+                            <a:srgbClr val="000000"/>
+                          </a:solidFill>
+                          <a:effectLst/>
+                          <a:latin typeface="Calibri"/>
+                        </a:rPr>
+                        <a:t>0.0233</a:t>
+                      </a:r>
+                    </a:p>
+                  </a:txBody>
+                  <a:tcPr marL="9525" marR="9525" marT="9525" marB="0" anchor="b"/>
+                </a:tc>
+                <a:tc>
+                  <a:txBody>
+                    <a:bodyPr/>
+                    <a:lstStyle/>
+                    <a:p>
+                      <a:pPr algn="r" fontAlgn="b"/>
+                      <a:r>
+                        <a:rPr lang="en-US" sz="1600" b="0" i="0" u="none" strike="noStrike">
+                          <a:solidFill>
+                            <a:srgbClr val="000000"/>
+                          </a:solidFill>
+                          <a:effectLst/>
+                          <a:latin typeface="Calibri"/>
+                        </a:rPr>
+                        <a:t>5</a:t>
+                      </a:r>
+                    </a:p>
+                  </a:txBody>
+                  <a:tcPr marL="9525" marR="9525" marT="9525" marB="0" anchor="b"/>
+                </a:tc>
+              </a:tr>
+              <a:tr h="166370">
+                <a:tc>
+                  <a:txBody>
+                    <a:bodyPr/>
+                    <a:lstStyle/>
+                    <a:p>
+                      <a:pPr algn="l" fontAlgn="b"/>
+                      <a:r>
+                        <a:rPr lang="en-US" sz="1600" b="0" i="0" u="none" strike="noStrike" dirty="0">
+                          <a:solidFill>
+                            <a:srgbClr val="000000"/>
+                          </a:solidFill>
+                          <a:effectLst/>
+                          <a:latin typeface="Calibri"/>
+                        </a:rPr>
+                        <a:t>minimum </a:t>
+                      </a:r>
+                      <a:r>
+                        <a:rPr lang="en-US" sz="1600" b="0" i="0" u="none" strike="noStrike" dirty="0" err="1">
+                          <a:solidFill>
+                            <a:srgbClr val="000000"/>
+                          </a:solidFill>
+                          <a:effectLst/>
+                          <a:latin typeface="Calibri"/>
+                        </a:rPr>
+                        <a:t>GSvolume_pa</a:t>
+                      </a:r>
+                      <a:endParaRPr lang="en-US" sz="1600" b="0" i="0" u="none" strike="noStrike" dirty="0">
+                        <a:solidFill>
+                          <a:srgbClr val="000000"/>
+                        </a:solidFill>
+                        <a:effectLst/>
+                        <a:latin typeface="Calibri"/>
+                      </a:endParaRPr>
+                    </a:p>
+                  </a:txBody>
+                  <a:tcPr marL="9525" marR="9525" marT="9525" marB="0" anchor="b"/>
+                </a:tc>
+                <a:tc>
+                  <a:txBody>
+                    <a:bodyPr/>
+                    <a:lstStyle/>
+                    <a:p>
+                      <a:pPr algn="r" fontAlgn="b"/>
+                      <a:r>
+                        <a:rPr lang="en-US" sz="1600" b="0" i="0" u="none" strike="noStrike">
+                          <a:solidFill>
+                            <a:srgbClr val="000000"/>
+                          </a:solidFill>
+                          <a:effectLst/>
+                          <a:latin typeface="Calibri"/>
+                        </a:rPr>
+                        <a:t>0.0218</a:t>
+                      </a:r>
+                    </a:p>
+                  </a:txBody>
+                  <a:tcPr marL="9525" marR="9525" marT="9525" marB="0" anchor="b"/>
+                </a:tc>
+                <a:tc>
+                  <a:txBody>
+                    <a:bodyPr/>
+                    <a:lstStyle/>
+                    <a:p>
+                      <a:pPr algn="r" fontAlgn="b"/>
+                      <a:r>
+                        <a:rPr lang="en-US" sz="1600" b="0" i="0" u="none" strike="noStrike">
+                          <a:solidFill>
+                            <a:srgbClr val="000000"/>
+                          </a:solidFill>
+                          <a:effectLst/>
+                          <a:latin typeface="Calibri"/>
+                        </a:rPr>
+                        <a:t>93</a:t>
+                      </a:r>
+                    </a:p>
+                  </a:txBody>
+                  <a:tcPr marL="9525" marR="9525" marT="9525" marB="0" anchor="b"/>
+                </a:tc>
+              </a:tr>
+              <a:tr h="0">
+                <a:tc>
+                  <a:txBody>
+                    <a:bodyPr/>
+                    <a:lstStyle/>
+                    <a:p>
+                      <a:pPr algn="l" fontAlgn="b"/>
+                      <a:r>
+                        <a:rPr lang="en-US" sz="1600" b="0" i="0" u="none" strike="noStrike" dirty="0">
+                          <a:solidFill>
+                            <a:srgbClr val="000000"/>
+                          </a:solidFill>
+                          <a:effectLst/>
+                          <a:latin typeface="Calibri"/>
+                        </a:rPr>
+                        <a:t>mean </a:t>
+                      </a:r>
+                      <a:r>
+                        <a:rPr lang="en-US" sz="1600" b="0" i="0" u="none" strike="noStrike" dirty="0" err="1">
+                          <a:solidFill>
+                            <a:srgbClr val="000000"/>
+                          </a:solidFill>
+                          <a:effectLst/>
+                          <a:latin typeface="Calibri"/>
+                        </a:rPr>
+                        <a:t>GSmagmom</a:t>
+                      </a:r>
+                      <a:endParaRPr lang="en-US" sz="1600" b="0" i="0" u="none" strike="noStrike" dirty="0">
+                        <a:solidFill>
+                          <a:srgbClr val="000000"/>
+                        </a:solidFill>
+                        <a:effectLst/>
+                        <a:latin typeface="Calibri"/>
+                      </a:endParaRPr>
+                    </a:p>
+                  </a:txBody>
+                  <a:tcPr marL="9525" marR="9525" marT="9525" marB="0" anchor="b"/>
+                </a:tc>
+                <a:tc>
+                  <a:txBody>
+                    <a:bodyPr/>
+                    <a:lstStyle/>
+                    <a:p>
+                      <a:pPr algn="r" fontAlgn="b"/>
+                      <a:r>
+                        <a:rPr lang="en-US" sz="1600" b="0" i="0" u="none" strike="noStrike">
+                          <a:solidFill>
+                            <a:srgbClr val="000000"/>
+                          </a:solidFill>
+                          <a:effectLst/>
+                          <a:latin typeface="Calibri"/>
+                        </a:rPr>
+                        <a:t>0.0195</a:t>
+                      </a:r>
+                    </a:p>
+                  </a:txBody>
+                  <a:tcPr marL="9525" marR="9525" marT="9525" marB="0" anchor="b"/>
+                </a:tc>
+                <a:tc>
+                  <a:txBody>
+                    <a:bodyPr/>
+                    <a:lstStyle/>
+                    <a:p>
+                      <a:pPr algn="r" fontAlgn="b"/>
+                      <a:r>
+                        <a:rPr lang="en-US" sz="1600" b="0" i="0" u="none" strike="noStrike">
+                          <a:solidFill>
+                            <a:srgbClr val="000000"/>
+                          </a:solidFill>
+                          <a:effectLst/>
+                          <a:latin typeface="Calibri"/>
+                        </a:rPr>
+                        <a:t>91</a:t>
+                      </a:r>
+                    </a:p>
+                  </a:txBody>
+                  <a:tcPr marL="9525" marR="9525" marT="9525" marB="0" anchor="b"/>
+                </a:tc>
+              </a:tr>
+              <a:tr h="40640">
+                <a:tc>
+                  <a:txBody>
+                    <a:bodyPr/>
+                    <a:lstStyle/>
+                    <a:p>
+                      <a:pPr algn="l" fontAlgn="b"/>
+                      <a:r>
+                        <a:rPr lang="en-US" sz="1600" b="0" i="0" u="none" strike="noStrike" dirty="0">
+                          <a:solidFill>
+                            <a:srgbClr val="000000"/>
+                          </a:solidFill>
+                          <a:effectLst/>
+                          <a:latin typeface="Calibri"/>
+                        </a:rPr>
+                        <a:t>mean </a:t>
+                      </a:r>
+                      <a:r>
+                        <a:rPr lang="en-US" sz="1600" b="0" i="0" u="none" strike="noStrike" dirty="0" err="1">
+                          <a:solidFill>
+                            <a:srgbClr val="000000"/>
+                          </a:solidFill>
+                          <a:effectLst/>
+                          <a:latin typeface="Calibri"/>
+                        </a:rPr>
+                        <a:t>GSvolume_pa</a:t>
+                      </a:r>
+                      <a:endParaRPr lang="en-US" sz="1600" b="0" i="0" u="none" strike="noStrike" dirty="0">
+                        <a:solidFill>
+                          <a:srgbClr val="000000"/>
+                        </a:solidFill>
+                        <a:effectLst/>
+                        <a:latin typeface="Calibri"/>
+                      </a:endParaRPr>
+                    </a:p>
+                  </a:txBody>
+                  <a:tcPr marL="9525" marR="9525" marT="9525" marB="0" anchor="b"/>
+                </a:tc>
+                <a:tc>
+                  <a:txBody>
+                    <a:bodyPr/>
+                    <a:lstStyle/>
+                    <a:p>
+                      <a:pPr algn="r" fontAlgn="b"/>
+                      <a:r>
+                        <a:rPr lang="en-US" sz="1600" b="0" i="0" u="none" strike="noStrike" dirty="0">
+                          <a:solidFill>
+                            <a:srgbClr val="000000"/>
+                          </a:solidFill>
+                          <a:effectLst/>
+                          <a:latin typeface="Calibri"/>
+                        </a:rPr>
+                        <a:t>0.0191</a:t>
+                      </a:r>
+                    </a:p>
+                  </a:txBody>
+                  <a:tcPr marL="9525" marR="9525" marT="9525" marB="0" anchor="b"/>
+                </a:tc>
+                <a:tc>
+                  <a:txBody>
+                    <a:bodyPr/>
+                    <a:lstStyle/>
+                    <a:p>
+                      <a:pPr algn="r" fontAlgn="b"/>
+                      <a:r>
+                        <a:rPr lang="en-US" sz="1600" b="0" i="0" u="none" strike="noStrike" dirty="0">
+                          <a:solidFill>
+                            <a:srgbClr val="000000"/>
+                          </a:solidFill>
+                          <a:effectLst/>
+                          <a:latin typeface="Calibri"/>
+                        </a:rPr>
+                        <a:t>57</a:t>
+                      </a:r>
+                    </a:p>
+                  </a:txBody>
+                  <a:tcPr marL="9525" marR="9525" marT="9525" marB="0" anchor="b"/>
+                </a:tc>
+              </a:tr>
+            </a:tbl>
+          </a:graphicData>
+        </a:graphic>
+      </p:graphicFrame>
+      <p:pic>
+        <p:nvPicPr>
+          <p:cNvPr id="7" name="Picture 6"/>
+          <p:cNvPicPr>
+            <a:picLocks noChangeAspect="1"/>
+          </p:cNvPicPr>
+          <p:nvPr/>
+        </p:nvPicPr>
+        <p:blipFill>
+          <a:blip r:embed="rId3">
+            <a:extLst>
+              <a:ext uri="{28A0092B-C50C-407E-A947-70E740481C1C}">
+                <a14:useLocalDpi xmlns:a14="http://schemas.microsoft.com/office/drawing/2010/main" val="0"/>
+              </a:ext>
+            </a:extLst>
+          </a:blip>
+          <a:stretch>
+            <a:fillRect/>
+          </a:stretch>
+        </p:blipFill>
+        <p:spPr>
+          <a:xfrm>
+            <a:off x="14786" y="3960490"/>
+            <a:ext cx="2898648" cy="2898648"/>
+          </a:xfrm>
+          <a:prstGeom prst="rect">
+            <a:avLst/>
+          </a:prstGeom>
+        </p:spPr>
+      </p:pic>
+      <p:graphicFrame>
+        <p:nvGraphicFramePr>
+          <p:cNvPr id="8" name="Table 7"/>
+          <p:cNvGraphicFramePr>
+            <a:graphicFrameLocks noGrp="1"/>
+          </p:cNvGraphicFramePr>
+          <p:nvPr>
+            <p:extLst>
+              <p:ext uri="{D42A27DB-BD31-4B8C-83A1-F6EECF244321}">
+                <p14:modId xmlns:p14="http://schemas.microsoft.com/office/powerpoint/2010/main" val="985175847"/>
+              </p:ext>
+            </p:extLst>
+          </p:nvPr>
+        </p:nvGraphicFramePr>
+        <p:xfrm>
+          <a:off x="0" y="1096654"/>
+          <a:ext cx="4419600" cy="2838450"/>
+        </p:xfrm>
+        <a:graphic>
+          <a:graphicData uri="http://schemas.openxmlformats.org/drawingml/2006/table">
+            <a:tbl>
+              <a:tblPr firstRow="1" bandRow="1">
+                <a:tableStyleId>{5C22544A-7EE6-4342-B048-85BDC9FD1C3A}</a:tableStyleId>
+              </a:tblPr>
+              <a:tblGrid>
+                <a:gridCol w="2057400"/>
+                <a:gridCol w="1219200"/>
+                <a:gridCol w="1143000"/>
+              </a:tblGrid>
+              <a:tr h="370840">
+                <a:tc>
+                  <a:txBody>
+                    <a:bodyPr/>
+                    <a:lstStyle/>
+                    <a:p>
+                      <a:pPr algn="l" fontAlgn="b"/>
+                      <a:r>
+                        <a:rPr lang="en-US" sz="1800" b="1" i="0" u="none" strike="noStrike" dirty="0" err="1" smtClean="0">
+                          <a:solidFill>
+                            <a:schemeClr val="bg1"/>
+                          </a:solidFill>
+                          <a:effectLst/>
+                          <a:latin typeface="Calibri"/>
+                        </a:rPr>
+                        <a:t>Vegards</a:t>
+                      </a:r>
+                      <a:r>
+                        <a:rPr lang="en-US" sz="1800" b="1" i="0" u="none" strike="noStrike" dirty="0" smtClean="0">
+                          <a:solidFill>
+                            <a:schemeClr val="bg1"/>
+                          </a:solidFill>
+                          <a:effectLst/>
+                          <a:latin typeface="Calibri"/>
+                        </a:rPr>
+                        <a:t> Prediction</a:t>
+                      </a:r>
+                      <a:r>
+                        <a:rPr lang="en-US" sz="1800" b="1" i="0" u="none" strike="noStrike" baseline="0" dirty="0" smtClean="0">
+                          <a:solidFill>
+                            <a:schemeClr val="bg1"/>
+                          </a:solidFill>
+                          <a:effectLst/>
+                          <a:latin typeface="Calibri"/>
+                        </a:rPr>
+                        <a:t> Model</a:t>
+                      </a:r>
+                      <a:endParaRPr lang="en-US" sz="1800" b="1" i="0" u="none" strike="noStrike" dirty="0">
+                        <a:solidFill>
+                          <a:schemeClr val="bg1"/>
+                        </a:solidFill>
+                        <a:effectLst/>
+                        <a:latin typeface="Calibri"/>
+                      </a:endParaRPr>
+                    </a:p>
+                  </a:txBody>
+                  <a:tcPr marL="9525" marR="9525" marT="9525" marB="0" anchor="b"/>
+                </a:tc>
+                <a:tc>
+                  <a:txBody>
+                    <a:bodyPr/>
+                    <a:lstStyle/>
+                    <a:p>
+                      <a:pPr algn="l" fontAlgn="b"/>
+                      <a:r>
+                        <a:rPr lang="en-US" sz="1800" b="1" i="0" u="none" strike="noStrike" dirty="0" smtClean="0">
+                          <a:solidFill>
+                            <a:schemeClr val="bg1"/>
+                          </a:solidFill>
+                          <a:effectLst/>
+                          <a:latin typeface="Calibri"/>
+                        </a:rPr>
+                        <a:t>Importance</a:t>
+                      </a:r>
+                      <a:endParaRPr lang="en-US" sz="1800" b="1" i="0" u="none" strike="noStrike" dirty="0">
+                        <a:solidFill>
+                          <a:schemeClr val="bg1"/>
+                        </a:solidFill>
+                        <a:effectLst/>
+                        <a:latin typeface="Calibri"/>
+                      </a:endParaRPr>
+                    </a:p>
+                  </a:txBody>
+                  <a:tcPr marL="9525" marR="9525" marT="9525" marB="0" anchor="b"/>
+                </a:tc>
+                <a:tc>
+                  <a:txBody>
+                    <a:bodyPr/>
+                    <a:lstStyle/>
+                    <a:p>
+                      <a:pPr algn="l" fontAlgn="b"/>
+                      <a:r>
+                        <a:rPr lang="en-US" sz="1800" b="1" i="0" u="none" strike="noStrike" dirty="0" smtClean="0">
+                          <a:solidFill>
+                            <a:schemeClr val="bg1"/>
+                          </a:solidFill>
+                          <a:effectLst/>
+                          <a:latin typeface="Calibri"/>
+                        </a:rPr>
+                        <a:t>Rank in Diff Model</a:t>
+                      </a:r>
+                      <a:endParaRPr lang="en-US" sz="1800" b="1" i="0" u="none" strike="noStrike" dirty="0">
+                        <a:solidFill>
+                          <a:schemeClr val="bg1"/>
+                        </a:solidFill>
+                        <a:effectLst/>
+                        <a:latin typeface="Calibri"/>
+                      </a:endParaRPr>
+                    </a:p>
+                  </a:txBody>
+                  <a:tcPr marL="9525" marR="9525" marT="9525" marB="0" anchor="b"/>
+                </a:tc>
+              </a:tr>
+              <a:tr h="86360">
+                <a:tc>
+                  <a:txBody>
+                    <a:bodyPr/>
+                    <a:lstStyle/>
+                    <a:p>
+                      <a:pPr algn="l" fontAlgn="b"/>
+                      <a:r>
+                        <a:rPr lang="en-US" sz="1600" b="0" i="0" u="none" strike="noStrike">
+                          <a:solidFill>
+                            <a:srgbClr val="000000"/>
+                          </a:solidFill>
+                          <a:effectLst/>
+                          <a:latin typeface="Calibri"/>
+                        </a:rPr>
+                        <a:t>mode AtomicWeight</a:t>
+                      </a:r>
+                    </a:p>
+                  </a:txBody>
+                  <a:tcPr marL="9525" marR="9525" marT="9525" marB="0" anchor="b"/>
+                </a:tc>
+                <a:tc>
+                  <a:txBody>
+                    <a:bodyPr/>
+                    <a:lstStyle/>
+                    <a:p>
+                      <a:pPr algn="r" fontAlgn="b"/>
+                      <a:r>
+                        <a:rPr lang="en-US" sz="1600" b="0" i="0" u="none" strike="noStrike">
+                          <a:solidFill>
+                            <a:srgbClr val="000000"/>
+                          </a:solidFill>
+                          <a:effectLst/>
+                          <a:latin typeface="Calibri"/>
+                        </a:rPr>
+                        <a:t>0.0676</a:t>
+                      </a:r>
+                    </a:p>
+                  </a:txBody>
+                  <a:tcPr marL="9525" marR="9525" marT="9525" marB="0" anchor="b"/>
+                </a:tc>
+                <a:tc>
+                  <a:txBody>
+                    <a:bodyPr/>
+                    <a:lstStyle/>
+                    <a:p>
+                      <a:pPr algn="r" fontAlgn="b"/>
+                      <a:r>
+                        <a:rPr lang="en-US" sz="1600" b="0" i="0" u="none" strike="noStrike">
+                          <a:solidFill>
+                            <a:srgbClr val="000000"/>
+                          </a:solidFill>
+                          <a:effectLst/>
+                          <a:latin typeface="Calibri"/>
+                        </a:rPr>
+                        <a:t>39</a:t>
+                      </a:r>
+                    </a:p>
+                  </a:txBody>
+                  <a:tcPr marL="9525" marR="9525" marT="9525" marB="0" anchor="b"/>
+                </a:tc>
+              </a:tr>
+              <a:tr h="61595">
+                <a:tc>
+                  <a:txBody>
+                    <a:bodyPr/>
+                    <a:lstStyle/>
+                    <a:p>
+                      <a:pPr algn="l" fontAlgn="b"/>
+                      <a:r>
+                        <a:rPr lang="en-US" sz="1600" b="0" i="0" u="none" strike="noStrike">
+                          <a:solidFill>
+                            <a:srgbClr val="000000"/>
+                          </a:solidFill>
+                          <a:effectLst/>
+                          <a:latin typeface="Calibri"/>
+                        </a:rPr>
+                        <a:t>mean NValence</a:t>
+                      </a:r>
+                    </a:p>
+                  </a:txBody>
+                  <a:tcPr marL="9525" marR="9525" marT="9525" marB="0" anchor="b"/>
+                </a:tc>
+                <a:tc>
+                  <a:txBody>
+                    <a:bodyPr/>
+                    <a:lstStyle/>
+                    <a:p>
+                      <a:pPr algn="r" fontAlgn="b"/>
+                      <a:r>
+                        <a:rPr lang="en-US" sz="1600" b="0" i="0" u="none" strike="noStrike">
+                          <a:solidFill>
+                            <a:srgbClr val="000000"/>
+                          </a:solidFill>
+                          <a:effectLst/>
+                          <a:latin typeface="Calibri"/>
+                        </a:rPr>
+                        <a:t>0.0587</a:t>
+                      </a:r>
+                    </a:p>
+                  </a:txBody>
+                  <a:tcPr marL="9525" marR="9525" marT="9525" marB="0" anchor="b"/>
+                </a:tc>
+                <a:tc>
+                  <a:txBody>
+                    <a:bodyPr/>
+                    <a:lstStyle/>
+                    <a:p>
+                      <a:pPr algn="r" fontAlgn="b"/>
+                      <a:r>
+                        <a:rPr lang="en-US" sz="1600" b="0" i="0" u="none" strike="noStrike">
+                          <a:solidFill>
+                            <a:srgbClr val="000000"/>
+                          </a:solidFill>
+                          <a:effectLst/>
+                          <a:latin typeface="Calibri"/>
+                        </a:rPr>
+                        <a:t>36</a:t>
+                      </a:r>
+                    </a:p>
+                  </a:txBody>
+                  <a:tcPr marL="9525" marR="9525" marT="9525" marB="0" anchor="b"/>
+                </a:tc>
+              </a:tr>
+              <a:tr h="36830">
+                <a:tc>
+                  <a:txBody>
+                    <a:bodyPr/>
+                    <a:lstStyle/>
+                    <a:p>
+                      <a:pPr algn="l" fontAlgn="b"/>
+                      <a:r>
+                        <a:rPr lang="en-US" sz="1600" b="0" i="0" u="none" strike="noStrike">
+                          <a:solidFill>
+                            <a:srgbClr val="000000"/>
+                          </a:solidFill>
+                          <a:effectLst/>
+                          <a:latin typeface="Calibri"/>
+                        </a:rPr>
+                        <a:t>mode Number</a:t>
+                      </a:r>
+                    </a:p>
+                  </a:txBody>
+                  <a:tcPr marL="9525" marR="9525" marT="9525" marB="0" anchor="b"/>
+                </a:tc>
+                <a:tc>
+                  <a:txBody>
+                    <a:bodyPr/>
+                    <a:lstStyle/>
+                    <a:p>
+                      <a:pPr algn="r" fontAlgn="b"/>
+                      <a:r>
+                        <a:rPr lang="en-US" sz="1600" b="0" i="0" u="none" strike="noStrike">
+                          <a:solidFill>
+                            <a:srgbClr val="000000"/>
+                          </a:solidFill>
+                          <a:effectLst/>
+                          <a:latin typeface="Calibri"/>
+                        </a:rPr>
+                        <a:t>0.0522</a:t>
+                      </a:r>
+                    </a:p>
+                  </a:txBody>
+                  <a:tcPr marL="9525" marR="9525" marT="9525" marB="0" anchor="b"/>
+                </a:tc>
+                <a:tc>
+                  <a:txBody>
+                    <a:bodyPr/>
+                    <a:lstStyle/>
+                    <a:p>
+                      <a:pPr algn="r" fontAlgn="b"/>
+                      <a:r>
+                        <a:rPr lang="en-US" sz="1600" b="0" i="0" u="none" strike="noStrike">
+                          <a:solidFill>
+                            <a:srgbClr val="000000"/>
+                          </a:solidFill>
+                          <a:effectLst/>
+                          <a:latin typeface="Calibri"/>
+                        </a:rPr>
+                        <a:t>38</a:t>
+                      </a:r>
+                    </a:p>
+                  </a:txBody>
+                  <a:tcPr marL="9525" marR="9525" marT="9525" marB="0" anchor="b"/>
+                </a:tc>
+              </a:tr>
+              <a:tr h="0">
+                <a:tc>
+                  <a:txBody>
+                    <a:bodyPr/>
+                    <a:lstStyle/>
+                    <a:p>
+                      <a:pPr algn="l" fontAlgn="b"/>
+                      <a:r>
+                        <a:rPr lang="en-US" sz="1600" b="0" i="0" u="none" strike="noStrike">
+                          <a:solidFill>
+                            <a:srgbClr val="000000"/>
+                          </a:solidFill>
+                          <a:effectLst/>
+                          <a:latin typeface="Calibri"/>
+                        </a:rPr>
+                        <a:t>avg d valence electrons</a:t>
+                      </a:r>
+                    </a:p>
+                  </a:txBody>
+                  <a:tcPr marL="9525" marR="9525" marT="9525" marB="0" anchor="b"/>
+                </a:tc>
+                <a:tc>
+                  <a:txBody>
+                    <a:bodyPr/>
+                    <a:lstStyle/>
+                    <a:p>
+                      <a:pPr algn="r" fontAlgn="b"/>
+                      <a:r>
+                        <a:rPr lang="en-US" sz="1600" b="0" i="0" u="none" strike="noStrike" dirty="0">
+                          <a:solidFill>
+                            <a:srgbClr val="000000"/>
+                          </a:solidFill>
+                          <a:effectLst/>
+                          <a:latin typeface="Calibri"/>
+                        </a:rPr>
+                        <a:t>0.0446</a:t>
+                      </a:r>
+                    </a:p>
+                  </a:txBody>
+                  <a:tcPr marL="9525" marR="9525" marT="9525" marB="0" anchor="b"/>
+                </a:tc>
+                <a:tc>
+                  <a:txBody>
+                    <a:bodyPr/>
+                    <a:lstStyle/>
+                    <a:p>
+                      <a:pPr algn="r" fontAlgn="b"/>
+                      <a:r>
+                        <a:rPr lang="en-US" sz="1600" b="0" i="0" u="none" strike="noStrike">
+                          <a:solidFill>
+                            <a:srgbClr val="000000"/>
+                          </a:solidFill>
+                          <a:effectLst/>
+                          <a:latin typeface="Calibri"/>
+                        </a:rPr>
+                        <a:t>51</a:t>
+                      </a:r>
+                    </a:p>
+                  </a:txBody>
+                  <a:tcPr marL="9525" marR="9525" marT="9525" marB="0" anchor="b"/>
+                </a:tc>
+              </a:tr>
+              <a:tr h="63500">
+                <a:tc>
+                  <a:txBody>
+                    <a:bodyPr/>
+                    <a:lstStyle/>
+                    <a:p>
+                      <a:pPr algn="l" fontAlgn="b"/>
+                      <a:r>
+                        <a:rPr lang="en-US" sz="1600" b="0" i="0" u="none" strike="noStrike">
+                          <a:solidFill>
+                            <a:srgbClr val="000000"/>
+                          </a:solidFill>
+                          <a:effectLst/>
+                          <a:latin typeface="Calibri"/>
+                        </a:rPr>
+                        <a:t>mode NValence</a:t>
+                      </a:r>
+                    </a:p>
+                  </a:txBody>
+                  <a:tcPr marL="9525" marR="9525" marT="9525" marB="0" anchor="b"/>
+                </a:tc>
+                <a:tc>
+                  <a:txBody>
+                    <a:bodyPr/>
+                    <a:lstStyle/>
+                    <a:p>
+                      <a:pPr algn="r" fontAlgn="b"/>
+                      <a:r>
+                        <a:rPr lang="en-US" sz="1600" b="0" i="0" u="none" strike="noStrike">
+                          <a:solidFill>
+                            <a:srgbClr val="000000"/>
+                          </a:solidFill>
+                          <a:effectLst/>
+                          <a:latin typeface="Calibri"/>
+                        </a:rPr>
+                        <a:t>0.0441</a:t>
+                      </a:r>
+                    </a:p>
+                  </a:txBody>
+                  <a:tcPr marL="9525" marR="9525" marT="9525" marB="0" anchor="b"/>
+                </a:tc>
+                <a:tc>
+                  <a:txBody>
+                    <a:bodyPr/>
+                    <a:lstStyle/>
+                    <a:p>
+                      <a:pPr algn="r" fontAlgn="b"/>
+                      <a:r>
+                        <a:rPr lang="en-US" sz="1600" b="0" i="0" u="none" strike="noStrike">
+                          <a:solidFill>
+                            <a:srgbClr val="000000"/>
+                          </a:solidFill>
+                          <a:effectLst/>
+                          <a:latin typeface="Calibri"/>
+                        </a:rPr>
+                        <a:t>7</a:t>
+                      </a:r>
+                    </a:p>
+                  </a:txBody>
+                  <a:tcPr marL="9525" marR="9525" marT="9525" marB="0" anchor="b"/>
+                </a:tc>
+              </a:tr>
+              <a:tr h="38735">
+                <a:tc>
+                  <a:txBody>
+                    <a:bodyPr/>
+                    <a:lstStyle/>
+                    <a:p>
+                      <a:pPr algn="l" fontAlgn="b"/>
+                      <a:r>
+                        <a:rPr lang="en-US" sz="1600" b="0" i="0" u="none" strike="noStrike">
+                          <a:solidFill>
+                            <a:srgbClr val="000000"/>
+                          </a:solidFill>
+                          <a:effectLst/>
+                          <a:latin typeface="Calibri"/>
+                        </a:rPr>
+                        <a:t>mean NdValence</a:t>
+                      </a:r>
+                    </a:p>
+                  </a:txBody>
+                  <a:tcPr marL="9525" marR="9525" marT="9525" marB="0" anchor="b"/>
+                </a:tc>
+                <a:tc>
+                  <a:txBody>
+                    <a:bodyPr/>
+                    <a:lstStyle/>
+                    <a:p>
+                      <a:pPr algn="r" fontAlgn="b"/>
+                      <a:r>
+                        <a:rPr lang="en-US" sz="1600" b="0" i="0" u="none" strike="noStrike">
+                          <a:solidFill>
+                            <a:srgbClr val="000000"/>
+                          </a:solidFill>
+                          <a:effectLst/>
+                          <a:latin typeface="Calibri"/>
+                        </a:rPr>
+                        <a:t>0.0440</a:t>
+                      </a:r>
+                    </a:p>
+                  </a:txBody>
+                  <a:tcPr marL="9525" marR="9525" marT="9525" marB="0" anchor="b"/>
+                </a:tc>
+                <a:tc>
+                  <a:txBody>
+                    <a:bodyPr/>
+                    <a:lstStyle/>
+                    <a:p>
+                      <a:pPr algn="r" fontAlgn="b"/>
+                      <a:r>
+                        <a:rPr lang="en-US" sz="1600" b="0" i="0" u="none" strike="noStrike">
+                          <a:solidFill>
+                            <a:srgbClr val="000000"/>
+                          </a:solidFill>
+                          <a:effectLst/>
+                          <a:latin typeface="Calibri"/>
+                        </a:rPr>
+                        <a:t>48</a:t>
+                      </a:r>
+                    </a:p>
+                  </a:txBody>
+                  <a:tcPr marL="9525" marR="9525" marT="9525" marB="0" anchor="b"/>
+                </a:tc>
+              </a:tr>
+              <a:tr h="166370">
+                <a:tc>
+                  <a:txBody>
+                    <a:bodyPr/>
+                    <a:lstStyle/>
+                    <a:p>
+                      <a:pPr algn="l" fontAlgn="b"/>
+                      <a:r>
+                        <a:rPr lang="en-US" sz="1600" b="0" i="0" u="none" strike="noStrike">
+                          <a:solidFill>
+                            <a:srgbClr val="000000"/>
+                          </a:solidFill>
+                          <a:effectLst/>
+                          <a:latin typeface="Calibri"/>
+                        </a:rPr>
+                        <a:t>mean Number</a:t>
+                      </a:r>
+                    </a:p>
+                  </a:txBody>
+                  <a:tcPr marL="9525" marR="9525" marT="9525" marB="0" anchor="b"/>
+                </a:tc>
+                <a:tc>
+                  <a:txBody>
+                    <a:bodyPr/>
+                    <a:lstStyle/>
+                    <a:p>
+                      <a:pPr algn="r" fontAlgn="b"/>
+                      <a:r>
+                        <a:rPr lang="en-US" sz="1600" b="0" i="0" u="none" strike="noStrike">
+                          <a:solidFill>
+                            <a:srgbClr val="000000"/>
+                          </a:solidFill>
+                          <a:effectLst/>
+                          <a:latin typeface="Calibri"/>
+                        </a:rPr>
+                        <a:t>0.0397</a:t>
+                      </a:r>
+                    </a:p>
+                  </a:txBody>
+                  <a:tcPr marL="9525" marR="9525" marT="9525" marB="0" anchor="b"/>
+                </a:tc>
+                <a:tc>
+                  <a:txBody>
+                    <a:bodyPr/>
+                    <a:lstStyle/>
+                    <a:p>
+                      <a:pPr algn="r" fontAlgn="b"/>
+                      <a:r>
+                        <a:rPr lang="en-US" sz="1600" b="0" i="0" u="none" strike="noStrike">
+                          <a:solidFill>
+                            <a:srgbClr val="000000"/>
+                          </a:solidFill>
+                          <a:effectLst/>
+                          <a:latin typeface="Calibri"/>
+                        </a:rPr>
+                        <a:t>58</a:t>
+                      </a:r>
+                    </a:p>
+                  </a:txBody>
+                  <a:tcPr marL="9525" marR="9525" marT="9525" marB="0" anchor="b"/>
+                </a:tc>
+              </a:tr>
+              <a:tr h="0">
+                <a:tc>
+                  <a:txBody>
+                    <a:bodyPr/>
+                    <a:lstStyle/>
+                    <a:p>
+                      <a:pPr algn="l" fontAlgn="b"/>
+                      <a:r>
+                        <a:rPr lang="en-US" sz="1600" b="0" i="0" u="none" strike="noStrike">
+                          <a:solidFill>
+                            <a:srgbClr val="000000"/>
+                          </a:solidFill>
+                          <a:effectLst/>
+                          <a:latin typeface="Calibri"/>
+                        </a:rPr>
+                        <a:t>mean AtomicWeight</a:t>
+                      </a:r>
+                    </a:p>
+                  </a:txBody>
+                  <a:tcPr marL="9525" marR="9525" marT="9525" marB="0" anchor="b"/>
+                </a:tc>
+                <a:tc>
+                  <a:txBody>
+                    <a:bodyPr/>
+                    <a:lstStyle/>
+                    <a:p>
+                      <a:pPr algn="r" fontAlgn="b"/>
+                      <a:r>
+                        <a:rPr lang="en-US" sz="1600" b="0" i="0" u="none" strike="noStrike">
+                          <a:solidFill>
+                            <a:srgbClr val="000000"/>
+                          </a:solidFill>
+                          <a:effectLst/>
+                          <a:latin typeface="Calibri"/>
+                        </a:rPr>
+                        <a:t>0.0352</a:t>
+                      </a:r>
+                    </a:p>
+                  </a:txBody>
+                  <a:tcPr marL="9525" marR="9525" marT="9525" marB="0" anchor="b"/>
+                </a:tc>
+                <a:tc>
+                  <a:txBody>
+                    <a:bodyPr/>
+                    <a:lstStyle/>
+                    <a:p>
+                      <a:pPr algn="r" fontAlgn="b"/>
+                      <a:r>
+                        <a:rPr lang="en-US" sz="1600" b="0" i="0" u="none" strike="noStrike">
+                          <a:solidFill>
+                            <a:srgbClr val="000000"/>
+                          </a:solidFill>
+                          <a:effectLst/>
+                          <a:latin typeface="Calibri"/>
+                        </a:rPr>
+                        <a:t>61</a:t>
+                      </a:r>
+                    </a:p>
+                  </a:txBody>
+                  <a:tcPr marL="9525" marR="9525" marT="9525" marB="0" anchor="b"/>
+                </a:tc>
+              </a:tr>
+              <a:tr h="40640">
+                <a:tc>
+                  <a:txBody>
+                    <a:bodyPr/>
+                    <a:lstStyle/>
+                    <a:p>
+                      <a:pPr algn="l" fontAlgn="b"/>
+                      <a:r>
+                        <a:rPr lang="en-US" sz="1600" b="0" i="0" u="none" strike="noStrike">
+                          <a:solidFill>
+                            <a:srgbClr val="000000"/>
+                          </a:solidFill>
+                          <a:effectLst/>
+                          <a:latin typeface="Calibri"/>
+                        </a:rPr>
+                        <a:t>mean Electronegativity</a:t>
+                      </a:r>
+                    </a:p>
+                  </a:txBody>
+                  <a:tcPr marL="9525" marR="9525" marT="9525" marB="0" anchor="b"/>
+                </a:tc>
+                <a:tc>
+                  <a:txBody>
+                    <a:bodyPr/>
+                    <a:lstStyle/>
+                    <a:p>
+                      <a:pPr algn="r" fontAlgn="b"/>
+                      <a:r>
+                        <a:rPr lang="en-US" sz="1600" b="0" i="0" u="none" strike="noStrike" dirty="0">
+                          <a:solidFill>
+                            <a:srgbClr val="000000"/>
+                          </a:solidFill>
+                          <a:effectLst/>
+                          <a:latin typeface="Calibri"/>
+                        </a:rPr>
+                        <a:t>0.0279</a:t>
+                      </a:r>
+                    </a:p>
+                  </a:txBody>
+                  <a:tcPr marL="9525" marR="9525" marT="9525" marB="0" anchor="b"/>
+                </a:tc>
+                <a:tc>
+                  <a:txBody>
+                    <a:bodyPr/>
+                    <a:lstStyle/>
+                    <a:p>
+                      <a:pPr algn="r" fontAlgn="b"/>
+                      <a:r>
+                        <a:rPr lang="en-US" sz="1600" b="0" i="0" u="none" strike="noStrike" dirty="0">
+                          <a:solidFill>
+                            <a:srgbClr val="000000"/>
+                          </a:solidFill>
+                          <a:effectLst/>
+                          <a:latin typeface="Calibri"/>
+                        </a:rPr>
+                        <a:t>19</a:t>
+                      </a:r>
+                    </a:p>
+                  </a:txBody>
+                  <a:tcPr marL="9525" marR="9525" marT="9525" marB="0" anchor="b"/>
+                </a:tc>
+              </a:tr>
+            </a:tbl>
+          </a:graphicData>
+        </a:graphic>
+      </p:graphicFrame>
+      <p:sp>
+        <p:nvSpPr>
+          <p:cNvPr id="4" name="TextBox 3"/>
+          <p:cNvSpPr txBox="1"/>
+          <p:nvPr/>
+        </p:nvSpPr>
+        <p:spPr>
+          <a:xfrm>
+            <a:off x="2913434" y="4800600"/>
+            <a:ext cx="1734766" cy="1200329"/>
+          </a:xfrm>
+          <a:prstGeom prst="rect">
+            <a:avLst/>
+          </a:prstGeom>
+          <a:noFill/>
+        </p:spPr>
+        <p:txBody>
+          <a:bodyPr wrap="square" rtlCol="0">
+            <a:spAutoFit/>
+          </a:bodyPr>
+          <a:lstStyle/>
+          <a:p>
+            <a:r>
+              <a:rPr lang="en-US" dirty="0" smtClean="0"/>
+              <a:t>Train model on </a:t>
+            </a:r>
+            <a:r>
+              <a:rPr lang="en-US" dirty="0" err="1" smtClean="0"/>
+              <a:t>vegards</a:t>
+            </a:r>
+            <a:r>
+              <a:rPr lang="en-US" dirty="0" smtClean="0"/>
+              <a:t> law predictions directly</a:t>
+            </a:r>
+            <a:endParaRPr lang="en-US" dirty="0"/>
+          </a:p>
+        </p:txBody>
+      </p:sp>
+    </p:spTree>
+    <p:extLst>
+      <p:ext uri="{BB962C8B-B14F-4D97-AF65-F5344CB8AC3E}">
+        <p14:creationId xmlns:p14="http://schemas.microsoft.com/office/powerpoint/2010/main" val="2197219752"/>
+      </p:ext>
+    </p:extLst>
+  </p:cSld>
+  <p:clrMapOvr>
+    <a:masterClrMapping/>
+  </p:clrMapOvr>
+</p:sld>
+</file>
+
+<file path=ppt/slides/slide17.xml><?xml version="1.0" encoding="utf-8"?>
+<p:sld xmlns:a="http://schemas.openxmlformats.org/drawingml/2006/main" xmlns:r="http://schemas.openxmlformats.org/officeDocument/2006/relationships" xmlns:p="http://schemas.openxmlformats.org/presentationml/2006/main">
+  <p:cSld>
+    <p:spTree>
+      <p:nvGrpSpPr>
+        <p:cNvPr id="1" name=""/>
+        <p:cNvGrpSpPr/>
+        <p:nvPr/>
+      </p:nvGrpSpPr>
+      <p:grpSpPr>
+        <a:xfrm>
+          <a:off x="0" y="0"/>
+          <a:ext cx="0" cy="0"/>
+          <a:chOff x="0" y="0"/>
+          <a:chExt cx="0" cy="0"/>
+        </a:xfrm>
+      </p:grpSpPr>
+      <p:sp>
+        <p:nvSpPr>
+          <p:cNvPr id="2" name="Slide Number Placeholder 1"/>
+          <p:cNvSpPr>
+            <a:spLocks noGrp="1"/>
+          </p:cNvSpPr>
+          <p:nvPr>
+            <p:ph type="sldNum" sz="quarter" idx="11"/>
+          </p:nvPr>
+        </p:nvSpPr>
+        <p:spPr/>
+        <p:txBody>
+          <a:bodyPr/>
+          <a:lstStyle/>
+          <a:p>
+            <a:fld id="{5BD36294-2849-48A8-8531-5354CF3095D2}" type="slidenum">
+              <a:rPr lang="en-US" smtClean="0"/>
+              <a:pPr/>
+              <a:t>17</a:t>
+            </a:fld>
+            <a:endParaRPr lang="en-US" dirty="0"/>
+          </a:p>
+        </p:txBody>
+      </p:sp>
+      <p:sp>
+        <p:nvSpPr>
+          <p:cNvPr id="3" name="Title 2"/>
+          <p:cNvSpPr>
+            <a:spLocks noGrp="1"/>
+          </p:cNvSpPr>
+          <p:nvPr>
+            <p:ph type="title"/>
+          </p:nvPr>
+        </p:nvSpPr>
+        <p:spPr/>
+        <p:txBody>
+          <a:bodyPr/>
+          <a:lstStyle/>
+          <a:p>
+            <a:r>
+              <a:rPr lang="en-US" dirty="0" smtClean="0"/>
+              <a:t>Looking at improvement on </a:t>
+            </a:r>
+            <a:r>
+              <a:rPr lang="en-US" dirty="0" err="1" smtClean="0"/>
+              <a:t>Vegard’s</a:t>
+            </a:r>
+            <a:r>
+              <a:rPr lang="en-US" dirty="0" smtClean="0"/>
+              <a:t> Law Predictions</a:t>
+            </a:r>
+            <a:endParaRPr lang="en-US" dirty="0"/>
+          </a:p>
+        </p:txBody>
+      </p:sp>
+      <p:pic>
+        <p:nvPicPr>
+          <p:cNvPr id="5" name="Content Placeholder 4"/>
+          <p:cNvPicPr>
+            <a:picLocks noGrp="1" noChangeAspect="1"/>
+          </p:cNvPicPr>
+          <p:nvPr>
+            <p:ph sz="quarter" idx="14"/>
+          </p:nvPr>
+        </p:nvPicPr>
+        <p:blipFill>
+          <a:blip r:embed="rId3">
+            <a:extLst>
+              <a:ext uri="{28A0092B-C50C-407E-A947-70E740481C1C}">
+                <a14:useLocalDpi xmlns:a14="http://schemas.microsoft.com/office/drawing/2010/main" val="0"/>
+              </a:ext>
+            </a:extLst>
+          </a:blip>
+          <a:stretch>
+            <a:fillRect/>
+          </a:stretch>
+        </p:blipFill>
+        <p:spPr>
+          <a:xfrm>
+            <a:off x="12510" y="2209800"/>
+            <a:ext cx="4573042" cy="4573042"/>
+          </a:xfrm>
+        </p:spPr>
+      </p:pic>
+      <p:pic>
+        <p:nvPicPr>
+          <p:cNvPr id="6" name="Picture 5"/>
+          <p:cNvPicPr>
+            <a:picLocks noChangeAspect="1"/>
+          </p:cNvPicPr>
+          <p:nvPr/>
+        </p:nvPicPr>
+        <p:blipFill>
+          <a:blip r:embed="rId4">
+            <a:extLst>
+              <a:ext uri="{28A0092B-C50C-407E-A947-70E740481C1C}">
+                <a14:useLocalDpi xmlns:a14="http://schemas.microsoft.com/office/drawing/2010/main" val="0"/>
+              </a:ext>
+            </a:extLst>
+          </a:blip>
+          <a:stretch>
+            <a:fillRect/>
+          </a:stretch>
+        </p:blipFill>
+        <p:spPr>
+          <a:xfrm>
+            <a:off x="4570958" y="2227997"/>
+            <a:ext cx="4573042" cy="4573042"/>
+          </a:xfrm>
+          <a:prstGeom prst="rect">
+            <a:avLst/>
+          </a:prstGeom>
+        </p:spPr>
+      </p:pic>
+    </p:spTree>
+    <p:extLst>
+      <p:ext uri="{BB962C8B-B14F-4D97-AF65-F5344CB8AC3E}">
+        <p14:creationId xmlns:p14="http://schemas.microsoft.com/office/powerpoint/2010/main" val="3489514552"/>
+      </p:ext>
+    </p:extLst>
+  </p:cSld>
+  <p:clrMapOvr>
+    <a:masterClrMapping/>
+  </p:clrMapOvr>
+  <p:timing>
+    <p:tnLst>
+      <p:par>
+        <p:cTn id="1" dur="indefinite" restart="never" nodeType="tmRoot"/>
+      </p:par>
+    </p:tnLst>
+  </p:timing>
+</p:sld>
+</file>
+
+<file path=ppt/slides/slide18.xml><?xml version="1.0" encoding="utf-8"?>
+<p:sld xmlns:a="http://schemas.openxmlformats.org/drawingml/2006/main" xmlns:r="http://schemas.openxmlformats.org/officeDocument/2006/relationships" xmlns:p="http://schemas.openxmlformats.org/presentationml/2006/main">
+  <p:cSld>
+    <p:spTree>
+      <p:nvGrpSpPr>
+        <p:cNvPr id="1" name=""/>
+        <p:cNvGrpSpPr/>
+        <p:nvPr/>
+      </p:nvGrpSpPr>
+      <p:grpSpPr>
+        <a:xfrm>
+          <a:off x="0" y="0"/>
+          <a:ext cx="0" cy="0"/>
+          <a:chOff x="0" y="0"/>
+          <a:chExt cx="0" cy="0"/>
+        </a:xfrm>
+      </p:grpSpPr>
+      <p:sp>
+        <p:nvSpPr>
+          <p:cNvPr id="2" name="Slide Number Placeholder 1"/>
+          <p:cNvSpPr>
+            <a:spLocks noGrp="1"/>
+          </p:cNvSpPr>
+          <p:nvPr>
+            <p:ph type="sldNum" sz="quarter" idx="11"/>
+          </p:nvPr>
+        </p:nvSpPr>
+        <p:spPr/>
+        <p:txBody>
+          <a:bodyPr/>
+          <a:lstStyle/>
+          <a:p>
+            <a:fld id="{5BD36294-2849-48A8-8531-5354CF3095D2}" type="slidenum">
+              <a:rPr lang="en-US" smtClean="0"/>
+              <a:pPr/>
+              <a:t>18</a:t>
+            </a:fld>
+            <a:endParaRPr lang="en-US" dirty="0"/>
+          </a:p>
+        </p:txBody>
+      </p:sp>
+      <p:sp>
+        <p:nvSpPr>
+          <p:cNvPr id="3" name="Title 2"/>
+          <p:cNvSpPr>
+            <a:spLocks noGrp="1"/>
+          </p:cNvSpPr>
+          <p:nvPr>
+            <p:ph type="title"/>
+          </p:nvPr>
+        </p:nvSpPr>
+        <p:spPr/>
+        <p:txBody>
+          <a:bodyPr/>
+          <a:lstStyle/>
+          <a:p>
+            <a:r>
+              <a:rPr lang="en-US" dirty="0" smtClean="0"/>
+              <a:t>Feature </a:t>
+            </a:r>
+            <a:r>
+              <a:rPr lang="en-US" dirty="0" err="1" smtClean="0"/>
+              <a:t>Importances</a:t>
+            </a:r>
+            <a:endParaRPr lang="en-US" dirty="0"/>
+          </a:p>
+        </p:txBody>
+      </p:sp>
+      <p:pic>
+        <p:nvPicPr>
+          <p:cNvPr id="5" name="Content Placeholder 4"/>
+          <p:cNvPicPr>
+            <a:picLocks noGrp="1" noChangeAspect="1"/>
+          </p:cNvPicPr>
+          <p:nvPr>
+            <p:ph sz="quarter" idx="14"/>
+          </p:nvPr>
+        </p:nvPicPr>
+        <p:blipFill>
+          <a:blip r:embed="rId3">
+            <a:extLst>
+              <a:ext uri="{28A0092B-C50C-407E-A947-70E740481C1C}">
+                <a14:useLocalDpi xmlns:a14="http://schemas.microsoft.com/office/drawing/2010/main" val="0"/>
+              </a:ext>
+            </a:extLst>
+          </a:blip>
+          <a:stretch>
+            <a:fillRect/>
+          </a:stretch>
+        </p:blipFill>
+        <p:spPr>
+          <a:xfrm>
+            <a:off x="5029200" y="1219200"/>
+            <a:ext cx="4114800" cy="2743200"/>
+          </a:xfrm>
+        </p:spPr>
+      </p:pic>
+      <p:pic>
+        <p:nvPicPr>
+          <p:cNvPr id="2051" name="Picture 3" descr="C:\Users\Hikaru\Desktop\School\_Stanford\_SLAC\MechPropModels\results\cumSum_FeatImp.png"/>
+          <p:cNvPicPr>
+            <a:picLocks noChangeAspect="1" noChangeArrowheads="1"/>
+          </p:cNvPicPr>
+          <p:nvPr/>
+        </p:nvPicPr>
+        <p:blipFill>
+          <a:blip r:embed="rId4">
+            <a:extLst>
+              <a:ext uri="{28A0092B-C50C-407E-A947-70E740481C1C}">
+                <a14:useLocalDpi xmlns:a14="http://schemas.microsoft.com/office/drawing/2010/main" val="0"/>
+              </a:ext>
+            </a:extLst>
+          </a:blip>
+          <a:srcRect/>
+          <a:stretch>
+            <a:fillRect/>
+          </a:stretch>
+        </p:blipFill>
+        <p:spPr bwMode="auto">
+          <a:xfrm>
+            <a:off x="21609" y="3571562"/>
+            <a:ext cx="4474191" cy="2983226"/>
+          </a:xfrm>
+          <a:prstGeom prst="rect">
+            <a:avLst/>
+          </a:prstGeom>
+          <a:noFill/>
+          <a:extLst>
+            <a:ext uri="{909E8E84-426E-40DD-AFC4-6F175D3DCCD1}">
+              <a14:hiddenFill xmlns:a14="http://schemas.microsoft.com/office/drawing/2010/main">
+                <a:solidFill>
+                  <a:srgbClr val="FFFFFF"/>
+                </a:solidFill>
+              </a14:hiddenFill>
+            </a:ext>
+          </a:extLst>
+        </p:spPr>
+      </p:pic>
+      <p:pic>
+        <p:nvPicPr>
+          <p:cNvPr id="2050" name="Picture 2" descr="C:\Users\Hikaru\Desktop\School\_Stanford\_SLAC\MechPropModels\results\featElim_noOut.png"/>
+          <p:cNvPicPr>
+            <a:picLocks noChangeAspect="1" noChangeArrowheads="1"/>
+          </p:cNvPicPr>
+          <p:nvPr/>
+        </p:nvPicPr>
+        <p:blipFill>
+          <a:blip r:embed="rId5">
+            <a:extLst>
+              <a:ext uri="{28A0092B-C50C-407E-A947-70E740481C1C}">
+                <a14:useLocalDpi xmlns:a14="http://schemas.microsoft.com/office/drawing/2010/main" val="0"/>
+              </a:ext>
+            </a:extLst>
+          </a:blip>
+          <a:srcRect/>
+          <a:stretch>
+            <a:fillRect/>
+          </a:stretch>
+        </p:blipFill>
+        <p:spPr bwMode="auto">
+          <a:xfrm>
+            <a:off x="5029200" y="4114800"/>
+            <a:ext cx="4114800" cy="2743597"/>
+          </a:xfrm>
+          <a:prstGeom prst="rect">
+            <a:avLst/>
+          </a:prstGeom>
+          <a:noFill/>
+          <a:extLst>
+            <a:ext uri="{909E8E84-426E-40DD-AFC4-6F175D3DCCD1}">
+              <a14:hiddenFill xmlns:a14="http://schemas.microsoft.com/office/drawing/2010/main">
+                <a:solidFill>
+                  <a:srgbClr val="FFFFFF"/>
+                </a:solidFill>
+              </a14:hiddenFill>
+            </a:ext>
+          </a:extLst>
+        </p:spPr>
+      </p:pic>
+    </p:spTree>
+    <p:extLst>
+      <p:ext uri="{BB962C8B-B14F-4D97-AF65-F5344CB8AC3E}">
+        <p14:creationId xmlns:p14="http://schemas.microsoft.com/office/powerpoint/2010/main" val="3624761819"/>
+      </p:ext>
+    </p:extLst>
+  </p:cSld>
+  <p:clrMapOvr>
+    <a:masterClrMapping/>
+  </p:clrMapOvr>
+</p:sld>
+</file>
+
+<file path=ppt/slides/slide19.xml><?xml version="1.0" encoding="utf-8"?>
+<p:sld xmlns:a="http://schemas.openxmlformats.org/drawingml/2006/main" xmlns:r="http://schemas.openxmlformats.org/officeDocument/2006/relationships" xmlns:p="http://schemas.openxmlformats.org/presentationml/2006/main">
+  <p:cSld>
+    <p:spTree>
+      <p:nvGrpSpPr>
+        <p:cNvPr id="1" name=""/>
+        <p:cNvGrpSpPr/>
+        <p:nvPr/>
+      </p:nvGrpSpPr>
+      <p:grpSpPr>
+        <a:xfrm>
+          <a:off x="0" y="0"/>
+          <a:ext cx="0" cy="0"/>
+          <a:chOff x="0" y="0"/>
+          <a:chExt cx="0" cy="0"/>
+        </a:xfrm>
+      </p:grpSpPr>
+      <p:sp>
+        <p:nvSpPr>
+          <p:cNvPr id="2" name="Slide Number Placeholder 1"/>
+          <p:cNvSpPr>
+            <a:spLocks noGrp="1"/>
+          </p:cNvSpPr>
+          <p:nvPr>
+            <p:ph type="sldNum" sz="quarter" idx="11"/>
+          </p:nvPr>
+        </p:nvSpPr>
+        <p:spPr/>
+        <p:txBody>
+          <a:bodyPr/>
+          <a:lstStyle/>
+          <a:p>
+            <a:fld id="{5BD36294-2849-48A8-8531-5354CF3095D2}" type="slidenum">
+              <a:rPr lang="en-US" smtClean="0"/>
+              <a:pPr/>
+              <a:t>19</a:t>
+            </a:fld>
+            <a:endParaRPr lang="en-US" dirty="0"/>
+          </a:p>
+        </p:txBody>
+      </p:sp>
+      <p:sp>
+        <p:nvSpPr>
+          <p:cNvPr id="3" name="Title 2"/>
+          <p:cNvSpPr>
+            <a:spLocks noGrp="1"/>
+          </p:cNvSpPr>
+          <p:nvPr>
+            <p:ph type="title"/>
+          </p:nvPr>
+        </p:nvSpPr>
+        <p:spPr/>
+        <p:txBody>
+          <a:bodyPr/>
+          <a:lstStyle/>
+          <a:p>
+            <a:r>
+              <a:rPr lang="en-US" dirty="0" smtClean="0"/>
+              <a:t>Young’s Modulus performs worse with standard model</a:t>
+            </a:r>
+            <a:endParaRPr lang="en-US" dirty="0"/>
+          </a:p>
+        </p:txBody>
+      </p:sp>
+      <p:pic>
+        <p:nvPicPr>
+          <p:cNvPr id="5" name="Content Placeholder 4"/>
+          <p:cNvPicPr>
+            <a:picLocks noGrp="1" noChangeAspect="1"/>
+          </p:cNvPicPr>
+          <p:nvPr>
+            <p:ph sz="quarter" idx="14"/>
+          </p:nvPr>
+        </p:nvPicPr>
+        <p:blipFill>
+          <a:blip r:embed="rId2">
+            <a:extLst>
+              <a:ext uri="{28A0092B-C50C-407E-A947-70E740481C1C}">
+                <a14:useLocalDpi xmlns:a14="http://schemas.microsoft.com/office/drawing/2010/main" val="0"/>
+              </a:ext>
+            </a:extLst>
+          </a:blip>
+          <a:stretch>
+            <a:fillRect/>
+          </a:stretch>
+        </p:blipFill>
+        <p:spPr>
+          <a:xfrm>
+            <a:off x="451822" y="1981200"/>
+            <a:ext cx="4573042" cy="4573042"/>
+          </a:xfrm>
+        </p:spPr>
+      </p:pic>
+      <p:graphicFrame>
+        <p:nvGraphicFramePr>
+          <p:cNvPr id="6" name="Table 5"/>
+          <p:cNvGraphicFramePr>
+            <a:graphicFrameLocks noGrp="1"/>
+          </p:cNvGraphicFramePr>
+          <p:nvPr>
+            <p:extLst>
+              <p:ext uri="{D42A27DB-BD31-4B8C-83A1-F6EECF244321}">
+                <p14:modId xmlns:p14="http://schemas.microsoft.com/office/powerpoint/2010/main" val="958567389"/>
+              </p:ext>
+            </p:extLst>
+          </p:nvPr>
+        </p:nvGraphicFramePr>
+        <p:xfrm>
+          <a:off x="5192225" y="2286000"/>
+          <a:ext cx="3657600" cy="3664585"/>
+        </p:xfrm>
+        <a:graphic>
+          <a:graphicData uri="http://schemas.openxmlformats.org/drawingml/2006/table">
+            <a:tbl>
+              <a:tblPr firstRow="1" bandRow="1">
+                <a:tableStyleId>{5C22544A-7EE6-4342-B048-85BDC9FD1C3A}</a:tableStyleId>
+              </a:tblPr>
+              <a:tblGrid>
+                <a:gridCol w="2286000"/>
+                <a:gridCol w="1371600"/>
+              </a:tblGrid>
+              <a:tr h="370840">
+                <a:tc>
+                  <a:txBody>
+                    <a:bodyPr/>
+                    <a:lstStyle/>
+                    <a:p>
+                      <a:pPr algn="l" fontAlgn="b"/>
+                      <a:r>
+                        <a:rPr lang="en-US" sz="1800" b="1" i="0" u="none" strike="noStrike" dirty="0" err="1" smtClean="0">
+                          <a:solidFill>
+                            <a:schemeClr val="bg1"/>
+                          </a:solidFill>
+                          <a:effectLst/>
+                          <a:latin typeface="Calibri"/>
+                        </a:rPr>
+                        <a:t>Youngs</a:t>
+                      </a:r>
+                      <a:r>
+                        <a:rPr lang="en-US" sz="1800" b="1" i="0" u="none" strike="noStrike" dirty="0" smtClean="0">
+                          <a:solidFill>
+                            <a:schemeClr val="bg1"/>
+                          </a:solidFill>
+                          <a:effectLst/>
+                          <a:latin typeface="Calibri"/>
+                        </a:rPr>
+                        <a:t> Model</a:t>
+                      </a:r>
+                      <a:endParaRPr lang="en-US" sz="1800" b="1" i="0" u="none" strike="noStrike" dirty="0">
+                        <a:solidFill>
+                          <a:schemeClr val="bg1"/>
+                        </a:solidFill>
+                        <a:effectLst/>
+                        <a:latin typeface="Calibri"/>
+                      </a:endParaRPr>
+                    </a:p>
+                  </a:txBody>
+                  <a:tcPr marL="9525" marR="9525" marT="9525" marB="0" anchor="b"/>
+                </a:tc>
+                <a:tc>
+                  <a:txBody>
+                    <a:bodyPr/>
+                    <a:lstStyle/>
+                    <a:p>
+                      <a:pPr algn="l" fontAlgn="b"/>
+                      <a:r>
+                        <a:rPr lang="en-US" sz="1800" b="1" i="0" u="none" strike="noStrike" dirty="0" smtClean="0">
+                          <a:solidFill>
+                            <a:schemeClr val="bg1"/>
+                          </a:solidFill>
+                          <a:effectLst/>
+                          <a:latin typeface="Calibri"/>
+                        </a:rPr>
+                        <a:t>Importance</a:t>
+                      </a:r>
+                      <a:endParaRPr lang="en-US" sz="1800" b="1" i="0" u="none" strike="noStrike" dirty="0">
+                        <a:solidFill>
+                          <a:schemeClr val="bg1"/>
+                        </a:solidFill>
+                        <a:effectLst/>
+                        <a:latin typeface="Calibri"/>
+                      </a:endParaRPr>
+                    </a:p>
+                  </a:txBody>
+                  <a:tcPr marL="9525" marR="9525" marT="9525" marB="0" anchor="b"/>
+                </a:tc>
+              </a:tr>
+              <a:tr h="86360">
+                <a:tc>
+                  <a:txBody>
+                    <a:bodyPr/>
+                    <a:lstStyle/>
+                    <a:p>
+                      <a:pPr algn="l" fontAlgn="b"/>
+                      <a:r>
+                        <a:rPr lang="en-US" sz="1600" b="0" i="0" u="none" strike="noStrike" dirty="0">
+                          <a:solidFill>
+                            <a:srgbClr val="000000"/>
+                          </a:solidFill>
+                          <a:effectLst/>
+                          <a:latin typeface="Calibri"/>
+                        </a:rPr>
+                        <a:t>mean </a:t>
+                      </a:r>
+                      <a:r>
+                        <a:rPr lang="en-US" sz="1600" b="0" i="0" u="none" strike="noStrike" dirty="0" err="1">
+                          <a:solidFill>
+                            <a:srgbClr val="000000"/>
+                          </a:solidFill>
+                          <a:effectLst/>
+                          <a:latin typeface="Calibri"/>
+                        </a:rPr>
+                        <a:t>GSvolume_pa</a:t>
+                      </a:r>
+                      <a:endParaRPr lang="en-US" sz="1600" b="0" i="0" u="none" strike="noStrike" dirty="0">
+                        <a:solidFill>
+                          <a:srgbClr val="000000"/>
+                        </a:solidFill>
+                        <a:effectLst/>
+                        <a:latin typeface="Calibri"/>
+                      </a:endParaRPr>
+                    </a:p>
+                  </a:txBody>
+                  <a:tcPr marL="9525" marR="9525" marT="9525" marB="0" anchor="b"/>
+                </a:tc>
+                <a:tc>
+                  <a:txBody>
+                    <a:bodyPr/>
+                    <a:lstStyle/>
+                    <a:p>
+                      <a:pPr algn="r" fontAlgn="b"/>
+                      <a:r>
+                        <a:rPr lang="en-US" sz="1600" b="0" i="0" u="none" strike="noStrike">
+                          <a:solidFill>
+                            <a:srgbClr val="000000"/>
+                          </a:solidFill>
+                          <a:effectLst/>
+                          <a:latin typeface="Calibri"/>
+                        </a:rPr>
+                        <a:t>0.0576</a:t>
+                      </a:r>
+                    </a:p>
+                  </a:txBody>
+                  <a:tcPr marL="9525" marR="9525" marT="9525" marB="0" anchor="b"/>
+                </a:tc>
+              </a:tr>
+              <a:tr h="61595">
+                <a:tc>
+                  <a:txBody>
+                    <a:bodyPr/>
+                    <a:lstStyle/>
+                    <a:p>
+                      <a:pPr algn="l" fontAlgn="b"/>
+                      <a:r>
+                        <a:rPr lang="en-US" sz="1600" b="0" i="0" u="none" strike="noStrike">
+                          <a:solidFill>
+                            <a:srgbClr val="000000"/>
+                          </a:solidFill>
+                          <a:effectLst/>
+                          <a:latin typeface="Calibri"/>
+                        </a:rPr>
+                        <a:t>minimum CovalentRadius</a:t>
+                      </a:r>
+                    </a:p>
+                  </a:txBody>
+                  <a:tcPr marL="9525" marR="9525" marT="9525" marB="0" anchor="b"/>
+                </a:tc>
+                <a:tc>
+                  <a:txBody>
+                    <a:bodyPr/>
+                    <a:lstStyle/>
+                    <a:p>
+                      <a:pPr algn="r" fontAlgn="b"/>
+                      <a:r>
+                        <a:rPr lang="en-US" sz="1600" b="0" i="0" u="none" strike="noStrike">
+                          <a:solidFill>
+                            <a:srgbClr val="000000"/>
+                          </a:solidFill>
+                          <a:effectLst/>
+                          <a:latin typeface="Calibri"/>
+                        </a:rPr>
+                        <a:t>0.0478</a:t>
+                      </a:r>
+                    </a:p>
+                  </a:txBody>
+                  <a:tcPr marL="9525" marR="9525" marT="9525" marB="0" anchor="b"/>
+                </a:tc>
+              </a:tr>
+              <a:tr h="36830">
+                <a:tc>
+                  <a:txBody>
+                    <a:bodyPr/>
+                    <a:lstStyle/>
+                    <a:p>
+                      <a:pPr algn="l" fontAlgn="b"/>
+                      <a:r>
+                        <a:rPr lang="en-US" sz="1600" b="0" i="0" u="none" strike="noStrike">
+                          <a:solidFill>
+                            <a:srgbClr val="000000"/>
+                          </a:solidFill>
+                          <a:effectLst/>
+                          <a:latin typeface="Calibri"/>
+                        </a:rPr>
+                        <a:t>mean MeltingT</a:t>
+                      </a:r>
+                    </a:p>
+                  </a:txBody>
+                  <a:tcPr marL="9525" marR="9525" marT="9525" marB="0" anchor="b"/>
+                </a:tc>
+                <a:tc>
+                  <a:txBody>
+                    <a:bodyPr/>
+                    <a:lstStyle/>
+                    <a:p>
+                      <a:pPr algn="r" fontAlgn="b"/>
+                      <a:r>
+                        <a:rPr lang="en-US" sz="1600" b="0" i="0" u="none" strike="noStrike">
+                          <a:solidFill>
+                            <a:srgbClr val="000000"/>
+                          </a:solidFill>
+                          <a:effectLst/>
+                          <a:latin typeface="Calibri"/>
+                        </a:rPr>
+                        <a:t>0.0457</a:t>
+                      </a:r>
+                    </a:p>
+                  </a:txBody>
+                  <a:tcPr marL="9525" marR="9525" marT="9525" marB="0" anchor="b"/>
+                </a:tc>
+              </a:tr>
+              <a:tr h="0">
+                <a:tc>
+                  <a:txBody>
+                    <a:bodyPr/>
+                    <a:lstStyle/>
+                    <a:p>
+                      <a:pPr algn="l" fontAlgn="b"/>
+                      <a:r>
+                        <a:rPr lang="en-US" sz="1600" b="0" i="0" u="none" strike="noStrike">
+                          <a:solidFill>
+                            <a:srgbClr val="000000"/>
+                          </a:solidFill>
+                          <a:effectLst/>
+                          <a:latin typeface="Calibri"/>
+                        </a:rPr>
+                        <a:t>minimum GSvolume_pa</a:t>
+                      </a:r>
+                    </a:p>
+                  </a:txBody>
+                  <a:tcPr marL="9525" marR="9525" marT="9525" marB="0" anchor="b"/>
+                </a:tc>
+                <a:tc>
+                  <a:txBody>
+                    <a:bodyPr/>
+                    <a:lstStyle/>
+                    <a:p>
+                      <a:pPr algn="r" fontAlgn="b"/>
+                      <a:r>
+                        <a:rPr lang="en-US" sz="1600" b="0" i="0" u="none" strike="noStrike">
+                          <a:solidFill>
+                            <a:srgbClr val="000000"/>
+                          </a:solidFill>
+                          <a:effectLst/>
+                          <a:latin typeface="Calibri"/>
+                        </a:rPr>
+                        <a:t>0.0448</a:t>
+                      </a:r>
+                    </a:p>
+                  </a:txBody>
+                  <a:tcPr marL="9525" marR="9525" marT="9525" marB="0" anchor="b"/>
+                </a:tc>
+              </a:tr>
+              <a:tr h="63500">
+                <a:tc>
+                  <a:txBody>
+                    <a:bodyPr/>
+                    <a:lstStyle/>
+                    <a:p>
+                      <a:pPr algn="l" fontAlgn="b"/>
+                      <a:r>
+                        <a:rPr lang="en-US" sz="1600" b="0" i="0" u="none" strike="noStrike">
+                          <a:solidFill>
+                            <a:srgbClr val="000000"/>
+                          </a:solidFill>
+                          <a:effectLst/>
+                          <a:latin typeface="Calibri"/>
+                        </a:rPr>
+                        <a:t>mean Electronegativity</a:t>
+                      </a:r>
+                    </a:p>
+                  </a:txBody>
+                  <a:tcPr marL="9525" marR="9525" marT="9525" marB="0" anchor="b"/>
+                </a:tc>
+                <a:tc>
+                  <a:txBody>
+                    <a:bodyPr/>
+                    <a:lstStyle/>
+                    <a:p>
+                      <a:pPr algn="r" fontAlgn="b"/>
+                      <a:r>
+                        <a:rPr lang="en-US" sz="1600" b="0" i="0" u="none" strike="noStrike">
+                          <a:solidFill>
+                            <a:srgbClr val="000000"/>
+                          </a:solidFill>
+                          <a:effectLst/>
+                          <a:latin typeface="Calibri"/>
+                        </a:rPr>
+                        <a:t>0.0399</a:t>
+                      </a:r>
+                    </a:p>
+                  </a:txBody>
+                  <a:tcPr marL="9525" marR="9525" marT="9525" marB="0" anchor="b"/>
+                </a:tc>
+              </a:tr>
+              <a:tr h="38735">
+                <a:tc>
+                  <a:txBody>
+                    <a:bodyPr/>
+                    <a:lstStyle/>
+                    <a:p>
+                      <a:pPr algn="l" fontAlgn="b"/>
+                      <a:r>
+                        <a:rPr lang="en-US" sz="1600" b="0" i="0" u="none" strike="noStrike">
+                          <a:solidFill>
+                            <a:srgbClr val="000000"/>
+                          </a:solidFill>
+                          <a:effectLst/>
+                          <a:latin typeface="Calibri"/>
+                        </a:rPr>
+                        <a:t>mode GSvolume_pa</a:t>
+                      </a:r>
+                    </a:p>
+                  </a:txBody>
+                  <a:tcPr marL="9525" marR="9525" marT="9525" marB="0" anchor="b"/>
+                </a:tc>
+                <a:tc>
+                  <a:txBody>
+                    <a:bodyPr/>
+                    <a:lstStyle/>
+                    <a:p>
+                      <a:pPr algn="r" fontAlgn="b"/>
+                      <a:r>
+                        <a:rPr lang="en-US" sz="1600" b="0" i="0" u="none" strike="noStrike">
+                          <a:solidFill>
+                            <a:srgbClr val="000000"/>
+                          </a:solidFill>
+                          <a:effectLst/>
+                          <a:latin typeface="Calibri"/>
+                        </a:rPr>
+                        <a:t>0.0346</a:t>
+                      </a:r>
+                    </a:p>
+                  </a:txBody>
+                  <a:tcPr marL="9525" marR="9525" marT="9525" marB="0" anchor="b"/>
+                </a:tc>
+              </a:tr>
+              <a:tr h="166370">
+                <a:tc>
+                  <a:txBody>
+                    <a:bodyPr/>
+                    <a:lstStyle/>
+                    <a:p>
+                      <a:pPr algn="l" fontAlgn="b"/>
+                      <a:r>
+                        <a:rPr lang="en-US" sz="1600" b="0" i="0" u="none" strike="noStrike">
+                          <a:solidFill>
+                            <a:srgbClr val="000000"/>
+                          </a:solidFill>
+                          <a:effectLst/>
+                          <a:latin typeface="Calibri"/>
+                        </a:rPr>
+                        <a:t>maximum MeltingT</a:t>
+                      </a:r>
+                    </a:p>
+                  </a:txBody>
+                  <a:tcPr marL="9525" marR="9525" marT="9525" marB="0" anchor="b"/>
+                </a:tc>
+                <a:tc>
+                  <a:txBody>
+                    <a:bodyPr/>
+                    <a:lstStyle/>
+                    <a:p>
+                      <a:pPr algn="r" fontAlgn="b"/>
+                      <a:r>
+                        <a:rPr lang="en-US" sz="1600" b="0" i="0" u="none" strike="noStrike" dirty="0">
+                          <a:solidFill>
+                            <a:srgbClr val="000000"/>
+                          </a:solidFill>
+                          <a:effectLst/>
+                          <a:latin typeface="Calibri"/>
+                        </a:rPr>
+                        <a:t>0.0323</a:t>
+                      </a:r>
+                    </a:p>
+                  </a:txBody>
+                  <a:tcPr marL="9525" marR="9525" marT="9525" marB="0" anchor="b"/>
+                </a:tc>
+              </a:tr>
+              <a:tr h="0">
+                <a:tc>
+                  <a:txBody>
+                    <a:bodyPr/>
+                    <a:lstStyle/>
+                    <a:p>
+                      <a:pPr algn="l" fontAlgn="b"/>
+                      <a:r>
+                        <a:rPr lang="en-US" sz="1600" b="0" i="0" u="none" strike="noStrike">
+                          <a:solidFill>
+                            <a:srgbClr val="000000"/>
+                          </a:solidFill>
+                          <a:effectLst/>
+                          <a:latin typeface="Calibri"/>
+                        </a:rPr>
+                        <a:t>mean GSmagmom</a:t>
+                      </a:r>
+                    </a:p>
+                  </a:txBody>
+                  <a:tcPr marL="9525" marR="9525" marT="9525" marB="0" anchor="b"/>
+                </a:tc>
+                <a:tc>
+                  <a:txBody>
+                    <a:bodyPr/>
+                    <a:lstStyle/>
+                    <a:p>
+                      <a:pPr algn="r" fontAlgn="b"/>
+                      <a:r>
+                        <a:rPr lang="en-US" sz="1600" b="0" i="0" u="none" strike="noStrike">
+                          <a:solidFill>
+                            <a:srgbClr val="000000"/>
+                          </a:solidFill>
+                          <a:effectLst/>
+                          <a:latin typeface="Calibri"/>
+                        </a:rPr>
+                        <a:t>0.0317</a:t>
+                      </a:r>
+                    </a:p>
+                  </a:txBody>
+                  <a:tcPr marL="9525" marR="9525" marT="9525" marB="0" anchor="b"/>
+                </a:tc>
+              </a:tr>
+              <a:tr h="40640">
+                <a:tc>
+                  <a:txBody>
+                    <a:bodyPr/>
+                    <a:lstStyle/>
+                    <a:p>
+                      <a:pPr algn="l" fontAlgn="b"/>
+                      <a:r>
+                        <a:rPr lang="en-US" sz="1600" b="0" i="0" u="none" strike="noStrike">
+                          <a:solidFill>
+                            <a:srgbClr val="000000"/>
+                          </a:solidFill>
+                          <a:effectLst/>
+                          <a:latin typeface="Calibri"/>
+                        </a:rPr>
+                        <a:t>mode GSmagmom</a:t>
+                      </a:r>
+                    </a:p>
+                  </a:txBody>
+                  <a:tcPr marL="9525" marR="9525" marT="9525" marB="0" anchor="b"/>
+                </a:tc>
+                <a:tc>
+                  <a:txBody>
+                    <a:bodyPr/>
+                    <a:lstStyle/>
+                    <a:p>
+                      <a:pPr algn="r" fontAlgn="b"/>
+                      <a:r>
+                        <a:rPr lang="en-US" sz="1600" b="0" i="0" u="none" strike="noStrike">
+                          <a:solidFill>
+                            <a:srgbClr val="000000"/>
+                          </a:solidFill>
+                          <a:effectLst/>
+                          <a:latin typeface="Calibri"/>
+                        </a:rPr>
+                        <a:t>0.0269</a:t>
+                      </a:r>
+                    </a:p>
+                  </a:txBody>
+                  <a:tcPr marL="9525" marR="9525" marT="9525" marB="0" anchor="b"/>
+                </a:tc>
+              </a:tr>
+              <a:tr h="40640">
+                <a:tc>
+                  <a:txBody>
+                    <a:bodyPr/>
+                    <a:lstStyle/>
+                    <a:p>
+                      <a:pPr algn="l" fontAlgn="b"/>
+                      <a:r>
+                        <a:rPr lang="en-US" sz="1600" b="0" i="0" u="none" strike="noStrike">
+                          <a:solidFill>
+                            <a:srgbClr val="000000"/>
+                          </a:solidFill>
+                          <a:effectLst/>
+                          <a:latin typeface="Calibri"/>
+                        </a:rPr>
+                        <a:t>avg_dev GSbandgap</a:t>
+                      </a:r>
+                    </a:p>
+                  </a:txBody>
+                  <a:tcPr marL="9525" marR="9525" marT="9525" marB="0" anchor="b"/>
+                </a:tc>
+                <a:tc>
+                  <a:txBody>
+                    <a:bodyPr/>
+                    <a:lstStyle/>
+                    <a:p>
+                      <a:pPr algn="r" fontAlgn="b"/>
+                      <a:r>
+                        <a:rPr lang="en-US" sz="1600" b="0" i="0" u="none" strike="noStrike">
+                          <a:solidFill>
+                            <a:srgbClr val="000000"/>
+                          </a:solidFill>
+                          <a:effectLst/>
+                          <a:latin typeface="Calibri"/>
+                        </a:rPr>
+                        <a:t>0.0251</a:t>
+                      </a:r>
+                    </a:p>
+                  </a:txBody>
+                  <a:tcPr marL="9525" marR="9525" marT="9525" marB="0" anchor="b"/>
+                </a:tc>
+              </a:tr>
+              <a:tr h="40640">
+                <a:tc>
+                  <a:txBody>
+                    <a:bodyPr/>
+                    <a:lstStyle/>
+                    <a:p>
+                      <a:pPr algn="l" fontAlgn="b"/>
+                      <a:r>
+                        <a:rPr lang="en-US" sz="1600" b="0" i="0" u="none" strike="noStrike">
+                          <a:solidFill>
+                            <a:srgbClr val="000000"/>
+                          </a:solidFill>
+                          <a:effectLst/>
+                          <a:latin typeface="Calibri"/>
+                        </a:rPr>
+                        <a:t>mode MeltingT</a:t>
+                      </a:r>
+                    </a:p>
+                  </a:txBody>
+                  <a:tcPr marL="9525" marR="9525" marT="9525" marB="0" anchor="b"/>
+                </a:tc>
+                <a:tc>
+                  <a:txBody>
+                    <a:bodyPr/>
+                    <a:lstStyle/>
+                    <a:p>
+                      <a:pPr algn="r" fontAlgn="b"/>
+                      <a:r>
+                        <a:rPr lang="en-US" sz="1600" b="0" i="0" u="none" strike="noStrike">
+                          <a:solidFill>
+                            <a:srgbClr val="000000"/>
+                          </a:solidFill>
+                          <a:effectLst/>
+                          <a:latin typeface="Calibri"/>
+                        </a:rPr>
+                        <a:t>0.0189</a:t>
+                      </a:r>
+                    </a:p>
+                  </a:txBody>
+                  <a:tcPr marL="9525" marR="9525" marT="9525" marB="0" anchor="b"/>
+                </a:tc>
+              </a:tr>
+              <a:tr h="40640">
+                <a:tc>
+                  <a:txBody>
+                    <a:bodyPr/>
+                    <a:lstStyle/>
+                    <a:p>
+                      <a:pPr algn="l" fontAlgn="b"/>
+                      <a:r>
+                        <a:rPr lang="en-US" sz="1600" b="0" i="0" u="none" strike="noStrike">
+                          <a:solidFill>
+                            <a:srgbClr val="000000"/>
+                          </a:solidFill>
+                          <a:effectLst/>
+                          <a:latin typeface="Calibri"/>
+                        </a:rPr>
+                        <a:t>avg_dev GSmagmom</a:t>
+                      </a:r>
+                    </a:p>
+                  </a:txBody>
+                  <a:tcPr marL="9525" marR="9525" marT="9525" marB="0" anchor="b"/>
+                </a:tc>
+                <a:tc>
+                  <a:txBody>
+                    <a:bodyPr/>
+                    <a:lstStyle/>
+                    <a:p>
+                      <a:pPr algn="r" fontAlgn="b"/>
+                      <a:r>
+                        <a:rPr lang="en-US" sz="1600" b="0" i="0" u="none" strike="noStrike">
+                          <a:solidFill>
+                            <a:srgbClr val="000000"/>
+                          </a:solidFill>
+                          <a:effectLst/>
+                          <a:latin typeface="Calibri"/>
+                        </a:rPr>
+                        <a:t>0.0179</a:t>
+                      </a:r>
+                    </a:p>
+                  </a:txBody>
+                  <a:tcPr marL="9525" marR="9525" marT="9525" marB="0" anchor="b"/>
+                </a:tc>
+              </a:tr>
+              <a:tr h="40640">
+                <a:tc>
+                  <a:txBody>
+                    <a:bodyPr/>
+                    <a:lstStyle/>
+                    <a:p>
+                      <a:pPr algn="l" fontAlgn="b"/>
+                      <a:r>
+                        <a:rPr lang="en-US" sz="1600" b="0" i="0" u="none" strike="noStrike">
+                          <a:solidFill>
+                            <a:srgbClr val="000000"/>
+                          </a:solidFill>
+                          <a:effectLst/>
+                          <a:latin typeface="Calibri"/>
+                        </a:rPr>
+                        <a:t>mode Electronegativity</a:t>
+                      </a:r>
+                    </a:p>
+                  </a:txBody>
+                  <a:tcPr marL="9525" marR="9525" marT="9525" marB="0" anchor="b"/>
+                </a:tc>
+                <a:tc>
+                  <a:txBody>
+                    <a:bodyPr/>
+                    <a:lstStyle/>
+                    <a:p>
+                      <a:pPr algn="r" fontAlgn="b"/>
+                      <a:r>
+                        <a:rPr lang="en-US" sz="1600" b="0" i="0" u="none" strike="noStrike" dirty="0">
+                          <a:solidFill>
+                            <a:srgbClr val="000000"/>
+                          </a:solidFill>
+                          <a:effectLst/>
+                          <a:latin typeface="Calibri"/>
+                        </a:rPr>
+                        <a:t>0.0173</a:t>
+                      </a:r>
+                    </a:p>
+                  </a:txBody>
+                  <a:tcPr marL="9525" marR="9525" marT="9525" marB="0" anchor="b"/>
+                </a:tc>
+              </a:tr>
+            </a:tbl>
+          </a:graphicData>
+        </a:graphic>
+      </p:graphicFrame>
+    </p:spTree>
+    <p:extLst>
+      <p:ext uri="{BB962C8B-B14F-4D97-AF65-F5344CB8AC3E}">
+        <p14:creationId xmlns:p14="http://schemas.microsoft.com/office/powerpoint/2010/main" val="3084129781"/>
+      </p:ext>
+    </p:extLst>
+  </p:cSld>
+  <p:clrMapOvr>
+    <a:masterClrMapping/>
+  </p:clrMapOvr>
 </p:sld>
 </file>
 
@@ -3239,6 +9209,1557 @@
 </p:sld>
 </file>
 
+<file path=ppt/slides/slide20.xml><?xml version="1.0" encoding="utf-8"?>
+<p:sld xmlns:a="http://schemas.openxmlformats.org/drawingml/2006/main" xmlns:r="http://schemas.openxmlformats.org/officeDocument/2006/relationships" xmlns:p="http://schemas.openxmlformats.org/presentationml/2006/main">
+  <p:cSld>
+    <p:spTree>
+      <p:nvGrpSpPr>
+        <p:cNvPr id="1" name=""/>
+        <p:cNvGrpSpPr/>
+        <p:nvPr/>
+      </p:nvGrpSpPr>
+      <p:grpSpPr>
+        <a:xfrm>
+          <a:off x="0" y="0"/>
+          <a:ext cx="0" cy="0"/>
+          <a:chOff x="0" y="0"/>
+          <a:chExt cx="0" cy="0"/>
+        </a:xfrm>
+      </p:grpSpPr>
+      <p:sp>
+        <p:nvSpPr>
+          <p:cNvPr id="2" name="Slide Number Placeholder 1"/>
+          <p:cNvSpPr>
+            <a:spLocks noGrp="1"/>
+          </p:cNvSpPr>
+          <p:nvPr>
+            <p:ph type="sldNum" sz="quarter" idx="11"/>
+          </p:nvPr>
+        </p:nvSpPr>
+        <p:spPr/>
+        <p:txBody>
+          <a:bodyPr/>
+          <a:lstStyle/>
+          <a:p>
+            <a:fld id="{5BD36294-2849-48A8-8531-5354CF3095D2}" type="slidenum">
+              <a:rPr lang="en-US" smtClean="0"/>
+              <a:pPr/>
+              <a:t>20</a:t>
+            </a:fld>
+            <a:endParaRPr lang="en-US" dirty="0"/>
+          </a:p>
+        </p:txBody>
+      </p:sp>
+      <p:sp>
+        <p:nvSpPr>
+          <p:cNvPr id="3" name="Title 2"/>
+          <p:cNvSpPr>
+            <a:spLocks noGrp="1"/>
+          </p:cNvSpPr>
+          <p:nvPr>
+            <p:ph type="title"/>
+          </p:nvPr>
+        </p:nvSpPr>
+        <p:spPr/>
+        <p:txBody>
+          <a:bodyPr/>
+          <a:lstStyle/>
+          <a:p>
+            <a:endParaRPr lang="en-US"/>
+          </a:p>
+        </p:txBody>
+      </p:sp>
+      <p:pic>
+        <p:nvPicPr>
+          <p:cNvPr id="5" name="Content Placeholder 4"/>
+          <p:cNvPicPr>
+            <a:picLocks noGrp="1" noChangeAspect="1"/>
+          </p:cNvPicPr>
+          <p:nvPr>
+            <p:ph sz="quarter" idx="14"/>
+          </p:nvPr>
+        </p:nvPicPr>
+        <p:blipFill>
+          <a:blip r:embed="rId2">
+            <a:extLst>
+              <a:ext uri="{28A0092B-C50C-407E-A947-70E740481C1C}">
+                <a14:useLocalDpi xmlns:a14="http://schemas.microsoft.com/office/drawing/2010/main" val="0"/>
+              </a:ext>
+            </a:extLst>
+          </a:blip>
+          <a:stretch>
+            <a:fillRect/>
+          </a:stretch>
+        </p:blipFill>
+        <p:spPr>
+          <a:xfrm>
+            <a:off x="76200" y="3155479"/>
+            <a:ext cx="4744158" cy="3162772"/>
+          </a:xfrm>
+        </p:spPr>
+      </p:pic>
+      <p:pic>
+        <p:nvPicPr>
+          <p:cNvPr id="6" name="Picture 5"/>
+          <p:cNvPicPr>
+            <a:picLocks noChangeAspect="1"/>
+          </p:cNvPicPr>
+          <p:nvPr/>
+        </p:nvPicPr>
+        <p:blipFill>
+          <a:blip r:embed="rId3">
+            <a:extLst>
+              <a:ext uri="{28A0092B-C50C-407E-A947-70E740481C1C}">
+                <a14:useLocalDpi xmlns:a14="http://schemas.microsoft.com/office/drawing/2010/main" val="0"/>
+              </a:ext>
+            </a:extLst>
+          </a:blip>
+          <a:stretch>
+            <a:fillRect/>
+          </a:stretch>
+        </p:blipFill>
+        <p:spPr>
+          <a:xfrm>
+            <a:off x="4820358" y="3429000"/>
+            <a:ext cx="4323641" cy="2882427"/>
+          </a:xfrm>
+          <a:prstGeom prst="rect">
+            <a:avLst/>
+          </a:prstGeom>
+        </p:spPr>
+      </p:pic>
+    </p:spTree>
+    <p:extLst>
+      <p:ext uri="{BB962C8B-B14F-4D97-AF65-F5344CB8AC3E}">
+        <p14:creationId xmlns:p14="http://schemas.microsoft.com/office/powerpoint/2010/main" val="255665748"/>
+      </p:ext>
+    </p:extLst>
+  </p:cSld>
+  <p:clrMapOvr>
+    <a:masterClrMapping/>
+  </p:clrMapOvr>
+</p:sld>
+</file>
+
+<file path=ppt/slides/slide21.xml><?xml version="1.0" encoding="utf-8"?>
+<p:sld xmlns:a="http://schemas.openxmlformats.org/drawingml/2006/main" xmlns:r="http://schemas.openxmlformats.org/officeDocument/2006/relationships" xmlns:p="http://schemas.openxmlformats.org/presentationml/2006/main">
+  <p:cSld>
+    <p:spTree>
+      <p:nvGrpSpPr>
+        <p:cNvPr id="1" name=""/>
+        <p:cNvGrpSpPr/>
+        <p:nvPr/>
+      </p:nvGrpSpPr>
+      <p:grpSpPr>
+        <a:xfrm>
+          <a:off x="0" y="0"/>
+          <a:ext cx="0" cy="0"/>
+          <a:chOff x="0" y="0"/>
+          <a:chExt cx="0" cy="0"/>
+        </a:xfrm>
+      </p:grpSpPr>
+      <p:sp>
+        <p:nvSpPr>
+          <p:cNvPr id="2" name="Slide Number Placeholder 1"/>
+          <p:cNvSpPr>
+            <a:spLocks noGrp="1"/>
+          </p:cNvSpPr>
+          <p:nvPr>
+            <p:ph type="sldNum" sz="quarter" idx="11"/>
+          </p:nvPr>
+        </p:nvSpPr>
+        <p:spPr/>
+        <p:txBody>
+          <a:bodyPr/>
+          <a:lstStyle/>
+          <a:p>
+            <a:fld id="{5BD36294-2849-48A8-8531-5354CF3095D2}" type="slidenum">
+              <a:rPr lang="en-US" smtClean="0"/>
+              <a:pPr/>
+              <a:t>21</a:t>
+            </a:fld>
+            <a:endParaRPr lang="en-US" dirty="0"/>
+          </a:p>
+        </p:txBody>
+      </p:sp>
+      <p:sp>
+        <p:nvSpPr>
+          <p:cNvPr id="3" name="Title 2"/>
+          <p:cNvSpPr>
+            <a:spLocks noGrp="1"/>
+          </p:cNvSpPr>
+          <p:nvPr>
+            <p:ph type="title"/>
+          </p:nvPr>
+        </p:nvSpPr>
+        <p:spPr/>
+        <p:txBody>
+          <a:bodyPr/>
+          <a:lstStyle/>
+          <a:p>
+            <a:r>
+              <a:rPr lang="en-US" dirty="0" smtClean="0"/>
+              <a:t>Materials Project Predictions</a:t>
+            </a:r>
+            <a:endParaRPr lang="en-US" dirty="0"/>
+          </a:p>
+        </p:txBody>
+      </p:sp>
+      <p:pic>
+        <p:nvPicPr>
+          <p:cNvPr id="5" name="Picture 4"/>
+          <p:cNvPicPr>
+            <a:picLocks noChangeAspect="1"/>
+          </p:cNvPicPr>
+          <p:nvPr/>
+        </p:nvPicPr>
+        <p:blipFill>
+          <a:blip r:embed="rId2">
+            <a:extLst>
+              <a:ext uri="{28A0092B-C50C-407E-A947-70E740481C1C}">
+                <a14:useLocalDpi xmlns:a14="http://schemas.microsoft.com/office/drawing/2010/main" val="0"/>
+              </a:ext>
+            </a:extLst>
+          </a:blip>
+          <a:stretch>
+            <a:fillRect/>
+          </a:stretch>
+        </p:blipFill>
+        <p:spPr>
+          <a:xfrm>
+            <a:off x="-1042" y="1281106"/>
+            <a:ext cx="4573042" cy="4573042"/>
+          </a:xfrm>
+          <a:prstGeom prst="rect">
+            <a:avLst/>
+          </a:prstGeom>
+        </p:spPr>
+      </p:pic>
+      <p:pic>
+        <p:nvPicPr>
+          <p:cNvPr id="6" name="Picture 5"/>
+          <p:cNvPicPr>
+            <a:picLocks noChangeAspect="1"/>
+          </p:cNvPicPr>
+          <p:nvPr/>
+        </p:nvPicPr>
+        <p:blipFill>
+          <a:blip r:embed="rId3">
+            <a:extLst>
+              <a:ext uri="{28A0092B-C50C-407E-A947-70E740481C1C}">
+                <a14:useLocalDpi xmlns:a14="http://schemas.microsoft.com/office/drawing/2010/main" val="0"/>
+              </a:ext>
+            </a:extLst>
+          </a:blip>
+          <a:stretch>
+            <a:fillRect/>
+          </a:stretch>
+        </p:blipFill>
+        <p:spPr>
+          <a:xfrm>
+            <a:off x="4566409" y="1281106"/>
+            <a:ext cx="4573042" cy="4573042"/>
+          </a:xfrm>
+          <a:prstGeom prst="rect">
+            <a:avLst/>
+          </a:prstGeom>
+        </p:spPr>
+      </p:pic>
+      <p:sp>
+        <p:nvSpPr>
+          <p:cNvPr id="7" name="TextBox 6"/>
+          <p:cNvSpPr txBox="1"/>
+          <p:nvPr/>
+        </p:nvSpPr>
+        <p:spPr>
+          <a:xfrm>
+            <a:off x="5105400" y="5854148"/>
+            <a:ext cx="3657600" cy="369332"/>
+          </a:xfrm>
+          <a:prstGeom prst="rect">
+            <a:avLst/>
+          </a:prstGeom>
+          <a:noFill/>
+        </p:spPr>
+        <p:txBody>
+          <a:bodyPr wrap="square" rtlCol="0">
+            <a:spAutoFit/>
+          </a:bodyPr>
+          <a:lstStyle/>
+          <a:p>
+            <a:r>
+              <a:rPr lang="en-US" dirty="0" smtClean="0"/>
+              <a:t>Without 4 outliers: r</a:t>
+            </a:r>
+            <a:r>
+              <a:rPr lang="en-US" baseline="30000" dirty="0" smtClean="0"/>
+              <a:t>2</a:t>
+            </a:r>
+            <a:r>
+              <a:rPr lang="en-US" dirty="0" smtClean="0"/>
+              <a:t>=0.9421</a:t>
+            </a:r>
+            <a:endParaRPr lang="en-US" dirty="0"/>
+          </a:p>
+        </p:txBody>
+      </p:sp>
+      <p:sp>
+        <p:nvSpPr>
+          <p:cNvPr id="8" name="Oval 7"/>
+          <p:cNvSpPr/>
+          <p:nvPr/>
+        </p:nvSpPr>
+        <p:spPr>
+          <a:xfrm>
+            <a:off x="5257800" y="3429000"/>
+            <a:ext cx="304800" cy="762000"/>
+          </a:xfrm>
+          <a:prstGeom prst="ellipse">
+            <a:avLst/>
+          </a:prstGeom>
+          <a:noFill/>
+          <a:ln>
+            <a:solidFill>
+              <a:srgbClr val="FFC000"/>
+            </a:solidFill>
+          </a:ln>
+        </p:spPr>
+        <p:style>
+          <a:lnRef idx="2">
+            <a:schemeClr val="accent1">
+              <a:shade val="50000"/>
+            </a:schemeClr>
+          </a:lnRef>
+          <a:fillRef idx="1">
+            <a:schemeClr val="accent1"/>
+          </a:fillRef>
+          <a:effectRef idx="0">
+            <a:schemeClr val="accent1"/>
+          </a:effectRef>
+          <a:fontRef idx="minor">
+            <a:schemeClr val="lt1"/>
+          </a:fontRef>
+        </p:style>
+        <p:txBody>
+          <a:bodyPr rtlCol="0" anchor="ctr"/>
+          <a:lstStyle/>
+          <a:p>
+            <a:pPr algn="ctr"/>
+            <a:endParaRPr lang="en-US"/>
+          </a:p>
+        </p:txBody>
+      </p:sp>
+    </p:spTree>
+    <p:extLst>
+      <p:ext uri="{BB962C8B-B14F-4D97-AF65-F5344CB8AC3E}">
+        <p14:creationId xmlns:p14="http://schemas.microsoft.com/office/powerpoint/2010/main" val="3532438290"/>
+      </p:ext>
+    </p:extLst>
+  </p:cSld>
+  <p:clrMapOvr>
+    <a:masterClrMapping/>
+  </p:clrMapOvr>
+</p:sld>
+</file>
+
+<file path=ppt/slides/slide22.xml><?xml version="1.0" encoding="utf-8"?>
+<p:sld xmlns:a="http://schemas.openxmlformats.org/drawingml/2006/main" xmlns:r="http://schemas.openxmlformats.org/officeDocument/2006/relationships" xmlns:p="http://schemas.openxmlformats.org/presentationml/2006/main">
+  <p:cSld>
+    <p:spTree>
+      <p:nvGrpSpPr>
+        <p:cNvPr id="1" name=""/>
+        <p:cNvGrpSpPr/>
+        <p:nvPr/>
+      </p:nvGrpSpPr>
+      <p:grpSpPr>
+        <a:xfrm>
+          <a:off x="0" y="0"/>
+          <a:ext cx="0" cy="0"/>
+          <a:chOff x="0" y="0"/>
+          <a:chExt cx="0" cy="0"/>
+        </a:xfrm>
+      </p:grpSpPr>
+      <p:sp>
+        <p:nvSpPr>
+          <p:cNvPr id="2" name="Slide Number Placeholder 1"/>
+          <p:cNvSpPr>
+            <a:spLocks noGrp="1"/>
+          </p:cNvSpPr>
+          <p:nvPr>
+            <p:ph type="sldNum" sz="quarter" idx="11"/>
+          </p:nvPr>
+        </p:nvSpPr>
+        <p:spPr/>
+        <p:txBody>
+          <a:bodyPr/>
+          <a:lstStyle/>
+          <a:p>
+            <a:fld id="{5BD36294-2849-48A8-8531-5354CF3095D2}" type="slidenum">
+              <a:rPr lang="en-US" smtClean="0"/>
+              <a:pPr/>
+              <a:t>22</a:t>
+            </a:fld>
+            <a:endParaRPr lang="en-US" dirty="0"/>
+          </a:p>
+        </p:txBody>
+      </p:sp>
+      <p:sp>
+        <p:nvSpPr>
+          <p:cNvPr id="3" name="Title 2"/>
+          <p:cNvSpPr>
+            <a:spLocks noGrp="1"/>
+          </p:cNvSpPr>
+          <p:nvPr>
+            <p:ph type="title"/>
+          </p:nvPr>
+        </p:nvSpPr>
+        <p:spPr/>
+        <p:txBody>
+          <a:bodyPr/>
+          <a:lstStyle/>
+          <a:p>
+            <a:r>
+              <a:rPr lang="en-US" dirty="0" smtClean="0"/>
+              <a:t>Materials Project Data</a:t>
+            </a:r>
+            <a:endParaRPr lang="en-US" dirty="0"/>
+          </a:p>
+        </p:txBody>
+      </p:sp>
+      <p:graphicFrame>
+        <p:nvGraphicFramePr>
+          <p:cNvPr id="6" name="Table 5"/>
+          <p:cNvGraphicFramePr>
+            <a:graphicFrameLocks noGrp="1"/>
+          </p:cNvGraphicFramePr>
+          <p:nvPr>
+            <p:extLst>
+              <p:ext uri="{D42A27DB-BD31-4B8C-83A1-F6EECF244321}">
+                <p14:modId xmlns:p14="http://schemas.microsoft.com/office/powerpoint/2010/main" val="288515604"/>
+              </p:ext>
+            </p:extLst>
+          </p:nvPr>
+        </p:nvGraphicFramePr>
+        <p:xfrm>
+          <a:off x="5192225" y="2286000"/>
+          <a:ext cx="3265975" cy="3148330"/>
+        </p:xfrm>
+        <a:graphic>
+          <a:graphicData uri="http://schemas.openxmlformats.org/drawingml/2006/table">
+            <a:tbl>
+              <a:tblPr firstRow="1" bandRow="1">
+                <a:tableStyleId>{5C22544A-7EE6-4342-B048-85BDC9FD1C3A}</a:tableStyleId>
+              </a:tblPr>
+              <a:tblGrid>
+                <a:gridCol w="2122975"/>
+                <a:gridCol w="1143000"/>
+              </a:tblGrid>
+              <a:tr h="370840">
+                <a:tc>
+                  <a:txBody>
+                    <a:bodyPr/>
+                    <a:lstStyle/>
+                    <a:p>
+                      <a:pPr algn="l" fontAlgn="b"/>
+                      <a:r>
+                        <a:rPr lang="en-US" sz="1800" b="1" i="0" u="none" strike="noStrike" kern="1200" dirty="0" smtClean="0">
+                          <a:solidFill>
+                            <a:schemeClr val="bg1"/>
+                          </a:solidFill>
+                          <a:effectLst/>
+                          <a:latin typeface="Calibri"/>
+                          <a:ea typeface="+mn-ea"/>
+                          <a:cs typeface="+mn-cs"/>
+                        </a:rPr>
+                        <a:t>Crystalline Model</a:t>
+                      </a:r>
+                      <a:endParaRPr lang="en-US" sz="1800" b="1" i="0" u="none" strike="noStrike" kern="1200" dirty="0">
+                        <a:solidFill>
+                          <a:schemeClr val="bg1"/>
+                        </a:solidFill>
+                        <a:effectLst/>
+                        <a:latin typeface="Calibri"/>
+                        <a:ea typeface="+mn-ea"/>
+                        <a:cs typeface="+mn-cs"/>
+                      </a:endParaRPr>
+                    </a:p>
+                  </a:txBody>
+                  <a:tcPr marL="9525" marR="9525" marT="9525" marB="0" anchor="b"/>
+                </a:tc>
+                <a:tc>
+                  <a:txBody>
+                    <a:bodyPr/>
+                    <a:lstStyle/>
+                    <a:p>
+                      <a:pPr algn="l" fontAlgn="b"/>
+                      <a:r>
+                        <a:rPr lang="en-US" sz="1800" b="1" i="0" u="none" strike="noStrike" kern="1200" dirty="0" smtClean="0">
+                          <a:solidFill>
+                            <a:schemeClr val="bg1"/>
+                          </a:solidFill>
+                          <a:effectLst/>
+                          <a:latin typeface="Calibri"/>
+                          <a:ea typeface="+mn-ea"/>
+                          <a:cs typeface="+mn-cs"/>
+                        </a:rPr>
+                        <a:t>Importance</a:t>
+                      </a:r>
+                      <a:endParaRPr lang="en-US" sz="1800" b="1" i="0" u="none" strike="noStrike" kern="1200" dirty="0">
+                        <a:solidFill>
+                          <a:schemeClr val="bg1"/>
+                        </a:solidFill>
+                        <a:effectLst/>
+                        <a:latin typeface="Calibri"/>
+                        <a:ea typeface="+mn-ea"/>
+                        <a:cs typeface="+mn-cs"/>
+                      </a:endParaRPr>
+                    </a:p>
+                  </a:txBody>
+                  <a:tcPr marL="9525" marR="9525" marT="9525" marB="0" anchor="b"/>
+                </a:tc>
+              </a:tr>
+              <a:tr h="86360">
+                <a:tc>
+                  <a:txBody>
+                    <a:bodyPr/>
+                    <a:lstStyle/>
+                    <a:p>
+                      <a:pPr algn="l" fontAlgn="b"/>
+                      <a:r>
+                        <a:rPr lang="en-US" sz="1600" b="0" i="0" u="none" strike="noStrike" dirty="0">
+                          <a:solidFill>
+                            <a:srgbClr val="000000"/>
+                          </a:solidFill>
+                          <a:effectLst/>
+                          <a:latin typeface="Calibri"/>
+                        </a:rPr>
+                        <a:t>mean </a:t>
+                      </a:r>
+                      <a:r>
+                        <a:rPr lang="en-US" sz="1600" b="0" i="0" u="none" strike="noStrike" dirty="0" err="1">
+                          <a:solidFill>
+                            <a:srgbClr val="000000"/>
+                          </a:solidFill>
+                          <a:effectLst/>
+                          <a:latin typeface="Calibri"/>
+                        </a:rPr>
+                        <a:t>AtomicWeight</a:t>
+                      </a:r>
+                      <a:endParaRPr lang="en-US" sz="1600" b="0" i="0" u="none" strike="noStrike" dirty="0">
+                        <a:solidFill>
+                          <a:srgbClr val="000000"/>
+                        </a:solidFill>
+                        <a:effectLst/>
+                        <a:latin typeface="Calibri"/>
+                      </a:endParaRPr>
+                    </a:p>
+                  </a:txBody>
+                  <a:tcPr marL="9525" marR="9525" marT="9525" marB="0" anchor="b"/>
+                </a:tc>
+                <a:tc>
+                  <a:txBody>
+                    <a:bodyPr/>
+                    <a:lstStyle/>
+                    <a:p>
+                      <a:pPr algn="r" fontAlgn="b"/>
+                      <a:r>
+                        <a:rPr lang="en-US" sz="1600" b="0" i="0" u="none" strike="noStrike">
+                          <a:solidFill>
+                            <a:srgbClr val="000000"/>
+                          </a:solidFill>
+                          <a:effectLst/>
+                          <a:latin typeface="Calibri"/>
+                        </a:rPr>
+                        <a:t>0.0772</a:t>
+                      </a:r>
+                    </a:p>
+                  </a:txBody>
+                  <a:tcPr marL="9525" marR="9525" marT="9525" marB="0" anchor="b"/>
+                </a:tc>
+              </a:tr>
+              <a:tr h="61595">
+                <a:tc>
+                  <a:txBody>
+                    <a:bodyPr/>
+                    <a:lstStyle/>
+                    <a:p>
+                      <a:pPr algn="l" fontAlgn="b"/>
+                      <a:r>
+                        <a:rPr lang="en-US" sz="1600" b="0" i="0" u="none" strike="noStrike" dirty="0">
+                          <a:solidFill>
+                            <a:srgbClr val="000000"/>
+                          </a:solidFill>
+                          <a:effectLst/>
+                          <a:latin typeface="Calibri"/>
+                        </a:rPr>
+                        <a:t>mean Number</a:t>
+                      </a:r>
+                    </a:p>
+                  </a:txBody>
+                  <a:tcPr marL="9525" marR="9525" marT="9525" marB="0" anchor="b"/>
+                </a:tc>
+                <a:tc>
+                  <a:txBody>
+                    <a:bodyPr/>
+                    <a:lstStyle/>
+                    <a:p>
+                      <a:pPr algn="r" fontAlgn="b"/>
+                      <a:r>
+                        <a:rPr lang="en-US" sz="1600" b="0" i="0" u="none" strike="noStrike">
+                          <a:solidFill>
+                            <a:srgbClr val="000000"/>
+                          </a:solidFill>
+                          <a:effectLst/>
+                          <a:latin typeface="Calibri"/>
+                        </a:rPr>
+                        <a:t>0.0688</a:t>
+                      </a:r>
+                    </a:p>
+                  </a:txBody>
+                  <a:tcPr marL="9525" marR="9525" marT="9525" marB="0" anchor="b"/>
+                </a:tc>
+              </a:tr>
+              <a:tr h="36830">
+                <a:tc>
+                  <a:txBody>
+                    <a:bodyPr/>
+                    <a:lstStyle/>
+                    <a:p>
+                      <a:pPr algn="l" fontAlgn="b"/>
+                      <a:r>
+                        <a:rPr lang="en-US" sz="1600" b="0" i="0" u="none" strike="noStrike" dirty="0">
+                          <a:solidFill>
+                            <a:srgbClr val="000000"/>
+                          </a:solidFill>
+                          <a:effectLst/>
+                          <a:latin typeface="Calibri"/>
+                        </a:rPr>
+                        <a:t>mean </a:t>
+                      </a:r>
+                      <a:r>
+                        <a:rPr lang="en-US" sz="1600" b="0" i="0" u="none" strike="noStrike" dirty="0" err="1">
+                          <a:solidFill>
+                            <a:srgbClr val="000000"/>
+                          </a:solidFill>
+                          <a:effectLst/>
+                          <a:latin typeface="Calibri"/>
+                        </a:rPr>
+                        <a:t>MeltingT</a:t>
+                      </a:r>
+                      <a:endParaRPr lang="en-US" sz="1600" b="0" i="0" u="none" strike="noStrike" dirty="0">
+                        <a:solidFill>
+                          <a:srgbClr val="000000"/>
+                        </a:solidFill>
+                        <a:effectLst/>
+                        <a:latin typeface="Calibri"/>
+                      </a:endParaRPr>
+                    </a:p>
+                  </a:txBody>
+                  <a:tcPr marL="9525" marR="9525" marT="9525" marB="0" anchor="b"/>
+                </a:tc>
+                <a:tc>
+                  <a:txBody>
+                    <a:bodyPr/>
+                    <a:lstStyle/>
+                    <a:p>
+                      <a:pPr algn="r" fontAlgn="b"/>
+                      <a:r>
+                        <a:rPr lang="en-US" sz="1600" b="0" i="0" u="none" strike="noStrike">
+                          <a:solidFill>
+                            <a:srgbClr val="000000"/>
+                          </a:solidFill>
+                          <a:effectLst/>
+                          <a:latin typeface="Calibri"/>
+                        </a:rPr>
+                        <a:t>0.0558</a:t>
+                      </a:r>
+                    </a:p>
+                  </a:txBody>
+                  <a:tcPr marL="9525" marR="9525" marT="9525" marB="0" anchor="b"/>
+                </a:tc>
+              </a:tr>
+              <a:tr h="0">
+                <a:tc>
+                  <a:txBody>
+                    <a:bodyPr/>
+                    <a:lstStyle/>
+                    <a:p>
+                      <a:pPr algn="l" fontAlgn="b"/>
+                      <a:r>
+                        <a:rPr lang="en-US" sz="1600" b="0" i="0" u="none" strike="noStrike" dirty="0">
+                          <a:solidFill>
+                            <a:srgbClr val="000000"/>
+                          </a:solidFill>
+                          <a:effectLst/>
+                          <a:latin typeface="Calibri"/>
+                        </a:rPr>
+                        <a:t>mean </a:t>
+                      </a:r>
+                      <a:r>
+                        <a:rPr lang="en-US" sz="1600" b="0" i="0" u="none" strike="noStrike" dirty="0" err="1">
+                          <a:solidFill>
+                            <a:srgbClr val="000000"/>
+                          </a:solidFill>
+                          <a:effectLst/>
+                          <a:latin typeface="Calibri"/>
+                        </a:rPr>
+                        <a:t>NdValence</a:t>
+                      </a:r>
+                      <a:endParaRPr lang="en-US" sz="1600" b="0" i="0" u="none" strike="noStrike" dirty="0">
+                        <a:solidFill>
+                          <a:srgbClr val="000000"/>
+                        </a:solidFill>
+                        <a:effectLst/>
+                        <a:latin typeface="Calibri"/>
+                      </a:endParaRPr>
+                    </a:p>
+                  </a:txBody>
+                  <a:tcPr marL="9525" marR="9525" marT="9525" marB="0" anchor="b"/>
+                </a:tc>
+                <a:tc>
+                  <a:txBody>
+                    <a:bodyPr/>
+                    <a:lstStyle/>
+                    <a:p>
+                      <a:pPr algn="r" fontAlgn="b"/>
+                      <a:r>
+                        <a:rPr lang="en-US" sz="1600" b="0" i="0" u="none" strike="noStrike">
+                          <a:solidFill>
+                            <a:srgbClr val="000000"/>
+                          </a:solidFill>
+                          <a:effectLst/>
+                          <a:latin typeface="Calibri"/>
+                        </a:rPr>
+                        <a:t>0.0497</a:t>
+                      </a:r>
+                    </a:p>
+                  </a:txBody>
+                  <a:tcPr marL="9525" marR="9525" marT="9525" marB="0" anchor="b"/>
+                </a:tc>
+              </a:tr>
+              <a:tr h="63500">
+                <a:tc>
+                  <a:txBody>
+                    <a:bodyPr/>
+                    <a:lstStyle/>
+                    <a:p>
+                      <a:pPr algn="l" fontAlgn="b"/>
+                      <a:r>
+                        <a:rPr lang="en-US" sz="1600" b="0" i="0" u="none" strike="noStrike" dirty="0">
+                          <a:solidFill>
+                            <a:srgbClr val="000000"/>
+                          </a:solidFill>
+                          <a:effectLst/>
+                          <a:latin typeface="Calibri"/>
+                        </a:rPr>
+                        <a:t>mean Row</a:t>
+                      </a:r>
+                    </a:p>
+                  </a:txBody>
+                  <a:tcPr marL="9525" marR="9525" marT="9525" marB="0" anchor="b"/>
+                </a:tc>
+                <a:tc>
+                  <a:txBody>
+                    <a:bodyPr/>
+                    <a:lstStyle/>
+                    <a:p>
+                      <a:pPr algn="r" fontAlgn="b"/>
+                      <a:r>
+                        <a:rPr lang="en-US" sz="1600" b="0" i="0" u="none" strike="noStrike">
+                          <a:solidFill>
+                            <a:srgbClr val="000000"/>
+                          </a:solidFill>
+                          <a:effectLst/>
+                          <a:latin typeface="Calibri"/>
+                        </a:rPr>
+                        <a:t>0.0461</a:t>
+                      </a:r>
+                    </a:p>
+                  </a:txBody>
+                  <a:tcPr marL="9525" marR="9525" marT="9525" marB="0" anchor="b"/>
+                </a:tc>
+              </a:tr>
+              <a:tr h="38735">
+                <a:tc>
+                  <a:txBody>
+                    <a:bodyPr/>
+                    <a:lstStyle/>
+                    <a:p>
+                      <a:pPr algn="l" fontAlgn="b"/>
+                      <a:r>
+                        <a:rPr lang="en-US" sz="1600" b="0" i="0" u="none" strike="noStrike" dirty="0" err="1">
+                          <a:solidFill>
+                            <a:srgbClr val="000000"/>
+                          </a:solidFill>
+                          <a:effectLst/>
+                          <a:latin typeface="Calibri"/>
+                        </a:rPr>
+                        <a:t>avg</a:t>
+                      </a:r>
+                      <a:r>
+                        <a:rPr lang="en-US" sz="1600" b="0" i="0" u="none" strike="noStrike" dirty="0">
+                          <a:solidFill>
+                            <a:srgbClr val="000000"/>
+                          </a:solidFill>
+                          <a:effectLst/>
+                          <a:latin typeface="Calibri"/>
+                        </a:rPr>
+                        <a:t> d valence electrons</a:t>
+                      </a:r>
+                    </a:p>
+                  </a:txBody>
+                  <a:tcPr marL="9525" marR="9525" marT="9525" marB="0" anchor="b"/>
+                </a:tc>
+                <a:tc>
+                  <a:txBody>
+                    <a:bodyPr/>
+                    <a:lstStyle/>
+                    <a:p>
+                      <a:pPr algn="r" fontAlgn="b"/>
+                      <a:r>
+                        <a:rPr lang="en-US" sz="1600" b="0" i="0" u="none" strike="noStrike">
+                          <a:solidFill>
+                            <a:srgbClr val="000000"/>
+                          </a:solidFill>
+                          <a:effectLst/>
+                          <a:latin typeface="Calibri"/>
+                        </a:rPr>
+                        <a:t>0.0390</a:t>
+                      </a:r>
+                    </a:p>
+                  </a:txBody>
+                  <a:tcPr marL="9525" marR="9525" marT="9525" marB="0" anchor="b"/>
+                </a:tc>
+              </a:tr>
+              <a:tr h="166370">
+                <a:tc>
+                  <a:txBody>
+                    <a:bodyPr/>
+                    <a:lstStyle/>
+                    <a:p>
+                      <a:pPr algn="l" fontAlgn="b"/>
+                      <a:r>
+                        <a:rPr lang="en-US" sz="1600" b="0" i="0" u="none" strike="noStrike" dirty="0">
+                          <a:solidFill>
+                            <a:srgbClr val="000000"/>
+                          </a:solidFill>
+                          <a:effectLst/>
+                          <a:latin typeface="Calibri"/>
+                        </a:rPr>
+                        <a:t>mode </a:t>
+                      </a:r>
+                      <a:r>
+                        <a:rPr lang="en-US" sz="1600" b="0" i="0" u="none" strike="noStrike" dirty="0" err="1">
+                          <a:solidFill>
+                            <a:srgbClr val="000000"/>
+                          </a:solidFill>
+                          <a:effectLst/>
+                          <a:latin typeface="Calibri"/>
+                        </a:rPr>
+                        <a:t>MendeleevNumber</a:t>
+                      </a:r>
+                      <a:endParaRPr lang="en-US" sz="1600" b="0" i="0" u="none" strike="noStrike" dirty="0">
+                        <a:solidFill>
+                          <a:srgbClr val="000000"/>
+                        </a:solidFill>
+                        <a:effectLst/>
+                        <a:latin typeface="Calibri"/>
+                      </a:endParaRPr>
+                    </a:p>
+                  </a:txBody>
+                  <a:tcPr marL="9525" marR="9525" marT="9525" marB="0" anchor="b"/>
+                </a:tc>
+                <a:tc>
+                  <a:txBody>
+                    <a:bodyPr/>
+                    <a:lstStyle/>
+                    <a:p>
+                      <a:pPr algn="r" fontAlgn="b"/>
+                      <a:r>
+                        <a:rPr lang="en-US" sz="1600" b="0" i="0" u="none" strike="noStrike">
+                          <a:solidFill>
+                            <a:srgbClr val="000000"/>
+                          </a:solidFill>
+                          <a:effectLst/>
+                          <a:latin typeface="Calibri"/>
+                        </a:rPr>
+                        <a:t>0.0339</a:t>
+                      </a:r>
+                    </a:p>
+                  </a:txBody>
+                  <a:tcPr marL="9525" marR="9525" marT="9525" marB="0" anchor="b"/>
+                </a:tc>
+              </a:tr>
+              <a:tr h="0">
+                <a:tc>
+                  <a:txBody>
+                    <a:bodyPr/>
+                    <a:lstStyle/>
+                    <a:p>
+                      <a:pPr algn="l" fontAlgn="b"/>
+                      <a:r>
+                        <a:rPr lang="en-US" sz="1600" b="0" i="0" u="none" strike="noStrike">
+                          <a:solidFill>
+                            <a:srgbClr val="000000"/>
+                          </a:solidFill>
+                          <a:effectLst/>
+                          <a:latin typeface="Calibri"/>
+                        </a:rPr>
+                        <a:t>mode MeltingT</a:t>
+                      </a:r>
+                    </a:p>
+                  </a:txBody>
+                  <a:tcPr marL="9525" marR="9525" marT="9525" marB="0" anchor="b"/>
+                </a:tc>
+                <a:tc>
+                  <a:txBody>
+                    <a:bodyPr/>
+                    <a:lstStyle/>
+                    <a:p>
+                      <a:pPr algn="r" fontAlgn="b"/>
+                      <a:r>
+                        <a:rPr lang="en-US" sz="1600" b="0" i="0" u="none" strike="noStrike">
+                          <a:solidFill>
+                            <a:srgbClr val="000000"/>
+                          </a:solidFill>
+                          <a:effectLst/>
+                          <a:latin typeface="Calibri"/>
+                        </a:rPr>
+                        <a:t>0.0335</a:t>
+                      </a:r>
+                    </a:p>
+                  </a:txBody>
+                  <a:tcPr marL="9525" marR="9525" marT="9525" marB="0" anchor="b"/>
+                </a:tc>
+              </a:tr>
+              <a:tr h="40640">
+                <a:tc>
+                  <a:txBody>
+                    <a:bodyPr/>
+                    <a:lstStyle/>
+                    <a:p>
+                      <a:pPr algn="l" fontAlgn="b"/>
+                      <a:r>
+                        <a:rPr lang="en-US" sz="1600" b="0" i="0" u="none" strike="noStrike">
+                          <a:solidFill>
+                            <a:srgbClr val="000000"/>
+                          </a:solidFill>
+                          <a:effectLst/>
+                          <a:latin typeface="Calibri"/>
+                        </a:rPr>
+                        <a:t>mean Electronegativity</a:t>
+                      </a:r>
+                    </a:p>
+                  </a:txBody>
+                  <a:tcPr marL="9525" marR="9525" marT="9525" marB="0" anchor="b"/>
+                </a:tc>
+                <a:tc>
+                  <a:txBody>
+                    <a:bodyPr/>
+                    <a:lstStyle/>
+                    <a:p>
+                      <a:pPr algn="r" fontAlgn="b"/>
+                      <a:r>
+                        <a:rPr lang="en-US" sz="1600" b="0" i="0" u="none" strike="noStrike">
+                          <a:solidFill>
+                            <a:srgbClr val="000000"/>
+                          </a:solidFill>
+                          <a:effectLst/>
+                          <a:latin typeface="Calibri"/>
+                        </a:rPr>
+                        <a:t>0.0305</a:t>
+                      </a:r>
+                    </a:p>
+                  </a:txBody>
+                  <a:tcPr marL="9525" marR="9525" marT="9525" marB="0" anchor="b"/>
+                </a:tc>
+              </a:tr>
+              <a:tr h="40640">
+                <a:tc>
+                  <a:txBody>
+                    <a:bodyPr/>
+                    <a:lstStyle/>
+                    <a:p>
+                      <a:pPr algn="l" fontAlgn="b"/>
+                      <a:r>
+                        <a:rPr lang="en-US" sz="1600" b="0" i="0" u="none" strike="noStrike">
+                          <a:solidFill>
+                            <a:srgbClr val="000000"/>
+                          </a:solidFill>
+                          <a:effectLst/>
+                          <a:latin typeface="Calibri"/>
+                        </a:rPr>
+                        <a:t>mean CovalentRadius</a:t>
+                      </a:r>
+                    </a:p>
+                  </a:txBody>
+                  <a:tcPr marL="9525" marR="9525" marT="9525" marB="0" anchor="b"/>
+                </a:tc>
+                <a:tc>
+                  <a:txBody>
+                    <a:bodyPr/>
+                    <a:lstStyle/>
+                    <a:p>
+                      <a:pPr algn="r" fontAlgn="b"/>
+                      <a:r>
+                        <a:rPr lang="en-US" sz="1600" b="0" i="0" u="none" strike="noStrike" dirty="0">
+                          <a:solidFill>
+                            <a:srgbClr val="000000"/>
+                          </a:solidFill>
+                          <a:effectLst/>
+                          <a:latin typeface="Calibri"/>
+                        </a:rPr>
+                        <a:t>0.0202</a:t>
+                      </a:r>
+                    </a:p>
+                  </a:txBody>
+                  <a:tcPr marL="9525" marR="9525" marT="9525" marB="0" anchor="b"/>
+                </a:tc>
+              </a:tr>
+            </a:tbl>
+          </a:graphicData>
+        </a:graphic>
+      </p:graphicFrame>
+      <p:graphicFrame>
+        <p:nvGraphicFramePr>
+          <p:cNvPr id="7" name="Table 6"/>
+          <p:cNvGraphicFramePr>
+            <a:graphicFrameLocks noGrp="1"/>
+          </p:cNvGraphicFramePr>
+          <p:nvPr>
+            <p:extLst>
+              <p:ext uri="{D42A27DB-BD31-4B8C-83A1-F6EECF244321}">
+                <p14:modId xmlns:p14="http://schemas.microsoft.com/office/powerpoint/2010/main" val="1635951985"/>
+              </p:ext>
+            </p:extLst>
+          </p:nvPr>
+        </p:nvGraphicFramePr>
+        <p:xfrm>
+          <a:off x="914400" y="2330638"/>
+          <a:ext cx="3110416" cy="2651125"/>
+        </p:xfrm>
+        <a:graphic>
+          <a:graphicData uri="http://schemas.openxmlformats.org/drawingml/2006/table">
+            <a:tbl>
+              <a:tblPr firstRow="1" bandRow="1">
+                <a:tableStyleId>{5C22544A-7EE6-4342-B048-85BDC9FD1C3A}</a:tableStyleId>
+              </a:tblPr>
+              <a:tblGrid>
+                <a:gridCol w="1981200"/>
+                <a:gridCol w="1129216"/>
+              </a:tblGrid>
+              <a:tr h="370840">
+                <a:tc>
+                  <a:txBody>
+                    <a:bodyPr/>
+                    <a:lstStyle/>
+                    <a:p>
+                      <a:pPr algn="l" fontAlgn="b"/>
+                      <a:r>
+                        <a:rPr lang="en-US" sz="1800" b="1" i="0" u="none" strike="noStrike" dirty="0">
+                          <a:solidFill>
+                            <a:schemeClr val="bg1"/>
+                          </a:solidFill>
+                          <a:effectLst/>
+                          <a:latin typeface="Calibri"/>
+                        </a:rPr>
+                        <a:t>Full Model</a:t>
+                      </a:r>
+                    </a:p>
+                  </a:txBody>
+                  <a:tcPr marL="9525" marR="9525" marT="9525" marB="0" anchor="b"/>
+                </a:tc>
+                <a:tc>
+                  <a:txBody>
+                    <a:bodyPr/>
+                    <a:lstStyle/>
+                    <a:p>
+                      <a:pPr algn="l" fontAlgn="b"/>
+                      <a:r>
+                        <a:rPr lang="en-US" sz="1800" b="1" i="0" u="none" strike="noStrike" dirty="0" smtClean="0">
+                          <a:solidFill>
+                            <a:schemeClr val="bg1"/>
+                          </a:solidFill>
+                          <a:effectLst/>
+                          <a:latin typeface="Calibri"/>
+                        </a:rPr>
+                        <a:t>Importance</a:t>
+                      </a:r>
+                      <a:endParaRPr lang="en-US" sz="1800" b="1" i="0" u="none" strike="noStrike" dirty="0">
+                        <a:solidFill>
+                          <a:schemeClr val="bg1"/>
+                        </a:solidFill>
+                        <a:effectLst/>
+                        <a:latin typeface="Calibri"/>
+                      </a:endParaRPr>
+                    </a:p>
+                  </a:txBody>
+                  <a:tcPr marL="9525" marR="9525" marT="9525" marB="0" anchor="b"/>
+                </a:tc>
+              </a:tr>
+              <a:tr h="86360">
+                <a:tc>
+                  <a:txBody>
+                    <a:bodyPr/>
+                    <a:lstStyle/>
+                    <a:p>
+                      <a:pPr algn="l" fontAlgn="b"/>
+                      <a:r>
+                        <a:rPr lang="en-US" sz="1600" b="0" i="0" u="none" strike="noStrike" dirty="0">
+                          <a:solidFill>
+                            <a:srgbClr val="000000"/>
+                          </a:solidFill>
+                          <a:effectLst/>
+                          <a:latin typeface="Calibri"/>
+                        </a:rPr>
+                        <a:t>mode Number</a:t>
+                      </a:r>
+                    </a:p>
+                  </a:txBody>
+                  <a:tcPr marL="9525" marR="9525" marT="9525" marB="0" anchor="b"/>
+                </a:tc>
+                <a:tc>
+                  <a:txBody>
+                    <a:bodyPr/>
+                    <a:lstStyle/>
+                    <a:p>
+                      <a:pPr algn="r" fontAlgn="b"/>
+                      <a:r>
+                        <a:rPr lang="en-US" sz="1600" b="0" i="0" u="none" strike="noStrike" dirty="0">
+                          <a:solidFill>
+                            <a:srgbClr val="000000"/>
+                          </a:solidFill>
+                          <a:effectLst/>
+                          <a:latin typeface="Calibri"/>
+                        </a:rPr>
+                        <a:t>0.0605</a:t>
+                      </a:r>
+                    </a:p>
+                  </a:txBody>
+                  <a:tcPr marL="9525" marR="9525" marT="9525" marB="0" anchor="b"/>
+                </a:tc>
+              </a:tr>
+              <a:tr h="61595">
+                <a:tc>
+                  <a:txBody>
+                    <a:bodyPr/>
+                    <a:lstStyle/>
+                    <a:p>
+                      <a:pPr algn="l" fontAlgn="b"/>
+                      <a:r>
+                        <a:rPr lang="en-US" sz="1600" b="0" i="0" u="none" strike="noStrike" dirty="0">
+                          <a:solidFill>
+                            <a:srgbClr val="000000"/>
+                          </a:solidFill>
+                          <a:effectLst/>
+                          <a:latin typeface="Calibri"/>
+                        </a:rPr>
+                        <a:t>mode </a:t>
+                      </a:r>
+                      <a:r>
+                        <a:rPr lang="en-US" sz="1600" b="0" i="0" u="none" strike="noStrike" dirty="0" err="1">
+                          <a:solidFill>
+                            <a:srgbClr val="000000"/>
+                          </a:solidFill>
+                          <a:effectLst/>
+                          <a:latin typeface="Calibri"/>
+                        </a:rPr>
+                        <a:t>AtomicWeight</a:t>
+                      </a:r>
+                      <a:endParaRPr lang="en-US" sz="1600" b="0" i="0" u="none" strike="noStrike" dirty="0">
+                        <a:solidFill>
+                          <a:srgbClr val="000000"/>
+                        </a:solidFill>
+                        <a:effectLst/>
+                        <a:latin typeface="Calibri"/>
+                      </a:endParaRPr>
+                    </a:p>
+                  </a:txBody>
+                  <a:tcPr marL="9525" marR="9525" marT="9525" marB="0" anchor="b"/>
+                </a:tc>
+                <a:tc>
+                  <a:txBody>
+                    <a:bodyPr/>
+                    <a:lstStyle/>
+                    <a:p>
+                      <a:pPr algn="r" fontAlgn="b"/>
+                      <a:r>
+                        <a:rPr lang="en-US" sz="1600" b="0" i="0" u="none" strike="noStrike">
+                          <a:solidFill>
+                            <a:srgbClr val="000000"/>
+                          </a:solidFill>
+                          <a:effectLst/>
+                          <a:latin typeface="Calibri"/>
+                        </a:rPr>
+                        <a:t>0.0603</a:t>
+                      </a:r>
+                    </a:p>
+                  </a:txBody>
+                  <a:tcPr marL="9525" marR="9525" marT="9525" marB="0" anchor="b"/>
+                </a:tc>
+              </a:tr>
+              <a:tr h="36830">
+                <a:tc>
+                  <a:txBody>
+                    <a:bodyPr/>
+                    <a:lstStyle/>
+                    <a:p>
+                      <a:pPr algn="l" fontAlgn="b"/>
+                      <a:r>
+                        <a:rPr lang="en-US" sz="1600" b="0" i="0" u="none" strike="noStrike" dirty="0">
+                          <a:solidFill>
+                            <a:srgbClr val="000000"/>
+                          </a:solidFill>
+                          <a:effectLst/>
+                          <a:latin typeface="Calibri"/>
+                        </a:rPr>
+                        <a:t>mean </a:t>
+                      </a:r>
+                      <a:r>
+                        <a:rPr lang="en-US" sz="1600" b="0" i="0" u="none" strike="noStrike" dirty="0" err="1">
+                          <a:solidFill>
+                            <a:srgbClr val="000000"/>
+                          </a:solidFill>
+                          <a:effectLst/>
+                          <a:latin typeface="Calibri"/>
+                        </a:rPr>
+                        <a:t>NValence</a:t>
+                      </a:r>
+                      <a:endParaRPr lang="en-US" sz="1600" b="0" i="0" u="none" strike="noStrike" dirty="0">
+                        <a:solidFill>
+                          <a:srgbClr val="000000"/>
+                        </a:solidFill>
+                        <a:effectLst/>
+                        <a:latin typeface="Calibri"/>
+                      </a:endParaRPr>
+                    </a:p>
+                  </a:txBody>
+                  <a:tcPr marL="9525" marR="9525" marT="9525" marB="0" anchor="b"/>
+                </a:tc>
+                <a:tc>
+                  <a:txBody>
+                    <a:bodyPr/>
+                    <a:lstStyle/>
+                    <a:p>
+                      <a:pPr algn="r" fontAlgn="b"/>
+                      <a:r>
+                        <a:rPr lang="en-US" sz="1600" b="0" i="0" u="none" strike="noStrike">
+                          <a:solidFill>
+                            <a:srgbClr val="000000"/>
+                          </a:solidFill>
+                          <a:effectLst/>
+                          <a:latin typeface="Calibri"/>
+                        </a:rPr>
+                        <a:t>0.0566</a:t>
+                      </a:r>
+                    </a:p>
+                  </a:txBody>
+                  <a:tcPr marL="9525" marR="9525" marT="9525" marB="0" anchor="b"/>
+                </a:tc>
+              </a:tr>
+              <a:tr h="0">
+                <a:tc>
+                  <a:txBody>
+                    <a:bodyPr/>
+                    <a:lstStyle/>
+                    <a:p>
+                      <a:pPr algn="l" fontAlgn="b"/>
+                      <a:r>
+                        <a:rPr lang="en-US" sz="1600" b="0" i="0" u="none" strike="noStrike" dirty="0">
+                          <a:solidFill>
+                            <a:srgbClr val="000000"/>
+                          </a:solidFill>
+                          <a:effectLst/>
+                          <a:latin typeface="Calibri"/>
+                        </a:rPr>
+                        <a:t>mode </a:t>
+                      </a:r>
+                      <a:r>
+                        <a:rPr lang="en-US" sz="1600" b="0" i="0" u="none" strike="noStrike" dirty="0" err="1">
+                          <a:solidFill>
+                            <a:srgbClr val="000000"/>
+                          </a:solidFill>
+                          <a:effectLst/>
+                          <a:latin typeface="Calibri"/>
+                        </a:rPr>
+                        <a:t>NValence</a:t>
+                      </a:r>
+                      <a:endParaRPr lang="en-US" sz="1600" b="0" i="0" u="none" strike="noStrike" dirty="0">
+                        <a:solidFill>
+                          <a:srgbClr val="000000"/>
+                        </a:solidFill>
+                        <a:effectLst/>
+                        <a:latin typeface="Calibri"/>
+                      </a:endParaRPr>
+                    </a:p>
+                  </a:txBody>
+                  <a:tcPr marL="9525" marR="9525" marT="9525" marB="0" anchor="b"/>
+                </a:tc>
+                <a:tc>
+                  <a:txBody>
+                    <a:bodyPr/>
+                    <a:lstStyle/>
+                    <a:p>
+                      <a:pPr algn="r" fontAlgn="b"/>
+                      <a:r>
+                        <a:rPr lang="en-US" sz="1600" b="0" i="0" u="none" strike="noStrike">
+                          <a:solidFill>
+                            <a:srgbClr val="000000"/>
+                          </a:solidFill>
+                          <a:effectLst/>
+                          <a:latin typeface="Calibri"/>
+                        </a:rPr>
+                        <a:t>0.0538</a:t>
+                      </a:r>
+                    </a:p>
+                  </a:txBody>
+                  <a:tcPr marL="9525" marR="9525" marT="9525" marB="0" anchor="b"/>
+                </a:tc>
+              </a:tr>
+              <a:tr h="63500">
+                <a:tc>
+                  <a:txBody>
+                    <a:bodyPr/>
+                    <a:lstStyle/>
+                    <a:p>
+                      <a:pPr algn="l" fontAlgn="b"/>
+                      <a:r>
+                        <a:rPr lang="en-US" sz="1600" b="0" i="0" u="none" strike="noStrike" dirty="0">
+                          <a:solidFill>
+                            <a:srgbClr val="000000"/>
+                          </a:solidFill>
+                          <a:effectLst/>
+                          <a:latin typeface="Calibri"/>
+                        </a:rPr>
+                        <a:t>mean Number</a:t>
+                      </a:r>
+                    </a:p>
+                  </a:txBody>
+                  <a:tcPr marL="9525" marR="9525" marT="9525" marB="0" anchor="b"/>
+                </a:tc>
+                <a:tc>
+                  <a:txBody>
+                    <a:bodyPr/>
+                    <a:lstStyle/>
+                    <a:p>
+                      <a:pPr algn="r" fontAlgn="b"/>
+                      <a:r>
+                        <a:rPr lang="en-US" sz="1600" b="0" i="0" u="none" strike="noStrike">
+                          <a:solidFill>
+                            <a:srgbClr val="000000"/>
+                          </a:solidFill>
+                          <a:effectLst/>
+                          <a:latin typeface="Calibri"/>
+                        </a:rPr>
+                        <a:t>0.0409</a:t>
+                      </a:r>
+                    </a:p>
+                  </a:txBody>
+                  <a:tcPr marL="9525" marR="9525" marT="9525" marB="0" anchor="b"/>
+                </a:tc>
+              </a:tr>
+              <a:tr h="38735">
+                <a:tc>
+                  <a:txBody>
+                    <a:bodyPr/>
+                    <a:lstStyle/>
+                    <a:p>
+                      <a:pPr algn="l" fontAlgn="b"/>
+                      <a:r>
+                        <a:rPr lang="en-US" sz="1600" b="0" i="0" u="none" strike="noStrike" dirty="0">
+                          <a:solidFill>
+                            <a:srgbClr val="000000"/>
+                          </a:solidFill>
+                          <a:effectLst/>
+                          <a:latin typeface="Calibri"/>
+                        </a:rPr>
+                        <a:t>mean Electronegativity</a:t>
+                      </a:r>
+                    </a:p>
+                  </a:txBody>
+                  <a:tcPr marL="9525" marR="9525" marT="9525" marB="0" anchor="b"/>
+                </a:tc>
+                <a:tc>
+                  <a:txBody>
+                    <a:bodyPr/>
+                    <a:lstStyle/>
+                    <a:p>
+                      <a:pPr algn="r" fontAlgn="b"/>
+                      <a:r>
+                        <a:rPr lang="en-US" sz="1600" b="0" i="0" u="none" strike="noStrike">
+                          <a:solidFill>
+                            <a:srgbClr val="000000"/>
+                          </a:solidFill>
+                          <a:effectLst/>
+                          <a:latin typeface="Calibri"/>
+                        </a:rPr>
+                        <a:t>0.0304</a:t>
+                      </a:r>
+                    </a:p>
+                  </a:txBody>
+                  <a:tcPr marL="9525" marR="9525" marT="9525" marB="0" anchor="b"/>
+                </a:tc>
+              </a:tr>
+              <a:tr h="166370">
+                <a:tc>
+                  <a:txBody>
+                    <a:bodyPr/>
+                    <a:lstStyle/>
+                    <a:p>
+                      <a:pPr algn="l" fontAlgn="b"/>
+                      <a:r>
+                        <a:rPr lang="en-US" sz="1600" b="0" i="0" u="none" strike="noStrike" dirty="0">
+                          <a:solidFill>
+                            <a:srgbClr val="000000"/>
+                          </a:solidFill>
+                          <a:effectLst/>
+                          <a:latin typeface="Calibri"/>
+                        </a:rPr>
+                        <a:t>mean </a:t>
+                      </a:r>
+                      <a:r>
+                        <a:rPr lang="en-US" sz="1600" b="0" i="0" u="none" strike="noStrike" dirty="0" err="1">
+                          <a:solidFill>
+                            <a:srgbClr val="000000"/>
+                          </a:solidFill>
+                          <a:effectLst/>
+                          <a:latin typeface="Calibri"/>
+                        </a:rPr>
+                        <a:t>AtomicWeight</a:t>
+                      </a:r>
+                      <a:endParaRPr lang="en-US" sz="1600" b="0" i="0" u="none" strike="noStrike" dirty="0">
+                        <a:solidFill>
+                          <a:srgbClr val="000000"/>
+                        </a:solidFill>
+                        <a:effectLst/>
+                        <a:latin typeface="Calibri"/>
+                      </a:endParaRPr>
+                    </a:p>
+                  </a:txBody>
+                  <a:tcPr marL="9525" marR="9525" marT="9525" marB="0" anchor="b"/>
+                </a:tc>
+                <a:tc>
+                  <a:txBody>
+                    <a:bodyPr/>
+                    <a:lstStyle/>
+                    <a:p>
+                      <a:pPr algn="r" fontAlgn="b"/>
+                      <a:r>
+                        <a:rPr lang="en-US" sz="1600" b="0" i="0" u="none" strike="noStrike">
+                          <a:solidFill>
+                            <a:srgbClr val="000000"/>
+                          </a:solidFill>
+                          <a:effectLst/>
+                          <a:latin typeface="Calibri"/>
+                        </a:rPr>
+                        <a:t>0.0302</a:t>
+                      </a:r>
+                    </a:p>
+                  </a:txBody>
+                  <a:tcPr marL="9525" marR="9525" marT="9525" marB="0" anchor="b"/>
+                </a:tc>
+              </a:tr>
+              <a:tr h="0">
+                <a:tc>
+                  <a:txBody>
+                    <a:bodyPr/>
+                    <a:lstStyle/>
+                    <a:p>
+                      <a:pPr algn="l" fontAlgn="b"/>
+                      <a:r>
+                        <a:rPr lang="en-US" sz="1600" b="0" i="0" u="none" strike="noStrike">
+                          <a:solidFill>
+                            <a:srgbClr val="000000"/>
+                          </a:solidFill>
+                          <a:effectLst/>
+                          <a:latin typeface="Calibri"/>
+                        </a:rPr>
+                        <a:t>mode Column</a:t>
+                      </a:r>
+                    </a:p>
+                  </a:txBody>
+                  <a:tcPr marL="9525" marR="9525" marT="9525" marB="0" anchor="b"/>
+                </a:tc>
+                <a:tc>
+                  <a:txBody>
+                    <a:bodyPr/>
+                    <a:lstStyle/>
+                    <a:p>
+                      <a:pPr algn="r" fontAlgn="b"/>
+                      <a:r>
+                        <a:rPr lang="en-US" sz="1600" b="0" i="0" u="none" strike="noStrike">
+                          <a:solidFill>
+                            <a:srgbClr val="000000"/>
+                          </a:solidFill>
+                          <a:effectLst/>
+                          <a:latin typeface="Calibri"/>
+                        </a:rPr>
+                        <a:t>0.0300</a:t>
+                      </a:r>
+                    </a:p>
+                  </a:txBody>
+                  <a:tcPr marL="9525" marR="9525" marT="9525" marB="0" anchor="b"/>
+                </a:tc>
+              </a:tr>
+              <a:tr h="40640">
+                <a:tc>
+                  <a:txBody>
+                    <a:bodyPr/>
+                    <a:lstStyle/>
+                    <a:p>
+                      <a:pPr algn="l" fontAlgn="b"/>
+                      <a:r>
+                        <a:rPr lang="en-US" sz="1600" b="0" i="0" u="none" strike="noStrike">
+                          <a:solidFill>
+                            <a:srgbClr val="000000"/>
+                          </a:solidFill>
+                          <a:effectLst/>
+                          <a:latin typeface="Calibri"/>
+                        </a:rPr>
+                        <a:t>mode MeltingT</a:t>
+                      </a:r>
+                    </a:p>
+                  </a:txBody>
+                  <a:tcPr marL="9525" marR="9525" marT="9525" marB="0" anchor="b"/>
+                </a:tc>
+                <a:tc>
+                  <a:txBody>
+                    <a:bodyPr/>
+                    <a:lstStyle/>
+                    <a:p>
+                      <a:pPr algn="r" fontAlgn="b"/>
+                      <a:r>
+                        <a:rPr lang="en-US" sz="1600" b="0" i="0" u="none" strike="noStrike" dirty="0">
+                          <a:solidFill>
+                            <a:srgbClr val="000000"/>
+                          </a:solidFill>
+                          <a:effectLst/>
+                          <a:latin typeface="Calibri"/>
+                        </a:rPr>
+                        <a:t>0.0274</a:t>
+                      </a:r>
+                    </a:p>
+                  </a:txBody>
+                  <a:tcPr marL="9525" marR="9525" marT="9525" marB="0" anchor="b"/>
+                </a:tc>
+              </a:tr>
+            </a:tbl>
+          </a:graphicData>
+        </a:graphic>
+      </p:graphicFrame>
+    </p:spTree>
+    <p:extLst>
+      <p:ext uri="{BB962C8B-B14F-4D97-AF65-F5344CB8AC3E}">
+        <p14:creationId xmlns:p14="http://schemas.microsoft.com/office/powerpoint/2010/main" val="2687410716"/>
+      </p:ext>
+    </p:extLst>
+  </p:cSld>
+  <p:clrMapOvr>
+    <a:masterClrMapping/>
+  </p:clrMapOvr>
+</p:sld>
+</file>
+
 <file path=ppt/slides/slide3.xml><?xml version="1.0" encoding="utf-8"?>
 <p:sld xmlns:a="http://schemas.openxmlformats.org/drawingml/2006/main" xmlns:r="http://schemas.openxmlformats.org/officeDocument/2006/relationships" xmlns:p="http://schemas.openxmlformats.org/presentationml/2006/main">
   <p:cSld>
@@ -3370,6 +10891,254 @@
           </a:prstGeom>
         </p:spPr>
       </p:pic>
+      <p:sp>
+        <p:nvSpPr>
+          <p:cNvPr id="4" name="TextBox 3"/>
+          <p:cNvSpPr txBox="1"/>
+          <p:nvPr/>
+        </p:nvSpPr>
+        <p:spPr>
+          <a:xfrm>
+            <a:off x="5791200" y="2475406"/>
+            <a:ext cx="2362200" cy="369332"/>
+          </a:xfrm>
+          <a:prstGeom prst="rect">
+            <a:avLst/>
+          </a:prstGeom>
+          <a:noFill/>
+        </p:spPr>
+        <p:txBody>
+          <a:bodyPr wrap="square" rtlCol="0">
+            <a:spAutoFit/>
+          </a:bodyPr>
+          <a:lstStyle/>
+          <a:p>
+            <a:r>
+              <a:rPr lang="en-US" dirty="0" err="1" smtClean="0"/>
+              <a:t>Vegard’s</a:t>
+            </a:r>
+            <a:r>
+              <a:rPr lang="en-US" dirty="0" smtClean="0"/>
+              <a:t> law</a:t>
+            </a:r>
+            <a:endParaRPr lang="en-US" dirty="0"/>
+          </a:p>
+        </p:txBody>
+      </p:sp>
+      <p:sp>
+        <p:nvSpPr>
+          <p:cNvPr id="7" name="Content Placeholder 29"/>
+          <p:cNvSpPr txBox="1">
+            <a:spLocks/>
+          </p:cNvSpPr>
+          <p:nvPr/>
+        </p:nvSpPr>
+        <p:spPr>
+          <a:xfrm>
+            <a:off x="457200" y="1243584"/>
+            <a:ext cx="8108950" cy="2008449"/>
+          </a:xfrm>
+          <a:prstGeom prst="rect">
+            <a:avLst/>
+          </a:prstGeom>
+        </p:spPr>
+        <p:txBody>
+          <a:bodyPr vert="horz" lIns="0" tIns="0" rIns="0" bIns="0" rtlCol="0">
+            <a:normAutofit/>
+          </a:bodyPr>
+          <a:lstStyle>
+            <a:lvl1pPr marL="0" indent="0" algn="l" defTabSz="914400" rtl="0" eaLnBrk="1" latinLnBrk="0" hangingPunct="1">
+              <a:lnSpc>
+                <a:spcPct val="120000"/>
+              </a:lnSpc>
+              <a:spcBef>
+                <a:spcPts val="0"/>
+              </a:spcBef>
+              <a:spcAft>
+                <a:spcPts val="300"/>
+              </a:spcAft>
+              <a:buClr>
+                <a:srgbClr val="981E32"/>
+              </a:buClr>
+              <a:buFont typeface="Arial" pitchFamily="34" charset="0"/>
+              <a:buNone/>
+              <a:defRPr sz="2400" b="0" kern="1200" baseline="0">
+                <a:solidFill>
+                  <a:schemeClr val="tx1"/>
+                </a:solidFill>
+                <a:latin typeface="Arial" pitchFamily="34" charset="0"/>
+                <a:ea typeface="+mn-ea"/>
+                <a:cs typeface="Arial" pitchFamily="34" charset="0"/>
+              </a:defRPr>
+            </a:lvl1pPr>
+            <a:lvl2pPr marL="457200" indent="-223838" algn="l" defTabSz="914400" rtl="0" eaLnBrk="1" latinLnBrk="0" hangingPunct="1">
+              <a:lnSpc>
+                <a:spcPct val="120000"/>
+              </a:lnSpc>
+              <a:spcBef>
+                <a:spcPts val="0"/>
+              </a:spcBef>
+              <a:spcAft>
+                <a:spcPts val="0"/>
+              </a:spcAft>
+              <a:buClr>
+                <a:srgbClr val="981E32"/>
+              </a:buClr>
+              <a:buSzPct val="120000"/>
+              <a:buFont typeface="Arial" pitchFamily="34" charset="0"/>
+              <a:buChar char="•"/>
+              <a:defRPr sz="2200" kern="1200">
+                <a:solidFill>
+                  <a:schemeClr val="tx1"/>
+                </a:solidFill>
+                <a:latin typeface="Arial" pitchFamily="34" charset="0"/>
+                <a:ea typeface="+mn-ea"/>
+                <a:cs typeface="Arial" pitchFamily="34" charset="0"/>
+              </a:defRPr>
+            </a:lvl2pPr>
+            <a:lvl3pPr marL="690563" indent="-233363" algn="l" defTabSz="914400" rtl="0" eaLnBrk="1" latinLnBrk="0" hangingPunct="1">
+              <a:lnSpc>
+                <a:spcPct val="120000"/>
+              </a:lnSpc>
+              <a:spcBef>
+                <a:spcPts val="0"/>
+              </a:spcBef>
+              <a:buClr>
+                <a:srgbClr val="981E32"/>
+              </a:buClr>
+              <a:buSzPct val="120000"/>
+              <a:buFont typeface="Arial" pitchFamily="34" charset="0"/>
+              <a:buChar char="-"/>
+              <a:defRPr sz="2000" b="0" kern="1200">
+                <a:solidFill>
+                  <a:schemeClr val="tx1"/>
+                </a:solidFill>
+                <a:latin typeface="Arial" pitchFamily="34" charset="0"/>
+                <a:ea typeface="+mn-ea"/>
+                <a:cs typeface="Arial" pitchFamily="34" charset="0"/>
+              </a:defRPr>
+            </a:lvl3pPr>
+            <a:lvl4pPr marL="914400" indent="-223838" algn="l" defTabSz="914400" rtl="0" eaLnBrk="1" latinLnBrk="0" hangingPunct="1">
+              <a:lnSpc>
+                <a:spcPct val="120000"/>
+              </a:lnSpc>
+              <a:spcBef>
+                <a:spcPts val="0"/>
+              </a:spcBef>
+              <a:buClr>
+                <a:srgbClr val="981E32"/>
+              </a:buClr>
+              <a:buSzPct val="120000"/>
+              <a:buFont typeface="Arial" pitchFamily="34" charset="0"/>
+              <a:buChar char="•"/>
+              <a:defRPr sz="1800" kern="1200">
+                <a:solidFill>
+                  <a:schemeClr val="tx1"/>
+                </a:solidFill>
+                <a:latin typeface="Arial" pitchFamily="34" charset="0"/>
+                <a:ea typeface="+mn-ea"/>
+                <a:cs typeface="Arial" pitchFamily="34" charset="0"/>
+              </a:defRPr>
+            </a:lvl4pPr>
+            <a:lvl5pPr marL="1147763" indent="-233363" algn="l" defTabSz="914400" rtl="0" eaLnBrk="1" latinLnBrk="0" hangingPunct="1">
+              <a:lnSpc>
+                <a:spcPct val="120000"/>
+              </a:lnSpc>
+              <a:spcBef>
+                <a:spcPts val="0"/>
+              </a:spcBef>
+              <a:buClr>
+                <a:srgbClr val="981E32"/>
+              </a:buClr>
+              <a:buSzPct val="120000"/>
+              <a:buFont typeface="Arial" pitchFamily="34" charset="0"/>
+              <a:buChar char="-"/>
+              <a:defRPr sz="1600" kern="1200">
+                <a:solidFill>
+                  <a:schemeClr val="tx1"/>
+                </a:solidFill>
+                <a:latin typeface="+mn-lt"/>
+                <a:ea typeface="+mn-ea"/>
+                <a:cs typeface="+mn-cs"/>
+              </a:defRPr>
+            </a:lvl5pPr>
+            <a:lvl6pPr marL="2514600" indent="-228600" algn="l" defTabSz="914400" rtl="0" eaLnBrk="1" latinLnBrk="0" hangingPunct="1">
+              <a:spcBef>
+                <a:spcPct val="20000"/>
+              </a:spcBef>
+              <a:buFont typeface="Arial" pitchFamily="34" charset="0"/>
+              <a:buChar char="•"/>
+              <a:defRPr sz="2000" kern="1200">
+                <a:solidFill>
+                  <a:schemeClr val="tx1"/>
+                </a:solidFill>
+                <a:latin typeface="+mn-lt"/>
+                <a:ea typeface="+mn-ea"/>
+                <a:cs typeface="+mn-cs"/>
+              </a:defRPr>
+            </a:lvl6pPr>
+            <a:lvl7pPr marL="2971800" indent="-228600" algn="l" defTabSz="914400" rtl="0" eaLnBrk="1" latinLnBrk="0" hangingPunct="1">
+              <a:spcBef>
+                <a:spcPct val="20000"/>
+              </a:spcBef>
+              <a:buFont typeface="Arial" pitchFamily="34" charset="0"/>
+              <a:buChar char="•"/>
+              <a:defRPr sz="2000" kern="1200">
+                <a:solidFill>
+                  <a:schemeClr val="tx1"/>
+                </a:solidFill>
+                <a:latin typeface="+mn-lt"/>
+                <a:ea typeface="+mn-ea"/>
+                <a:cs typeface="+mn-cs"/>
+              </a:defRPr>
+            </a:lvl7pPr>
+            <a:lvl8pPr marL="3429000" indent="-228600" algn="l" defTabSz="914400" rtl="0" eaLnBrk="1" latinLnBrk="0" hangingPunct="1">
+              <a:spcBef>
+                <a:spcPct val="20000"/>
+              </a:spcBef>
+              <a:buFont typeface="Arial" pitchFamily="34" charset="0"/>
+              <a:buChar char="•"/>
+              <a:defRPr sz="2000" kern="1200">
+                <a:solidFill>
+                  <a:schemeClr val="tx1"/>
+                </a:solidFill>
+                <a:latin typeface="+mn-lt"/>
+                <a:ea typeface="+mn-ea"/>
+                <a:cs typeface="+mn-cs"/>
+              </a:defRPr>
+            </a:lvl8pPr>
+            <a:lvl9pPr marL="3886200" indent="-228600" algn="l" defTabSz="914400" rtl="0" eaLnBrk="1" latinLnBrk="0" hangingPunct="1">
+              <a:spcBef>
+                <a:spcPct val="20000"/>
+              </a:spcBef>
+              <a:buFont typeface="Arial" pitchFamily="34" charset="0"/>
+              <a:buChar char="•"/>
+              <a:defRPr sz="2000" kern="1200">
+                <a:solidFill>
+                  <a:schemeClr val="tx1"/>
+                </a:solidFill>
+                <a:latin typeface="+mn-lt"/>
+                <a:ea typeface="+mn-ea"/>
+                <a:cs typeface="+mn-cs"/>
+              </a:defRPr>
+            </a:lvl9pPr>
+          </a:lstStyle>
+          <a:p>
+            <a:r>
+              <a:rPr lang="en-CA" dirty="0" smtClean="0"/>
+              <a:t>We don’t beat the rule of mixtures quite yet…</a:t>
+            </a:r>
+          </a:p>
+          <a:p>
+            <a:pPr lvl="1"/>
+            <a:endParaRPr lang="en-CA" dirty="0" smtClean="0"/>
+          </a:p>
+          <a:p>
+            <a:pPr lvl="1"/>
+            <a:endParaRPr lang="en-US" dirty="0"/>
+          </a:p>
+        </p:txBody>
+      </p:sp>
     </p:spTree>
     <p:extLst>
       <p:ext uri="{BB962C8B-B14F-4D97-AF65-F5344CB8AC3E}">
@@ -3380,6 +11149,13 @@
   <p:clrMapOvr>
     <a:masterClrMapping/>
   </p:clrMapOvr>
+  <p:timing>
+    <p:tnLst>
+      <p:par>
+        <p:cTn id="1" dur="indefinite" restart="never" nodeType="tmRoot"/>
+      </p:par>
+    </p:tnLst>
+  </p:timing>
 </p:sld>
 </file>
 
@@ -3757,7 +11533,7 @@
         </p:spPr>
         <p:txBody>
           <a:bodyPr vert="horz" lIns="0" tIns="0" rIns="0" bIns="0" rtlCol="0">
-            <a:normAutofit fontScale="92500" lnSpcReduction="20000"/>
+            <a:normAutofit fontScale="92500" lnSpcReduction="10000"/>
           </a:bodyPr>
           <a:lstStyle>
             <a:lvl1pPr marL="0" indent="0" algn="l" defTabSz="914400" rtl="0" eaLnBrk="1" latinLnBrk="0" hangingPunct="1">
@@ -3989,12 +11765,8 @@
               <a:rPr lang="en-CA" dirty="0" smtClean="0">
                 <a:sym typeface="Wingdings" pitchFamily="2" charset="2"/>
               </a:rPr>
-              <a:t>(), which supplies 130 features…. Could cut down significantly for density specifically</a:t>
-            </a:r>
-            <a:endParaRPr lang="en-CA" dirty="0" smtClean="0"/>
-          </a:p>
-          <a:p>
-            <a:pPr lvl="1"/>
+              <a:t>(), which supplies 130 features…. Could cut down significantly</a:t>
+            </a:r>
             <a:endParaRPr lang="en-CA" dirty="0" smtClean="0"/>
           </a:p>
           <a:p>
@@ -4077,6 +11849,13 @@
   <p:clrMapOvr>
     <a:masterClrMapping/>
   </p:clrMapOvr>
+  <p:timing>
+    <p:tnLst>
+      <p:par>
+        <p:cTn id="1" dur="indefinite" restart="never" nodeType="tmRoot"/>
+      </p:par>
+    </p:tnLst>
+  </p:timing>
 </p:sld>
 </file>
 
@@ -4154,8 +11933,8 @@
         </p:nvSpPr>
         <p:spPr>
           <a:xfrm>
-            <a:off x="446567" y="1243584"/>
-            <a:ext cx="5485834" cy="1346744"/>
+            <a:off x="446566" y="1243584"/>
+            <a:ext cx="7325833" cy="1346744"/>
           </a:xfrm>
           <a:prstGeom prst="rect">
             <a:avLst/>
@@ -4353,14 +12132,14 @@
             </a:r>
             <a:r>
               <a:rPr lang="en-US" dirty="0" smtClean="0"/>
-              <a:t> Feats</a:t>
+              <a:t> features</a:t>
             </a:r>
           </a:p>
           <a:p>
             <a:pPr lvl="1"/>
             <a:r>
               <a:rPr lang="en-CA" dirty="0" smtClean="0"/>
-              <a:t>Not much of a change, actually</a:t>
+              <a:t>Not much of a change…</a:t>
             </a:r>
           </a:p>
           <a:p>
@@ -4433,6 +12212,36 @@
           </a:prstGeom>
         </p:spPr>
       </p:pic>
+      <p:sp>
+        <p:nvSpPr>
+          <p:cNvPr id="4" name="TextBox 3"/>
+          <p:cNvSpPr txBox="1"/>
+          <p:nvPr/>
+        </p:nvSpPr>
+        <p:spPr>
+          <a:xfrm>
+            <a:off x="6558402" y="5410200"/>
+            <a:ext cx="2027082" cy="369332"/>
+          </a:xfrm>
+          <a:prstGeom prst="rect">
+            <a:avLst/>
+          </a:prstGeom>
+          <a:noFill/>
+        </p:spPr>
+        <p:txBody>
+          <a:bodyPr wrap="square" rtlCol="0">
+            <a:spAutoFit/>
+          </a:bodyPr>
+          <a:lstStyle/>
+          <a:p>
+            <a:r>
+              <a:rPr lang="en-US" dirty="0" smtClean="0"/>
+              <a:t>All 152 features</a:t>
+            </a:r>
+            <a:endParaRPr lang="en-US" dirty="0"/>
+          </a:p>
+        </p:txBody>
+      </p:sp>
     </p:spTree>
     <p:extLst>
       <p:ext uri="{BB962C8B-B14F-4D97-AF65-F5344CB8AC3E}">
@@ -4443,6 +12252,13 @@
   <p:clrMapOvr>
     <a:masterClrMapping/>
   </p:clrMapOvr>
+  <p:timing>
+    <p:tnLst>
+      <p:par>
+        <p:cTn id="1" dur="indefinite" restart="never" nodeType="tmRoot"/>
+      </p:par>
+    </p:tnLst>
+  </p:timing>
 </p:sld>
 </file>
 
@@ -4519,11 +12335,20 @@
             <p:ph sz="quarter" idx="14"/>
           </p:nvPr>
         </p:nvSpPr>
-        <p:spPr/>
+        <p:spPr>
+          <a:xfrm>
+            <a:off x="762000" y="2234184"/>
+            <a:ext cx="2590800" cy="509016"/>
+          </a:xfrm>
+        </p:spPr>
         <p:txBody>
           <a:bodyPr/>
           <a:lstStyle/>
           <a:p>
+            <a:r>
+              <a:rPr lang="en-US" dirty="0" smtClean="0"/>
+              <a:t>Using only mean</a:t>
+            </a:r>
             <a:endParaRPr lang="en-US" dirty="0"/>
           </a:p>
         </p:txBody>
@@ -4588,6 +12413,213 @@
           </a:prstGeom>
         </p:spPr>
       </p:pic>
+      <p:sp>
+        <p:nvSpPr>
+          <p:cNvPr id="7" name="Content Placeholder 3"/>
+          <p:cNvSpPr txBox="1">
+            <a:spLocks/>
+          </p:cNvSpPr>
+          <p:nvPr/>
+        </p:nvSpPr>
+        <p:spPr>
+          <a:xfrm>
+            <a:off x="5791200" y="2234184"/>
+            <a:ext cx="2590800" cy="509016"/>
+          </a:xfrm>
+          <a:prstGeom prst="rect">
+            <a:avLst/>
+          </a:prstGeom>
+        </p:spPr>
+        <p:txBody>
+          <a:bodyPr vert="horz" lIns="0" tIns="0" rIns="0" bIns="0" rtlCol="0">
+            <a:normAutofit/>
+          </a:bodyPr>
+          <a:lstStyle>
+            <a:lvl1pPr marL="0" indent="0" algn="l" defTabSz="914400" rtl="0" eaLnBrk="1" latinLnBrk="0" hangingPunct="1">
+              <a:lnSpc>
+                <a:spcPct val="120000"/>
+              </a:lnSpc>
+              <a:spcBef>
+                <a:spcPts val="0"/>
+              </a:spcBef>
+              <a:spcAft>
+                <a:spcPts val="300"/>
+              </a:spcAft>
+              <a:buClr>
+                <a:srgbClr val="981E32"/>
+              </a:buClr>
+              <a:buFont typeface="Arial" pitchFamily="34" charset="0"/>
+              <a:buNone/>
+              <a:defRPr sz="2400" b="0" kern="1200" baseline="0">
+                <a:solidFill>
+                  <a:schemeClr val="tx1"/>
+                </a:solidFill>
+                <a:latin typeface="Arial" pitchFamily="34" charset="0"/>
+                <a:ea typeface="+mn-ea"/>
+                <a:cs typeface="Arial" pitchFamily="34" charset="0"/>
+              </a:defRPr>
+            </a:lvl1pPr>
+            <a:lvl2pPr marL="457200" indent="-223838" algn="l" defTabSz="914400" rtl="0" eaLnBrk="1" latinLnBrk="0" hangingPunct="1">
+              <a:lnSpc>
+                <a:spcPct val="120000"/>
+              </a:lnSpc>
+              <a:spcBef>
+                <a:spcPts val="0"/>
+              </a:spcBef>
+              <a:spcAft>
+                <a:spcPts val="0"/>
+              </a:spcAft>
+              <a:buClr>
+                <a:srgbClr val="981E32"/>
+              </a:buClr>
+              <a:buSzPct val="120000"/>
+              <a:buFont typeface="Arial" pitchFamily="34" charset="0"/>
+              <a:buChar char="•"/>
+              <a:defRPr sz="2200" kern="1200">
+                <a:solidFill>
+                  <a:schemeClr val="tx1"/>
+                </a:solidFill>
+                <a:latin typeface="Arial" pitchFamily="34" charset="0"/>
+                <a:ea typeface="+mn-ea"/>
+                <a:cs typeface="Arial" pitchFamily="34" charset="0"/>
+              </a:defRPr>
+            </a:lvl2pPr>
+            <a:lvl3pPr marL="690563" indent="-233363" algn="l" defTabSz="914400" rtl="0" eaLnBrk="1" latinLnBrk="0" hangingPunct="1">
+              <a:lnSpc>
+                <a:spcPct val="120000"/>
+              </a:lnSpc>
+              <a:spcBef>
+                <a:spcPts val="0"/>
+              </a:spcBef>
+              <a:buClr>
+                <a:srgbClr val="981E32"/>
+              </a:buClr>
+              <a:buSzPct val="120000"/>
+              <a:buFont typeface="Arial" pitchFamily="34" charset="0"/>
+              <a:buChar char="-"/>
+              <a:defRPr sz="2000" b="0" kern="1200">
+                <a:solidFill>
+                  <a:schemeClr val="tx1"/>
+                </a:solidFill>
+                <a:latin typeface="Arial" pitchFamily="34" charset="0"/>
+                <a:ea typeface="+mn-ea"/>
+                <a:cs typeface="Arial" pitchFamily="34" charset="0"/>
+              </a:defRPr>
+            </a:lvl3pPr>
+            <a:lvl4pPr marL="914400" indent="-223838" algn="l" defTabSz="914400" rtl="0" eaLnBrk="1" latinLnBrk="0" hangingPunct="1">
+              <a:lnSpc>
+                <a:spcPct val="120000"/>
+              </a:lnSpc>
+              <a:spcBef>
+                <a:spcPts val="0"/>
+              </a:spcBef>
+              <a:buClr>
+                <a:srgbClr val="981E32"/>
+              </a:buClr>
+              <a:buSzPct val="120000"/>
+              <a:buFont typeface="Arial" pitchFamily="34" charset="0"/>
+              <a:buChar char="•"/>
+              <a:defRPr sz="1800" kern="1200">
+                <a:solidFill>
+                  <a:schemeClr val="tx1"/>
+                </a:solidFill>
+                <a:latin typeface="Arial" pitchFamily="34" charset="0"/>
+                <a:ea typeface="+mn-ea"/>
+                <a:cs typeface="Arial" pitchFamily="34" charset="0"/>
+              </a:defRPr>
+            </a:lvl4pPr>
+            <a:lvl5pPr marL="1147763" indent="-233363" algn="l" defTabSz="914400" rtl="0" eaLnBrk="1" latinLnBrk="0" hangingPunct="1">
+              <a:lnSpc>
+                <a:spcPct val="120000"/>
+              </a:lnSpc>
+              <a:spcBef>
+                <a:spcPts val="0"/>
+              </a:spcBef>
+              <a:buClr>
+                <a:srgbClr val="981E32"/>
+              </a:buClr>
+              <a:buSzPct val="120000"/>
+              <a:buFont typeface="Arial" pitchFamily="34" charset="0"/>
+              <a:buChar char="-"/>
+              <a:defRPr sz="1600" kern="1200">
+                <a:solidFill>
+                  <a:schemeClr val="tx1"/>
+                </a:solidFill>
+                <a:latin typeface="+mn-lt"/>
+                <a:ea typeface="+mn-ea"/>
+                <a:cs typeface="+mn-cs"/>
+              </a:defRPr>
+            </a:lvl5pPr>
+            <a:lvl6pPr marL="2514600" indent="-228600" algn="l" defTabSz="914400" rtl="0" eaLnBrk="1" latinLnBrk="0" hangingPunct="1">
+              <a:spcBef>
+                <a:spcPct val="20000"/>
+              </a:spcBef>
+              <a:buFont typeface="Arial" pitchFamily="34" charset="0"/>
+              <a:buChar char="•"/>
+              <a:defRPr sz="2000" kern="1200">
+                <a:solidFill>
+                  <a:schemeClr val="tx1"/>
+                </a:solidFill>
+                <a:latin typeface="+mn-lt"/>
+                <a:ea typeface="+mn-ea"/>
+                <a:cs typeface="+mn-cs"/>
+              </a:defRPr>
+            </a:lvl6pPr>
+            <a:lvl7pPr marL="2971800" indent="-228600" algn="l" defTabSz="914400" rtl="0" eaLnBrk="1" latinLnBrk="0" hangingPunct="1">
+              <a:spcBef>
+                <a:spcPct val="20000"/>
+              </a:spcBef>
+              <a:buFont typeface="Arial" pitchFamily="34" charset="0"/>
+              <a:buChar char="•"/>
+              <a:defRPr sz="2000" kern="1200">
+                <a:solidFill>
+                  <a:schemeClr val="tx1"/>
+                </a:solidFill>
+                <a:latin typeface="+mn-lt"/>
+                <a:ea typeface="+mn-ea"/>
+                <a:cs typeface="+mn-cs"/>
+              </a:defRPr>
+            </a:lvl7pPr>
+            <a:lvl8pPr marL="3429000" indent="-228600" algn="l" defTabSz="914400" rtl="0" eaLnBrk="1" latinLnBrk="0" hangingPunct="1">
+              <a:spcBef>
+                <a:spcPct val="20000"/>
+              </a:spcBef>
+              <a:buFont typeface="Arial" pitchFamily="34" charset="0"/>
+              <a:buChar char="•"/>
+              <a:defRPr sz="2000" kern="1200">
+                <a:solidFill>
+                  <a:schemeClr val="tx1"/>
+                </a:solidFill>
+                <a:latin typeface="+mn-lt"/>
+                <a:ea typeface="+mn-ea"/>
+                <a:cs typeface="+mn-cs"/>
+              </a:defRPr>
+            </a:lvl8pPr>
+            <a:lvl9pPr marL="3886200" indent="-228600" algn="l" defTabSz="914400" rtl="0" eaLnBrk="1" latinLnBrk="0" hangingPunct="1">
+              <a:spcBef>
+                <a:spcPct val="20000"/>
+              </a:spcBef>
+              <a:buFont typeface="Arial" pitchFamily="34" charset="0"/>
+              <a:buChar char="•"/>
+              <a:defRPr sz="2000" kern="1200">
+                <a:solidFill>
+                  <a:schemeClr val="tx1"/>
+                </a:solidFill>
+                <a:latin typeface="+mn-lt"/>
+                <a:ea typeface="+mn-ea"/>
+                <a:cs typeface="+mn-cs"/>
+              </a:defRPr>
+            </a:lvl9pPr>
+          </a:lstStyle>
+          <a:p>
+            <a:r>
+              <a:rPr lang="en-US" dirty="0" smtClean="0"/>
+              <a:t>Standard features</a:t>
+            </a:r>
+            <a:endParaRPr lang="en-US" dirty="0"/>
+          </a:p>
+        </p:txBody>
+      </p:sp>
     </p:spTree>
     <p:extLst>
       <p:ext uri="{BB962C8B-B14F-4D97-AF65-F5344CB8AC3E}">
@@ -4598,6 +12630,13 @@
   <p:clrMapOvr>
     <a:masterClrMapping/>
   </p:clrMapOvr>
+  <p:timing>
+    <p:tnLst>
+      <p:par>
+        <p:cTn id="1" dur="indefinite" restart="never" nodeType="tmRoot"/>
+      </p:par>
+    </p:tnLst>
+  </p:timing>
 </p:sld>
 </file>
 
@@ -4723,23 +12762,27 @@
             </a:r>
             <a:r>
               <a:rPr lang="es-ES" dirty="0"/>
-              <a:t> Cu</a:t>
-            </a:r>
-            <a:r>
-              <a:rPr lang="es-ES" baseline="-25000" dirty="0"/>
+              <a:t> </a:t>
+            </a:r>
+            <a:r>
+              <a:rPr lang="es-ES"/>
+              <a:t>Cu</a:t>
+            </a:r>
+            <a:r>
+              <a:rPr lang="es-ES" baseline="-25000"/>
               <a:t>15.4</a:t>
             </a:r>
             <a:r>
-              <a:rPr lang="es-ES" dirty="0"/>
+              <a:rPr lang="es-ES"/>
               <a:t> </a:t>
             </a:r>
             <a:r>
-              <a:rPr lang="es-ES" dirty="0" smtClean="0"/>
+              <a:rPr lang="es-ES" smtClean="0"/>
               <a:t>Ni</a:t>
             </a:r>
             <a:r>
-              <a:rPr lang="es-ES" baseline="-25000" dirty="0" smtClean="0"/>
-              <a:t>1</a:t>
+              <a:rPr lang="es-ES" baseline="-25000" smtClean="0"/>
+              <a:t>12.6</a:t>
             </a:r>
             <a:endParaRPr lang="en-US" baseline="-25000" dirty="0"/>
           </a:p>
@@ -5044,6 +13087,371 @@
   <p:clrMapOvr>
     <a:masterClrMapping/>
   </p:clrMapOvr>
+  <p:timing>
+    <p:tnLst>
+      <p:par>
+        <p:cTn id="1" dur="indefinite" restart="never" nodeType="tmRoot"/>
+      </p:par>
+    </p:tnLst>
+  </p:timing>
+</p:sld>
+</file>
+
+<file path=ppt/slides/slide8.xml><?xml version="1.0" encoding="utf-8"?>
+<p:sld xmlns:a="http://schemas.openxmlformats.org/drawingml/2006/main" xmlns:r="http://schemas.openxmlformats.org/officeDocument/2006/relationships" xmlns:p="http://schemas.openxmlformats.org/presentationml/2006/main">
+  <p:cSld>
+    <p:spTree>
+      <p:nvGrpSpPr>
+        <p:cNvPr id="1" name=""/>
+        <p:cNvGrpSpPr/>
+        <p:nvPr/>
+      </p:nvGrpSpPr>
+      <p:grpSpPr>
+        <a:xfrm>
+          <a:off x="0" y="0"/>
+          <a:ext cx="0" cy="0"/>
+          <a:chOff x="0" y="0"/>
+          <a:chExt cx="0" cy="0"/>
+        </a:xfrm>
+      </p:grpSpPr>
+      <p:sp>
+        <p:nvSpPr>
+          <p:cNvPr id="2" name="Slide Number Placeholder 1"/>
+          <p:cNvSpPr>
+            <a:spLocks noGrp="1"/>
+          </p:cNvSpPr>
+          <p:nvPr>
+            <p:ph type="sldNum" sz="quarter" idx="11"/>
+          </p:nvPr>
+        </p:nvSpPr>
+        <p:spPr/>
+        <p:txBody>
+          <a:bodyPr/>
+          <a:lstStyle/>
+          <a:p>
+            <a:fld id="{5BD36294-2849-48A8-8531-5354CF3095D2}" type="slidenum">
+              <a:rPr lang="en-US" smtClean="0"/>
+              <a:pPr/>
+              <a:t>8</a:t>
+            </a:fld>
+            <a:endParaRPr lang="en-US" dirty="0"/>
+          </a:p>
+        </p:txBody>
+      </p:sp>
+      <p:sp>
+        <p:nvSpPr>
+          <p:cNvPr id="3" name="Title 2"/>
+          <p:cNvSpPr>
+            <a:spLocks noGrp="1"/>
+          </p:cNvSpPr>
+          <p:nvPr>
+            <p:ph type="title"/>
+          </p:nvPr>
+        </p:nvSpPr>
+        <p:spPr/>
+        <p:txBody>
+          <a:bodyPr/>
+          <a:lstStyle/>
+          <a:p>
+            <a:r>
+              <a:rPr lang="en-US" dirty="0" smtClean="0"/>
+              <a:t>Dropping </a:t>
+            </a:r>
+            <a:r>
+              <a:rPr lang="en-US" dirty="0" err="1" smtClean="0"/>
+              <a:t>GSvolume</a:t>
+            </a:r>
+            <a:r>
+              <a:rPr lang="en-US" dirty="0" smtClean="0"/>
+              <a:t>, Covalent Radius</a:t>
+            </a:r>
+            <a:endParaRPr lang="en-US" dirty="0"/>
+          </a:p>
+        </p:txBody>
+      </p:sp>
+      <p:pic>
+        <p:nvPicPr>
+          <p:cNvPr id="5" name="Content Placeholder 4"/>
+          <p:cNvPicPr>
+            <a:picLocks noGrp="1" noChangeAspect="1"/>
+          </p:cNvPicPr>
+          <p:nvPr>
+            <p:ph sz="quarter" idx="14"/>
+          </p:nvPr>
+        </p:nvPicPr>
+        <p:blipFill>
+          <a:blip r:embed="rId2">
+            <a:extLst>
+              <a:ext uri="{28A0092B-C50C-407E-A947-70E740481C1C}">
+                <a14:useLocalDpi xmlns:a14="http://schemas.microsoft.com/office/drawing/2010/main" val="0"/>
+              </a:ext>
+            </a:extLst>
+          </a:blip>
+          <a:stretch>
+            <a:fillRect/>
+          </a:stretch>
+        </p:blipFill>
+        <p:spPr>
+          <a:xfrm>
+            <a:off x="2225154" y="1489348"/>
+            <a:ext cx="4573042" cy="4573042"/>
+          </a:xfrm>
+        </p:spPr>
+      </p:pic>
+      <p:pic>
+        <p:nvPicPr>
+          <p:cNvPr id="6" name="Picture 5"/>
+          <p:cNvPicPr>
+            <a:picLocks noChangeAspect="1"/>
+          </p:cNvPicPr>
+          <p:nvPr/>
+        </p:nvPicPr>
+        <p:blipFill>
+          <a:blip r:embed="rId3">
+            <a:extLst>
+              <a:ext uri="{28A0092B-C50C-407E-A947-70E740481C1C}">
+                <a14:useLocalDpi xmlns:a14="http://schemas.microsoft.com/office/drawing/2010/main" val="0"/>
+              </a:ext>
+            </a:extLst>
+          </a:blip>
+          <a:stretch>
+            <a:fillRect/>
+          </a:stretch>
+        </p:blipFill>
+        <p:spPr>
+          <a:xfrm>
+            <a:off x="-2743200" y="1981200"/>
+            <a:ext cx="4573042" cy="4573042"/>
+          </a:xfrm>
+          <a:prstGeom prst="rect">
+            <a:avLst/>
+          </a:prstGeom>
+        </p:spPr>
+      </p:pic>
+      <p:pic>
+        <p:nvPicPr>
+          <p:cNvPr id="7" name="Picture 6"/>
+          <p:cNvPicPr>
+            <a:picLocks noChangeAspect="1"/>
+          </p:cNvPicPr>
+          <p:nvPr/>
+        </p:nvPicPr>
+        <p:blipFill>
+          <a:blip r:embed="rId4">
+            <a:extLst>
+              <a:ext uri="{28A0092B-C50C-407E-A947-70E740481C1C}">
+                <a14:useLocalDpi xmlns:a14="http://schemas.microsoft.com/office/drawing/2010/main" val="0"/>
+              </a:ext>
+            </a:extLst>
+          </a:blip>
+          <a:stretch>
+            <a:fillRect/>
+          </a:stretch>
+        </p:blipFill>
+        <p:spPr>
+          <a:xfrm>
+            <a:off x="6934200" y="1489348"/>
+            <a:ext cx="4573042" cy="4573042"/>
+          </a:xfrm>
+          <a:prstGeom prst="rect">
+            <a:avLst/>
+          </a:prstGeom>
+        </p:spPr>
+      </p:pic>
+    </p:spTree>
+    <p:extLst>
+      <p:ext uri="{BB962C8B-B14F-4D97-AF65-F5344CB8AC3E}">
+        <p14:creationId xmlns:p14="http://schemas.microsoft.com/office/powerpoint/2010/main" val="3838946000"/>
+      </p:ext>
+    </p:extLst>
+  </p:cSld>
+  <p:clrMapOvr>
+    <a:masterClrMapping/>
+  </p:clrMapOvr>
+</p:sld>
+</file>
+
+<file path=ppt/slides/slide9.xml><?xml version="1.0" encoding="utf-8"?>
+<p:sld xmlns:a="http://schemas.openxmlformats.org/drawingml/2006/main" xmlns:r="http://schemas.openxmlformats.org/officeDocument/2006/relationships" xmlns:p="http://schemas.openxmlformats.org/presentationml/2006/main">
+  <p:cSld>
+    <p:spTree>
+      <p:nvGrpSpPr>
+        <p:cNvPr id="1" name=""/>
+        <p:cNvGrpSpPr/>
+        <p:nvPr/>
+      </p:nvGrpSpPr>
+      <p:grpSpPr>
+        <a:xfrm>
+          <a:off x="0" y="0"/>
+          <a:ext cx="0" cy="0"/>
+          <a:chOff x="0" y="0"/>
+          <a:chExt cx="0" cy="0"/>
+        </a:xfrm>
+      </p:grpSpPr>
+      <p:sp>
+        <p:nvSpPr>
+          <p:cNvPr id="2" name="Slide Number Placeholder 1"/>
+          <p:cNvSpPr>
+            <a:spLocks noGrp="1"/>
+          </p:cNvSpPr>
+          <p:nvPr>
+            <p:ph type="sldNum" sz="quarter" idx="11"/>
+          </p:nvPr>
+        </p:nvSpPr>
+        <p:spPr/>
+        <p:txBody>
+          <a:bodyPr/>
+          <a:lstStyle/>
+          <a:p>
+            <a:fld id="{5BD36294-2849-48A8-8531-5354CF3095D2}" type="slidenum">
+              <a:rPr lang="en-US" smtClean="0"/>
+              <a:pPr/>
+              <a:t>9</a:t>
+            </a:fld>
+            <a:endParaRPr lang="en-US" dirty="0"/>
+          </a:p>
+        </p:txBody>
+      </p:sp>
+      <p:sp>
+        <p:nvSpPr>
+          <p:cNvPr id="3" name="Title 2"/>
+          <p:cNvSpPr>
+            <a:spLocks noGrp="1"/>
+          </p:cNvSpPr>
+          <p:nvPr>
+            <p:ph type="title"/>
+          </p:nvPr>
+        </p:nvSpPr>
+        <p:spPr/>
+        <p:txBody>
+          <a:bodyPr/>
+          <a:lstStyle/>
+          <a:p>
+            <a:r>
+              <a:rPr lang="en-US" dirty="0" smtClean="0"/>
+              <a:t>Model difference between real and </a:t>
+            </a:r>
+            <a:r>
+              <a:rPr lang="en-US" dirty="0" err="1" smtClean="0"/>
+              <a:t>Vegard’s</a:t>
+            </a:r>
+            <a:r>
+              <a:rPr lang="en-US" dirty="0" smtClean="0"/>
+              <a:t> law</a:t>
+            </a:r>
+            <a:endParaRPr lang="en-US" dirty="0"/>
+          </a:p>
+        </p:txBody>
+      </p:sp>
+      <p:pic>
+        <p:nvPicPr>
+          <p:cNvPr id="5" name="Content Placeholder 4"/>
+          <p:cNvPicPr>
+            <a:picLocks noGrp="1" noChangeAspect="1"/>
+          </p:cNvPicPr>
+          <p:nvPr>
+            <p:ph sz="quarter" idx="14"/>
+          </p:nvPr>
+        </p:nvPicPr>
+        <p:blipFill>
+          <a:blip r:embed="rId2">
+            <a:extLst>
+              <a:ext uri="{28A0092B-C50C-407E-A947-70E740481C1C}">
+                <a14:useLocalDpi xmlns:a14="http://schemas.microsoft.com/office/drawing/2010/main" val="0"/>
+              </a:ext>
+            </a:extLst>
+          </a:blip>
+          <a:stretch>
+            <a:fillRect/>
+          </a:stretch>
+        </p:blipFill>
+        <p:spPr>
+          <a:xfrm>
+            <a:off x="488216" y="2133600"/>
+            <a:ext cx="4573042" cy="4573042"/>
+          </a:xfrm>
+        </p:spPr>
+      </p:pic>
+      <p:sp>
+        <p:nvSpPr>
+          <p:cNvPr id="6" name="TextBox 5"/>
+          <p:cNvSpPr txBox="1"/>
+          <p:nvPr/>
+        </p:nvSpPr>
+        <p:spPr>
+          <a:xfrm>
+            <a:off x="5061258" y="1600200"/>
+            <a:ext cx="3701742" cy="1477328"/>
+          </a:xfrm>
+          <a:prstGeom prst="rect">
+            <a:avLst/>
+          </a:prstGeom>
+          <a:noFill/>
+        </p:spPr>
+        <p:txBody>
+          <a:bodyPr wrap="square" rtlCol="0">
+            <a:spAutoFit/>
+          </a:bodyPr>
+          <a:lstStyle/>
+          <a:p>
+            <a:r>
+              <a:rPr lang="en-US" dirty="0" smtClean="0"/>
+              <a:t>Without outliers (same problem composition), r</a:t>
+            </a:r>
+            <a:r>
+              <a:rPr lang="en-US" baseline="30000" dirty="0" smtClean="0"/>
+              <a:t>2</a:t>
+            </a:r>
+            <a:r>
+              <a:rPr lang="en-US" dirty="0" smtClean="0"/>
+              <a:t> = 0.479</a:t>
+            </a:r>
+          </a:p>
+          <a:p>
+            <a:endParaRPr lang="en-US" dirty="0"/>
+          </a:p>
+          <a:p>
+            <a:r>
+              <a:rPr lang="en-US" dirty="0" smtClean="0"/>
+              <a:t>Without outliers the original model gives up </a:t>
+            </a:r>
+            <a:r>
+              <a:rPr lang="en-US" dirty="0"/>
+              <a:t>to r</a:t>
+            </a:r>
+            <a:r>
+              <a:rPr lang="en-US" baseline="30000" dirty="0"/>
+              <a:t>2</a:t>
+            </a:r>
+            <a:r>
+              <a:rPr lang="en-US" dirty="0"/>
+              <a:t> = </a:t>
+            </a:r>
+            <a:r>
+              <a:rPr lang="en-US" dirty="0" smtClean="0"/>
+              <a:t>0.913</a:t>
+            </a:r>
+            <a:endParaRPr lang="en-US" dirty="0"/>
+          </a:p>
+        </p:txBody>
+      </p:sp>
+    </p:spTree>
+    <p:extLst>
+      <p:ext uri="{BB962C8B-B14F-4D97-AF65-F5344CB8AC3E}">
+        <p14:creationId xmlns:p14="http://schemas.microsoft.com/office/powerpoint/2010/main" val="124274367"/>
+      </p:ext>
+    </p:extLst>
+  </p:cSld>
+  <p:clrMapOvr>
+    <a:masterClrMapping/>
+  </p:clrMapOvr>
+  <p:timing>
+    <p:tnLst>
+      <p:par>
+        <p:cTn id="1" dur="indefinite" restart="never" nodeType="tmRoot"/>
+      </p:par>
+    </p:tnLst>
+  </p:timing>
 </p:sld>
 </file>
 
